--- a/aulas/01-introducao/slides.pptx
+++ b/aulas/01-introducao/slides.pptx
@@ -41,6 +41,10 @@
     <p:sldId id="288" r:id="rId37"/>
     <p:sldId id="289" r:id="rId38"/>
     <p:sldId id="290" r:id="rId39"/>
+    <p:sldId id="291" r:id="rId40"/>
+    <p:sldId id="292" r:id="rId41"/>
+    <p:sldId id="293" r:id="rId42"/>
+    <p:sldId id="294" r:id="rId43"/>
   </p:sldIdLst>
   <p:sldSz cx="9144000" cy="6858000" type="screen4x3"/>
   <p:notesSz cx="6858000" cy="9144000"/>
@@ -13091,14 +13095,14 @@
       </p:grpSpPr>
       <p:sp>
         <p:nvSpPr>
-          <p:cNvPr id="4" name="Google Shape;323;p61" hidden="0"/>
+          <p:cNvPr id="4" name="Google Shape;267;p55" hidden="0"/>
           <p:cNvSpPr/>
           <p:nvPr isPhoto="0" userDrawn="0"/>
         </p:nvSpPr>
         <p:spPr bwMode="auto">
           <a:xfrm>
             <a:off x="457200" y="781200"/>
-            <a:ext cx="8228399" cy="617999"/>
+            <a:ext cx="8228520" cy="618120"/>
           </a:xfrm>
           <a:prstGeom prst="rect">
             <a:avLst/>
@@ -13136,7 +13140,7 @@
                 <a:ea typeface="Verdana"/>
                 <a:cs typeface="Verdana"/>
               </a:rPr>
-              <a:t>Avaliação (Projeto - Detalhes) </a:t>
+              <a:t>Objetivos de aprendizagem</a:t>
             </a:r>
             <a:endParaRPr sz="3200" b="0" i="0" u="none" strike="noStrike" cap="none">
               <a:solidFill>
@@ -13151,14 +13155,14 @@
       </p:sp>
       <p:sp>
         <p:nvSpPr>
-          <p:cNvPr id="5" name="Google Shape;324;p61" hidden="0"/>
+          <p:cNvPr id="5" name="Google Shape;268;p55" hidden="0"/>
           <p:cNvSpPr/>
           <p:nvPr isPhoto="0" userDrawn="0"/>
         </p:nvSpPr>
         <p:spPr bwMode="auto">
           <a:xfrm>
             <a:off x="162000" y="85680"/>
-            <a:ext cx="7228499" cy="351299"/>
+            <a:ext cx="7228440" cy="351360"/>
           </a:xfrm>
           <a:prstGeom prst="rect">
             <a:avLst/>
@@ -13169,7 +13173,7 @@
           </a:ln>
         </p:spPr>
         <p:txBody>
-          <a:bodyPr spcFirstLastPara="1" wrap="square" lIns="91424" tIns="91424" rIns="91424" bIns="91424" anchor="ctr" anchorCtr="0">
+          <a:bodyPr spcFirstLastPara="1" wrap="square" lIns="91422" tIns="91422" rIns="91422" bIns="91422" anchor="ctr" anchorCtr="0">
             <a:noAutofit/>
           </a:bodyPr>
           <a:lstStyle/>
@@ -13190,14 +13194,14 @@
       </p:sp>
       <p:sp>
         <p:nvSpPr>
-          <p:cNvPr id="6" name="Google Shape;325;p61" hidden="0"/>
+          <p:cNvPr id="6" name="Google Shape;269;p55" hidden="0"/>
           <p:cNvSpPr/>
           <p:nvPr isPhoto="0" userDrawn="0"/>
         </p:nvSpPr>
         <p:spPr bwMode="auto">
           <a:xfrm>
             <a:off x="84240" y="6402240"/>
-            <a:ext cx="640499" cy="363898"/>
+            <a:ext cx="640440" cy="363960"/>
           </a:xfrm>
           <a:prstGeom prst="rect">
             <a:avLst/>
@@ -13226,7 +13230,7 @@
               <a:buNone/>
               <a:defRPr/>
             </a:pPr>
-            <a:fld id="{E87BADEE-47F8-DDAF-8C78-426919964141}" type="slidenum">
+            <a:fld id="{0C9B3C4B-16A4-5F05-0FBC-FD7BA363512A}" type="slidenum">
               <a:rPr lang="pt-BR" sz="1000" b="0" i="0" u="none" strike="noStrike" cap="none">
                 <a:solidFill>
                   <a:srgbClr val="B2B2B2"/>
@@ -13250,16 +13254,16 @@
       </p:sp>
       <p:sp>
         <p:nvSpPr>
-          <p:cNvPr id="7" name="Google Shape;326;p61" hidden="0"/>
+          <p:cNvPr id="7" name="Google Shape;270;p55" hidden="0"/>
           <p:cNvSpPr>
             <a:spLocks noAdjustHandles="0" noChangeArrowheads="0"/>
           </p:cNvSpPr>
           <p:nvPr isPhoto="0" userDrawn="0"/>
         </p:nvSpPr>
         <p:spPr bwMode="auto">
-          <a:xfrm>
-            <a:off x="576000" y="1728000"/>
-            <a:ext cx="8228399" cy="4443300"/>
+          <a:xfrm flipH="0" flipV="0">
+            <a:off x="309228" y="1661758"/>
+            <a:ext cx="8704383" cy="4976431"/>
           </a:xfrm>
           <a:prstGeom prst="rect">
             <a:avLst/>
@@ -13270,204 +13274,298 @@
           </a:ln>
         </p:spPr>
         <p:txBody>
-          <a:bodyPr spcFirstLastPara="1" wrap="square" lIns="90000" tIns="45000" rIns="90000" bIns="45000" anchor="t" anchorCtr="0">
+          <a:bodyPr spcFirstLastPara="1" wrap="square" lIns="91422" tIns="45698" rIns="91422" bIns="45698" anchor="t" anchorCtr="0">
             <a:noAutofit/>
           </a:bodyPr>
           <a:lstStyle/>
           <a:p>
-            <a:pPr marL="349965" lvl="0" indent="-349965" algn="l">
+            <a:pPr marL="217792" indent="-217792">
               <a:lnSpc>
-                <a:spcPct val="200000"/>
+                <a:spcPct val="114999"/>
               </a:lnSpc>
-              <a:spcBef>
-                <a:spcPts val="0"/>
-              </a:spcBef>
-              <a:spcAft>
-                <a:spcPts val="0"/>
-              </a:spcAft>
-              <a:buFont typeface="Arial"/>
-              <a:buChar char="•"/>
+              <a:buAutoNum type="arabicPeriod"/>
               <a:defRPr/>
             </a:pPr>
             <a:r>
-              <a:rPr lang="pt-BR" sz="2400" b="0" i="0" u="none" strike="noStrike" cap="none" spc="0">
+              <a:rPr sz="2400" b="0" i="0" u="none">
                 <a:solidFill>
-                  <a:schemeClr val="dk1"/>
+                  <a:srgbClr val="000000"/>
                 </a:solidFill>
-                <a:latin typeface="Arial"/>
-                <a:ea typeface="Arial"/>
-                <a:cs typeface="Arial"/>
+                <a:latin typeface="Liberation Sans"/>
+                <a:ea typeface="Liberation Sans"/>
+                <a:cs typeface="Liberation Sans"/>
               </a:rPr>
-              <a:t>Os itens que compõe a rubrica C são obrigatórios;</a:t>
+              <a:t> Criar </a:t>
             </a:r>
-            <a:endParaRPr lang="pt-BR" sz="2400" b="0" i="0" u="none" strike="noStrike" cap="none" spc="0">
+            <a:r>
+              <a:rPr sz="2400" b="1" i="0" u="none">
+                <a:solidFill>
+                  <a:srgbClr val="000000"/>
+                </a:solidFill>
+                <a:latin typeface="Liberation Sans"/>
+                <a:ea typeface="Liberation Sans"/>
+                <a:cs typeface="Liberation Sans"/>
+              </a:rPr>
+              <a:t>implementações eficientes</a:t>
+            </a:r>
+            <a:r>
+              <a:rPr sz="2400" b="0" i="0" u="none">
+                <a:solidFill>
+                  <a:srgbClr val="000000"/>
+                </a:solidFill>
+                <a:latin typeface="Liberation Sans"/>
+                <a:ea typeface="Liberation Sans"/>
+                <a:cs typeface="Liberation Sans"/>
+              </a:rPr>
+              <a:t> para problemas computacionalmente  difíceis;</a:t>
+            </a:r>
+            <a:endParaRPr sz="2400" b="0" i="0" u="none">
               <a:solidFill>
-                <a:schemeClr val="dk1"/>
+                <a:srgbClr val="000000"/>
               </a:solidFill>
-              <a:latin typeface="Arial"/>
-              <a:ea typeface="Arial"/>
-              <a:cs typeface="Arial"/>
+              <a:latin typeface="Liberation Sans"/>
+              <a:ea typeface="Liberation Sans"/>
+              <a:cs typeface="Liberation Sans"/>
             </a:endParaRPr>
           </a:p>
           <a:p>
-            <a:pPr marL="349965" lvl="0" indent="-349965" algn="l">
+            <a:pPr marL="217792" indent="-217792">
               <a:lnSpc>
-                <a:spcPct val="150000"/>
+                <a:spcPct val="114999"/>
               </a:lnSpc>
-              <a:spcBef>
-                <a:spcPts val="0"/>
-              </a:spcBef>
-              <a:spcAft>
-                <a:spcPts val="0"/>
-              </a:spcAft>
-              <a:buFont typeface="Arial"/>
-              <a:buChar char="•"/>
+              <a:buAutoNum type="arabicPeriod"/>
               <a:defRPr/>
             </a:pPr>
             <a:r>
-              <a:rPr lang="pt-BR" sz="2400" b="0" i="0" u="none" strike="noStrike" cap="none" spc="0">
+              <a:rPr sz="2400" b="0" i="0" u="none">
                 <a:solidFill>
-                  <a:schemeClr val="dk1"/>
+                  <a:srgbClr val="000000"/>
                 </a:solidFill>
-                <a:latin typeface="Arial"/>
-                <a:ea typeface="Arial"/>
-                <a:cs typeface="Arial"/>
+                <a:latin typeface="Liberation Sans"/>
+                <a:ea typeface="Liberation Sans"/>
+                <a:cs typeface="Liberation Sans"/>
               </a:rPr>
-              <a:t>Correções parcialmente baseadas em testes automatizados;</a:t>
+              <a:t> Planejar  e projetar sistemas de computação de alto desempenho, </a:t>
             </a:r>
-            <a:endParaRPr lang="pt-BR" sz="2400" b="0" i="0" u="none" strike="noStrike" cap="none" spc="0">
+            <a:r>
+              <a:rPr sz="2400" b="1" i="0" u="none">
+                <a:solidFill>
+                  <a:srgbClr val="000000"/>
+                </a:solidFill>
+                <a:latin typeface="Liberation Sans"/>
+                <a:ea typeface="Liberation Sans"/>
+                <a:cs typeface="Liberation Sans"/>
+              </a:rPr>
+              <a:t>escolhendo as tecnologias mais adequadas</a:t>
+            </a:r>
+            <a:r>
+              <a:rPr sz="2400" b="0" i="0" u="none">
+                <a:solidFill>
+                  <a:srgbClr val="000000"/>
+                </a:solidFill>
+                <a:latin typeface="Liberation Sans"/>
+                <a:ea typeface="Liberation Sans"/>
+                <a:cs typeface="Liberation Sans"/>
+              </a:rPr>
+              <a:t> para cada tipo de aplicação;</a:t>
+            </a:r>
+            <a:endParaRPr sz="2400" b="0" i="0" u="none">
               <a:solidFill>
-                <a:schemeClr val="dk1"/>
+                <a:srgbClr val="000000"/>
               </a:solidFill>
-              <a:latin typeface="Arial"/>
-              <a:ea typeface="Arial"/>
-              <a:cs typeface="Arial"/>
+              <a:latin typeface="Liberation Sans"/>
+              <a:ea typeface="Liberation Sans"/>
+              <a:cs typeface="Liberation Sans"/>
             </a:endParaRPr>
           </a:p>
           <a:p>
-            <a:pPr marL="349965" lvl="0" indent="-349965" algn="l">
+            <a:pPr marL="217792" indent="-217792">
               <a:lnSpc>
-                <a:spcPct val="150000"/>
+                <a:spcPct val="114999"/>
               </a:lnSpc>
-              <a:spcBef>
-                <a:spcPts val="0"/>
-              </a:spcBef>
-              <a:spcAft>
-                <a:spcPts val="0"/>
-              </a:spcAft>
-              <a:buFont typeface="Arial"/>
-              <a:buChar char="•"/>
+              <a:buAutoNum type="arabicPeriod"/>
               <a:defRPr/>
             </a:pPr>
             <a:r>
-              <a:rPr lang="pt-BR" sz="2400" b="0" i="0" u="none" strike="noStrike" cap="none" spc="0">
+              <a:rPr sz="2400" b="0" i="0" u="none">
                 <a:solidFill>
-                  <a:schemeClr val="dk1"/>
+                  <a:srgbClr val="000000"/>
                 </a:solidFill>
-                <a:latin typeface="Arial"/>
-                <a:ea typeface="Arial"/>
-                <a:cs typeface="Arial"/>
+                <a:latin typeface="Liberation Sans"/>
+                <a:ea typeface="Liberation Sans"/>
+                <a:cs typeface="Liberation Sans"/>
               </a:rPr>
-              <a:t>Competições serão feitas perto da PI e PF com configurações de hardware padrão</a:t>
+              <a:t> Utilizar  recursos de </a:t>
             </a:r>
-            <a:endParaRPr lang="pt-BR" sz="2400" b="0" i="0" u="none" strike="noStrike" cap="none" spc="0">
+            <a:r>
+              <a:rPr sz="2400" b="1" i="0" u="none">
+                <a:solidFill>
+                  <a:srgbClr val="000000"/>
+                </a:solidFill>
+                <a:latin typeface="Liberation Sans"/>
+                <a:ea typeface="Liberation Sans"/>
+                <a:cs typeface="Liberation Sans"/>
+              </a:rPr>
+              <a:t>computação multi-core</a:t>
+            </a:r>
+            <a:r>
+              <a:rPr sz="2400" b="0" i="0" u="none">
+                <a:solidFill>
+                  <a:srgbClr val="000000"/>
+                </a:solidFill>
+                <a:latin typeface="Liberation Sans"/>
+                <a:ea typeface="Liberation Sans"/>
+                <a:cs typeface="Liberation Sans"/>
+              </a:rPr>
+              <a:t> para melhorar o desempenho de  programas sequenciais; </a:t>
+            </a:r>
+            <a:endParaRPr sz="2400" b="0" i="0" u="none">
               <a:solidFill>
-                <a:schemeClr val="dk1"/>
+                <a:srgbClr val="000000"/>
               </a:solidFill>
-              <a:latin typeface="Arial"/>
-              <a:ea typeface="Arial"/>
-              <a:cs typeface="Arial"/>
+              <a:latin typeface="Liberation Sans"/>
+              <a:ea typeface="Liberation Sans"/>
+              <a:cs typeface="Liberation Sans"/>
             </a:endParaRPr>
           </a:p>
           <a:p>
-            <a:pPr marL="349965" lvl="0" indent="-349965" algn="l">
+            <a:pPr marL="217792" indent="-217792">
               <a:lnSpc>
-                <a:spcPct val="150000"/>
+                <a:spcPct val="114999"/>
               </a:lnSpc>
-              <a:spcBef>
-                <a:spcPts val="0"/>
-              </a:spcBef>
-              <a:spcAft>
-                <a:spcPts val="0"/>
-              </a:spcAft>
-              <a:buFont typeface="Arial"/>
-              <a:buChar char="•"/>
-              <a:defRPr/>
-            </a:pPr>
-            <a:endParaRPr lang="pt-BR" sz="2400" b="0" i="0" u="none" strike="noStrike" cap="none" spc="0">
+              <a:buAutoNum type="arabicPeriod"/>
+              <a:defRPr/>
+            </a:pPr>
+            <a:r>
+              <a:rPr sz="2400" b="0" i="0" u="none">
+                <a:solidFill>
+                  <a:srgbClr val="000000"/>
+                </a:solidFill>
+                <a:latin typeface="Liberation Sans"/>
+                <a:ea typeface="Liberation Sans"/>
+                <a:cs typeface="Liberation Sans"/>
+              </a:rPr>
+              <a:t> Implementar algoritmos ingenuamente paralelizáveis em </a:t>
+            </a:r>
+            <a:r>
+              <a:rPr sz="2400" b="1" i="0" u="none">
+                <a:solidFill>
+                  <a:srgbClr val="000000"/>
+                </a:solidFill>
+                <a:latin typeface="Liberation Sans"/>
+                <a:ea typeface="Liberation Sans"/>
+                <a:cs typeface="Liberation Sans"/>
+              </a:rPr>
+              <a:t>GPU</a:t>
+            </a:r>
+            <a:r>
+              <a:rPr sz="2400" b="0" i="0" u="none">
+                <a:solidFill>
+                  <a:srgbClr val="000000"/>
+                </a:solidFill>
+                <a:latin typeface="Liberation Sans"/>
+                <a:ea typeface="Liberation Sans"/>
+                <a:cs typeface="Liberation Sans"/>
+              </a:rPr>
+              <a:t>;</a:t>
+            </a:r>
+            <a:endParaRPr sz="2400" b="0" i="0" u="none">
               <a:solidFill>
-                <a:schemeClr val="dk1"/>
+                <a:srgbClr val="000000"/>
               </a:solidFill>
-              <a:latin typeface="Arial"/>
-              <a:ea typeface="Arial"/>
-              <a:cs typeface="Arial"/>
+              <a:latin typeface="Liberation Sans"/>
+              <a:ea typeface="Liberation Sans"/>
+              <a:cs typeface="Liberation Sans"/>
             </a:endParaRPr>
           </a:p>
           <a:p>
-            <a:pPr marL="349965" lvl="0" indent="-349965" algn="l">
+            <a:pPr marL="217792" indent="-217792">
               <a:lnSpc>
-                <a:spcPct val="150000"/>
+                <a:spcPct val="114999"/>
               </a:lnSpc>
-              <a:spcBef>
-                <a:spcPts val="0"/>
-              </a:spcBef>
-              <a:spcAft>
-                <a:spcPts val="0"/>
-              </a:spcAft>
-              <a:buFont typeface="Arial"/>
-              <a:buChar char="•"/>
-              <a:defRPr/>
-            </a:pPr>
-            <a:endParaRPr lang="pt-BR" sz="2400" b="0" i="0" u="none" strike="noStrike" cap="none" spc="0">
+              <a:buAutoNum type="arabicPeriod"/>
+              <a:defRPr/>
+            </a:pPr>
+            <a:r>
+              <a:rPr sz="2400" b="0" i="0" u="none">
+                <a:solidFill>
+                  <a:srgbClr val="000000"/>
+                </a:solidFill>
+                <a:latin typeface="Liberation Sans"/>
+                <a:ea typeface="Liberation Sans"/>
+                <a:cs typeface="Liberation Sans"/>
+              </a:rPr>
+              <a:t> Analisar </a:t>
+            </a:r>
+            <a:r>
+              <a:rPr sz="2400" b="1" i="0" u="none">
+                <a:solidFill>
+                  <a:srgbClr val="000000"/>
+                </a:solidFill>
+                <a:latin typeface="Liberation Sans"/>
+                <a:ea typeface="Liberation Sans"/>
+                <a:cs typeface="Liberation Sans"/>
+              </a:rPr>
+              <a:t>resultados de desempenho</a:t>
+            </a:r>
+            <a:r>
+              <a:rPr sz="2400" b="0" i="0" u="none">
+                <a:solidFill>
+                  <a:srgbClr val="000000"/>
+                </a:solidFill>
+                <a:latin typeface="Liberation Sans"/>
+                <a:ea typeface="Liberation Sans"/>
+                <a:cs typeface="Liberation Sans"/>
+              </a:rPr>
+              <a:t> levando em conta </a:t>
+            </a:r>
+            <a:r>
+              <a:rPr sz="2400" b="1" i="0" u="none">
+                <a:solidFill>
+                  <a:srgbClr val="000000"/>
+                </a:solidFill>
+                <a:latin typeface="Liberation Sans"/>
+                <a:ea typeface="Liberation Sans"/>
+                <a:cs typeface="Liberation Sans"/>
+              </a:rPr>
+              <a:t>complexidade computacional</a:t>
+            </a:r>
+            <a:r>
+              <a:rPr sz="2400" b="0" i="0" u="none">
+                <a:solidFill>
+                  <a:srgbClr val="000000"/>
+                </a:solidFill>
+                <a:latin typeface="Liberation Sans"/>
+                <a:ea typeface="Liberation Sans"/>
+                <a:cs typeface="Liberation Sans"/>
+              </a:rPr>
+              <a:t> e </a:t>
+            </a:r>
+            <a:r>
+              <a:rPr sz="2400" b="1" i="0" u="none">
+                <a:solidFill>
+                  <a:srgbClr val="000000"/>
+                </a:solidFill>
+                <a:latin typeface="Liberation Sans"/>
+                <a:ea typeface="Liberation Sans"/>
+                <a:cs typeface="Liberation Sans"/>
+              </a:rPr>
+              <a:t>tecnologias usadas</a:t>
+            </a:r>
+            <a:r>
+              <a:rPr sz="2400" b="0" i="0" u="none">
+                <a:solidFill>
+                  <a:srgbClr val="000000"/>
+                </a:solidFill>
+                <a:latin typeface="Liberation Sans"/>
+                <a:ea typeface="Liberation Sans"/>
+                <a:cs typeface="Liberation Sans"/>
+              </a:rPr>
+              <a:t> na implementação.</a:t>
+            </a:r>
+            <a:endParaRPr sz="1200" b="0" i="0" u="none">
               <a:solidFill>
-                <a:schemeClr val="dk1"/>
-              </a:solidFill>
-              <a:latin typeface="Arial"/>
-              <a:ea typeface="Arial"/>
-              <a:cs typeface="Arial"/>
-            </a:endParaRPr>
-          </a:p>
-          <a:p>
-            <a:pPr marL="349965" lvl="0" indent="-349965" algn="l">
-              <a:lnSpc>
-                <a:spcPct val="150000"/>
-              </a:lnSpc>
-              <a:spcBef>
-                <a:spcPts val="0"/>
-              </a:spcBef>
-              <a:spcAft>
-                <a:spcPts val="0"/>
-              </a:spcAft>
-              <a:buFont typeface="Arial"/>
-              <a:buChar char="•"/>
-              <a:defRPr/>
-            </a:pPr>
-            <a:endParaRPr lang="pt-BR" sz="2400" b="0" i="0" u="sng" strike="noStrike" cap="none">
-              <a:solidFill>
-                <a:schemeClr val="dk1"/>
-              </a:solidFill>
-              <a:latin typeface="Arial"/>
-              <a:ea typeface="Arial"/>
-              <a:cs typeface="Arial"/>
-            </a:endParaRPr>
-          </a:p>
-          <a:p>
-            <a:pPr marL="349965" lvl="0" indent="-349965" algn="l">
-              <a:lnSpc>
-                <a:spcPct val="150000"/>
-              </a:lnSpc>
-              <a:spcBef>
-                <a:spcPts val="0"/>
-              </a:spcBef>
-              <a:spcAft>
-                <a:spcPts val="0"/>
-              </a:spcAft>
-              <a:buAutoNum type="arabicPeriod"/>
-              <a:defRPr/>
-            </a:pPr>
-            <a:endParaRPr lang="pt-BR" sz="2400" b="0" i="0" u="none" strike="noStrike" cap="none">
-              <a:solidFill>
-                <a:schemeClr val="dk1"/>
+                <a:srgbClr val="000000"/>
               </a:solidFill>
               <a:latin typeface="Arial"/>
               <a:ea typeface="Arial"/>
@@ -13556,7 +13654,7 @@
                 <a:ea typeface="Verdana"/>
                 <a:cs typeface="Verdana"/>
               </a:rPr>
-              <a:t>Avaliação (Projeto - atrasos e descontos) </a:t>
+              <a:t>Avaliação</a:t>
             </a:r>
             <a:endParaRPr sz="3200" b="0" i="0" u="none" strike="noStrike" cap="none">
               <a:solidFill>
@@ -13589,7 +13687,7 @@
           </a:ln>
         </p:spPr>
         <p:txBody>
-          <a:bodyPr spcFirstLastPara="1" wrap="square" lIns="91424" tIns="91424" rIns="91424" bIns="91424" anchor="ctr" anchorCtr="0">
+          <a:bodyPr spcFirstLastPara="1" wrap="square" lIns="91423" tIns="91423" rIns="91423" bIns="91423" anchor="ctr" anchorCtr="0">
             <a:noAutofit/>
           </a:bodyPr>
           <a:lstStyle/>
@@ -13646,7 +13744,7 @@
               <a:buNone/>
               <a:defRPr/>
             </a:pPr>
-            <a:fld id="{EDA1EBAC-2354-A59B-2051-8428905C1A13}" type="slidenum">
+            <a:fld id="{09359D87-43C2-9BBA-F57A-62BDA9F50BC4}" type="slidenum">
               <a:rPr lang="pt-BR" sz="1000" b="0" i="0" u="none" strike="noStrike" cap="none">
                 <a:solidFill>
                   <a:srgbClr val="B2B2B2"/>
@@ -13695,20 +13793,823 @@
           </a:bodyPr>
           <a:lstStyle/>
           <a:p>
+            <a:pPr lvl="0" algn="l">
+              <a:lnSpc>
+                <a:spcPct val="150000"/>
+              </a:lnSpc>
+              <a:spcBef>
+                <a:spcPts val="0"/>
+              </a:spcBef>
+              <a:spcAft>
+                <a:spcPts val="0"/>
+              </a:spcAft>
+              <a:defRPr/>
+            </a:pPr>
+            <a:r>
+              <a:rPr lang="pt-BR" sz="2400" b="0" i="0" u="none" strike="noStrike" cap="none">
+                <a:solidFill>
+                  <a:schemeClr val="dk1"/>
+                </a:solidFill>
+                <a:latin typeface="Arial"/>
+                <a:ea typeface="Arial"/>
+                <a:cs typeface="Arial"/>
+              </a:rPr>
+              <a:t>Média Final:</a:t>
+            </a:r>
+            <a:endParaRPr sz="2400">
+              <a:solidFill>
+                <a:schemeClr val="dk1"/>
+              </a:solidFill>
+            </a:endParaRPr>
+          </a:p>
+          <a:p>
+            <a:pPr marL="514348" marR="0" lvl="0" indent="-380999" algn="l">
+              <a:lnSpc>
+                <a:spcPct val="150000"/>
+              </a:lnSpc>
+              <a:spcBef>
+                <a:spcPts val="1133"/>
+              </a:spcBef>
+              <a:spcAft>
+                <a:spcPts val="0"/>
+              </a:spcAft>
+              <a:buClr>
+                <a:schemeClr val="dk1"/>
+              </a:buClr>
+              <a:buSzPts val="2400"/>
+              <a:buFont typeface="Arial"/>
+              <a:buChar char="•"/>
+              <a:defRPr/>
+            </a:pPr>
+            <a:r>
+              <a:rPr lang="pt-BR" sz="2400" b="0" i="0" u="none" strike="noStrike" cap="none">
+                <a:solidFill>
+                  <a:schemeClr val="dk1"/>
+                </a:solidFill>
+                <a:latin typeface="Arial"/>
+                <a:ea typeface="Arial"/>
+                <a:cs typeface="Arial"/>
+              </a:rPr>
+              <a:t>Projeto = 55</a:t>
+            </a:r>
+            <a:r>
+              <a:rPr lang="pt-BR" sz="2400" b="0" i="0" u="none" strike="noStrike" cap="none">
+                <a:solidFill>
+                  <a:schemeClr val="dk1"/>
+                </a:solidFill>
+                <a:latin typeface="Arial"/>
+                <a:ea typeface="Arial"/>
+                <a:cs typeface="Arial"/>
+              </a:rPr>
+              <a:t>%	</a:t>
+            </a:r>
+            <a:endParaRPr sz="2400"/>
+          </a:p>
+          <a:p>
+            <a:pPr marL="514348" marR="0" lvl="0" indent="-380999" algn="l">
+              <a:lnSpc>
+                <a:spcPct val="150000"/>
+              </a:lnSpc>
+              <a:spcBef>
+                <a:spcPts val="1133"/>
+              </a:spcBef>
+              <a:spcAft>
+                <a:spcPts val="0"/>
+              </a:spcAft>
+              <a:buClr>
+                <a:schemeClr val="dk1"/>
+              </a:buClr>
+              <a:buSzPts val="2400"/>
+              <a:buFont typeface="Arial"/>
+              <a:buChar char="•"/>
+              <a:defRPr/>
+            </a:pPr>
+            <a:r>
+              <a:rPr lang="pt-BR" sz="2400" b="0" i="0" u="none" strike="noStrike" cap="none">
+                <a:solidFill>
+                  <a:schemeClr val="dk1"/>
+                </a:solidFill>
+                <a:latin typeface="Arial"/>
+                <a:ea typeface="Arial"/>
+                <a:cs typeface="Arial"/>
+              </a:rPr>
+              <a:t>Provas = </a:t>
+            </a:r>
+            <a:r>
+              <a:rPr lang="pt-BR" sz="2400">
+                <a:solidFill>
+                  <a:schemeClr val="dk1"/>
+                </a:solidFill>
+              </a:rPr>
+              <a:t>45</a:t>
+            </a:r>
+            <a:r>
+              <a:rPr lang="pt-BR" sz="2400" b="0" i="0" u="none" strike="noStrike" cap="none">
+                <a:solidFill>
+                  <a:schemeClr val="dk1"/>
+                </a:solidFill>
+                <a:latin typeface="Arial"/>
+                <a:ea typeface="Arial"/>
+                <a:cs typeface="Arial"/>
+              </a:rPr>
+              <a:t>%	</a:t>
+            </a:r>
+            <a:endParaRPr sz="2400" b="0" i="0" u="none" strike="noStrike" cap="none">
+              <a:solidFill>
+                <a:schemeClr val="dk1"/>
+              </a:solidFill>
+              <a:latin typeface="Arial"/>
+              <a:ea typeface="Arial"/>
+              <a:cs typeface="Arial"/>
+            </a:endParaRPr>
+          </a:p>
+          <a:p>
+            <a:pPr lvl="0" algn="l">
+              <a:lnSpc>
+                <a:spcPct val="150000"/>
+              </a:lnSpc>
+              <a:spcBef>
+                <a:spcPts val="1700"/>
+              </a:spcBef>
+              <a:spcAft>
+                <a:spcPts val="0"/>
+              </a:spcAft>
+              <a:defRPr/>
+            </a:pPr>
+            <a:r>
+              <a:rPr sz="2400" u="sng">
+                <a:solidFill>
+                  <a:schemeClr val="dk1"/>
+                </a:solidFill>
+              </a:rPr>
+              <a:t>Condições</a:t>
+            </a:r>
+            <a:r>
+              <a:rPr sz="2400">
+                <a:solidFill>
+                  <a:schemeClr val="dk1"/>
+                </a:solidFill>
+              </a:rPr>
+              <a:t>:</a:t>
+            </a:r>
+            <a:endParaRPr sz="2400">
+              <a:solidFill>
+                <a:schemeClr val="dk1"/>
+              </a:solidFill>
+            </a:endParaRPr>
+          </a:p>
+          <a:p>
             <a:pPr marL="349965" lvl="0" indent="-349965" algn="l">
               <a:lnSpc>
                 <a:spcPct val="150000"/>
               </a:lnSpc>
               <a:spcBef>
-                <a:spcPts val="0"/>
-              </a:spcBef>
-              <a:spcAft>
-                <a:spcPts val="0"/>
-              </a:spcAft>
-              <a:buFont typeface="Arial"/>
-              <a:buChar char="•"/>
-              <a:defRPr/>
-            </a:pPr>
+                <a:spcPts val="1700"/>
+              </a:spcBef>
+              <a:spcAft>
+                <a:spcPts val="0"/>
+              </a:spcAft>
+              <a:buAutoNum type="arabicPeriod"/>
+              <a:defRPr/>
+            </a:pPr>
+            <a:r>
+              <a:rPr sz="2400">
+                <a:solidFill>
+                  <a:schemeClr val="dk1"/>
+                </a:solidFill>
+              </a:rPr>
+              <a:t>Média provas &gt;= 4,5</a:t>
+            </a:r>
+            <a:endParaRPr sz="2400">
+              <a:solidFill>
+                <a:schemeClr val="dk1"/>
+              </a:solidFill>
+            </a:endParaRPr>
+          </a:p>
+          <a:p>
+            <a:pPr marL="349965" lvl="0" indent="-349965" algn="l">
+              <a:lnSpc>
+                <a:spcPct val="150000"/>
+              </a:lnSpc>
+              <a:spcBef>
+                <a:spcPts val="1700"/>
+              </a:spcBef>
+              <a:spcAft>
+                <a:spcPts val="0"/>
+              </a:spcAft>
+              <a:buAutoNum type="arabicPeriod"/>
+              <a:defRPr/>
+            </a:pPr>
+            <a:r>
+              <a:rPr sz="2400">
+                <a:solidFill>
+                  <a:schemeClr val="dk1"/>
+                </a:solidFill>
+              </a:rPr>
+              <a:t>PI e PF &gt;= 4</a:t>
+            </a:r>
+            <a:endParaRPr sz="2400">
+              <a:solidFill>
+                <a:schemeClr val="dk1"/>
+              </a:solidFill>
+            </a:endParaRPr>
+          </a:p>
+          <a:p>
+            <a:pPr marL="349965" lvl="0" indent="-349965" algn="l">
+              <a:lnSpc>
+                <a:spcPct val="150000"/>
+              </a:lnSpc>
+              <a:spcBef>
+                <a:spcPts val="1700"/>
+              </a:spcBef>
+              <a:spcAft>
+                <a:spcPts val="0"/>
+              </a:spcAft>
+              <a:buAutoNum type="arabicPeriod"/>
+              <a:defRPr/>
+            </a:pPr>
+            <a:r>
+              <a:rPr sz="2400">
+                <a:solidFill>
+                  <a:schemeClr val="dk1"/>
+                </a:solidFill>
+              </a:rPr>
+              <a:t>Projeto &gt;= 5</a:t>
+            </a:r>
+            <a:endParaRPr sz="2400">
+              <a:solidFill>
+                <a:schemeClr val="dk1"/>
+              </a:solidFill>
+            </a:endParaRPr>
+          </a:p>
+          <a:p>
+            <a:pPr marL="807165" lvl="0" indent="-349965" algn="l">
+              <a:lnSpc>
+                <a:spcPct val="150000"/>
+              </a:lnSpc>
+              <a:spcBef>
+                <a:spcPts val="1700"/>
+              </a:spcBef>
+              <a:spcAft>
+                <a:spcPts val="0"/>
+              </a:spcAft>
+              <a:buAutoNum type="arabicPeriod"/>
+              <a:defRPr/>
+            </a:pPr>
+            <a:endParaRPr sz="2400">
+              <a:solidFill>
+                <a:schemeClr val="dk1"/>
+              </a:solidFill>
+            </a:endParaRPr>
+          </a:p>
+        </p:txBody>
+      </p:sp>
+    </p:spTree>
+  </p:cSld>
+  <p:clrMapOvr>
+    <a:masterClrMapping/>
+  </p:clrMapOvr>
+  <mc:AlternateContent xmlns:mc="http://schemas.openxmlformats.org/markup-compatibility/2006">
+    <mc:Choice xmlns:p14="http://schemas.microsoft.com/office/powerpoint/2010/main" Requires="p14">
+      <p:transition p14:dur="2000" advClick="1"/>
+    </mc:Choice>
+    <mc:Fallback>
+      <p:transition advClick="1"/>
+    </mc:Fallback>
+  </mc:AlternateContent>
+</p:sld>
+</file>
+
+<file path=ppt/slides/slide12.xml><?xml version="1.0" encoding="utf-8"?>
+<p:sld xmlns:a="http://schemas.openxmlformats.org/drawingml/2006/main" xmlns:r="http://schemas.openxmlformats.org/officeDocument/2006/relationships" xmlns:p="http://schemas.openxmlformats.org/presentationml/2006/main" xmlns:m="http://schemas.openxmlformats.org/officeDocument/2006/math" xmlns:w="http://schemas.openxmlformats.org/wordprocessingml/2006/main" showMasterPhAnim="0" show="1">
+  <p:cSld name="">
+    <p:spTree>
+      <p:nvGrpSpPr>
+        <p:cNvPr id="1" name="" hidden="0"/>
+        <p:cNvGrpSpPr/>
+        <p:nvPr isPhoto="0" userDrawn="0"/>
+      </p:nvGrpSpPr>
+      <p:grpSpPr bwMode="auto">
+        <a:xfrm>
+          <a:off x="0" y="0"/>
+          <a:ext cx="0" cy="0"/>
+          <a:chOff x="0" y="0"/>
+          <a:chExt cx="0" cy="0"/>
+        </a:xfrm>
+      </p:grpSpPr>
+      <p:sp>
+        <p:nvSpPr>
+          <p:cNvPr id="4" name="Google Shape;323;p61" hidden="0"/>
+          <p:cNvSpPr/>
+          <p:nvPr isPhoto="0" userDrawn="0"/>
+        </p:nvSpPr>
+        <p:spPr bwMode="auto">
+          <a:xfrm>
+            <a:off x="457200" y="781200"/>
+            <a:ext cx="8228399" cy="617999"/>
+          </a:xfrm>
+          <a:prstGeom prst="rect">
+            <a:avLst/>
+          </a:prstGeom>
+          <a:noFill/>
+          <a:ln>
+            <a:noFill/>
+          </a:ln>
+        </p:spPr>
+        <p:txBody>
+          <a:bodyPr spcFirstLastPara="1" wrap="square" lIns="90000" tIns="45000" rIns="90000" bIns="45000" anchor="t" anchorCtr="0">
+            <a:noAutofit/>
+          </a:bodyPr>
+          <a:lstStyle/>
+          <a:p>
+            <a:pPr marL="0" marR="0" lvl="0" indent="0" algn="l">
+              <a:lnSpc>
+                <a:spcPct val="100000"/>
+              </a:lnSpc>
+              <a:spcBef>
+                <a:spcPts val="0"/>
+              </a:spcBef>
+              <a:spcAft>
+                <a:spcPts val="0"/>
+              </a:spcAft>
+              <a:buNone/>
+              <a:defRPr/>
+            </a:pPr>
+            <a:r>
+              <a:rPr lang="pt-BR" sz="3200" b="0" i="0" u="none" strike="noStrike" cap="none">
+                <a:solidFill>
+                  <a:srgbClr val="C00026"/>
+                </a:solidFill>
+                <a:latin typeface="Verdana"/>
+                <a:ea typeface="Verdana"/>
+                <a:cs typeface="Verdana"/>
+              </a:rPr>
+              <a:t>Avaliação (DELTA provas)</a:t>
+            </a:r>
+            <a:endParaRPr sz="3200" b="0" i="0" u="none" strike="noStrike" cap="none">
+              <a:solidFill>
+                <a:schemeClr val="dk1"/>
+              </a:solidFill>
+              <a:latin typeface="Arial"/>
+              <a:ea typeface="Arial"/>
+              <a:cs typeface="Arial"/>
+            </a:endParaRPr>
+          </a:p>
+        </p:txBody>
+      </p:sp>
+      <p:sp>
+        <p:nvSpPr>
+          <p:cNvPr id="5" name="Google Shape;324;p61" hidden="0"/>
+          <p:cNvSpPr/>
+          <p:nvPr isPhoto="0" userDrawn="0"/>
+        </p:nvSpPr>
+        <p:spPr bwMode="auto">
+          <a:xfrm>
+            <a:off x="162000" y="85680"/>
+            <a:ext cx="7228499" cy="351299"/>
+          </a:xfrm>
+          <a:prstGeom prst="rect">
+            <a:avLst/>
+          </a:prstGeom>
+          <a:noFill/>
+          <a:ln>
+            <a:noFill/>
+          </a:ln>
+        </p:spPr>
+        <p:txBody>
+          <a:bodyPr spcFirstLastPara="1" wrap="square" lIns="91423" tIns="91423" rIns="91423" bIns="91423" anchor="ctr" anchorCtr="0">
+            <a:noAutofit/>
+          </a:bodyPr>
+          <a:lstStyle/>
+          <a:p>
+            <a:pPr marL="0" lvl="0" indent="0" algn="l">
+              <a:spcBef>
+                <a:spcPts val="0"/>
+              </a:spcBef>
+              <a:spcAft>
+                <a:spcPts val="0"/>
+              </a:spcAft>
+              <a:buNone/>
+              <a:defRPr/>
+            </a:pPr>
+            <a:endParaRPr/>
+          </a:p>
+        </p:txBody>
+      </p:sp>
+      <p:sp>
+        <p:nvSpPr>
+          <p:cNvPr id="6" name="Google Shape;325;p61" hidden="0"/>
+          <p:cNvSpPr/>
+          <p:nvPr isPhoto="0" userDrawn="0"/>
+        </p:nvSpPr>
+        <p:spPr bwMode="auto">
+          <a:xfrm>
+            <a:off x="84240" y="6402240"/>
+            <a:ext cx="640499" cy="363898"/>
+          </a:xfrm>
+          <a:prstGeom prst="rect">
+            <a:avLst/>
+          </a:prstGeom>
+          <a:noFill/>
+          <a:ln>
+            <a:noFill/>
+          </a:ln>
+        </p:spPr>
+        <p:txBody>
+          <a:bodyPr spcFirstLastPara="1" wrap="square" lIns="90000" tIns="45000" rIns="90000" bIns="45000" anchor="ctr" anchorCtr="0">
+            <a:noAutofit/>
+          </a:bodyPr>
+          <a:lstStyle/>
+          <a:p>
+            <a:pPr marL="0" marR="0" lvl="0" indent="0" algn="r">
+              <a:lnSpc>
+                <a:spcPct val="100000"/>
+              </a:lnSpc>
+              <a:spcBef>
+                <a:spcPts val="0"/>
+              </a:spcBef>
+              <a:spcAft>
+                <a:spcPts val="0"/>
+              </a:spcAft>
+              <a:buNone/>
+              <a:defRPr/>
+            </a:pPr>
+            <a:fld id="{34BDEE74-B914-C585-58B8-E73AA558109A}" type="slidenum">
+              <a:rPr lang="pt-BR" sz="1000" b="0" i="0" u="none" strike="noStrike" cap="none">
+                <a:solidFill>
+                  <a:srgbClr val="B2B2B2"/>
+                </a:solidFill>
+                <a:latin typeface="Verdana"/>
+                <a:ea typeface="Verdana"/>
+                <a:cs typeface="Verdana"/>
+              </a:rPr>
+              <a:t/>
+            </a:fld>
+            <a:endParaRPr sz="1000" b="0" i="0" u="none" strike="noStrike" cap="none">
+              <a:solidFill>
+                <a:schemeClr val="dk1"/>
+              </a:solidFill>
+              <a:latin typeface="Arial"/>
+              <a:ea typeface="Arial"/>
+              <a:cs typeface="Arial"/>
+            </a:endParaRPr>
+          </a:p>
+        </p:txBody>
+      </p:sp>
+      <p:sp>
+        <p:nvSpPr>
+          <p:cNvPr id="7" name="Google Shape;326;p61" hidden="0"/>
+          <p:cNvSpPr>
+            <a:spLocks noAdjustHandles="0" noChangeArrowheads="0"/>
+          </p:cNvSpPr>
+          <p:nvPr isPhoto="0" userDrawn="0"/>
+        </p:nvSpPr>
+        <p:spPr bwMode="auto">
+          <a:xfrm>
+            <a:off x="576000" y="1728000"/>
+            <a:ext cx="8228399" cy="4443300"/>
+          </a:xfrm>
+          <a:prstGeom prst="rect">
+            <a:avLst/>
+          </a:prstGeom>
+          <a:noFill/>
+          <a:ln>
+            <a:noFill/>
+          </a:ln>
+        </p:spPr>
+        <p:txBody>
+          <a:bodyPr spcFirstLastPara="1" wrap="square" lIns="90000" tIns="45000" rIns="90000" bIns="45000" anchor="t" anchorCtr="0">
+            <a:noAutofit/>
+          </a:bodyPr>
+          <a:lstStyle/>
+          <a:p>
+            <a:pPr lvl="0" algn="l">
+              <a:lnSpc>
+                <a:spcPct val="150000"/>
+              </a:lnSpc>
+              <a:spcBef>
+                <a:spcPts val="1700"/>
+              </a:spcBef>
+              <a:spcAft>
+                <a:spcPts val="0"/>
+              </a:spcAft>
+              <a:defRPr/>
+            </a:pPr>
+            <a:r>
+              <a:rPr sz="2400">
+                <a:solidFill>
+                  <a:schemeClr val="dk1"/>
+                </a:solidFill>
+              </a:rPr>
+              <a:t>Se (PI &lt; 4 E PF &gt;= 5) OU (PI &gt;= 5 E PF &lt; 4):</a:t>
+            </a:r>
+            <a:endParaRPr sz="2400">
+              <a:solidFill>
+                <a:schemeClr val="dk1"/>
+              </a:solidFill>
+            </a:endParaRPr>
+          </a:p>
+          <a:p>
+            <a:pPr marL="349965" lvl="0" indent="-349965" algn="l">
+              <a:lnSpc>
+                <a:spcPct val="150000"/>
+              </a:lnSpc>
+              <a:spcBef>
+                <a:spcPts val="1700"/>
+              </a:spcBef>
+              <a:spcAft>
+                <a:spcPts val="0"/>
+              </a:spcAft>
+              <a:buAutoNum type="arabicPeriod"/>
+              <a:defRPr/>
+            </a:pPr>
+            <a:r>
+              <a:rPr sz="2400">
+                <a:solidFill>
+                  <a:schemeClr val="dk1"/>
+                </a:solidFill>
+              </a:rPr>
+              <a:t>Aluno faz uma nova prova PD no dia da SUB relativa a avaliação em que tirou nota menor que 4.</a:t>
+            </a:r>
+            <a:endParaRPr sz="2400">
+              <a:solidFill>
+                <a:schemeClr val="dk1"/>
+              </a:solidFill>
+            </a:endParaRPr>
+          </a:p>
+          <a:p>
+            <a:pPr marL="349965" lvl="0" indent="-349965" algn="l">
+              <a:lnSpc>
+                <a:spcPct val="150000"/>
+              </a:lnSpc>
+              <a:spcBef>
+                <a:spcPts val="1700"/>
+              </a:spcBef>
+              <a:spcAft>
+                <a:spcPts val="0"/>
+              </a:spcAft>
+              <a:buAutoNum type="arabicPeriod"/>
+              <a:defRPr/>
+            </a:pPr>
+            <a:r>
+              <a:rPr sz="2400">
+                <a:solidFill>
+                  <a:schemeClr val="dk1"/>
+                </a:solidFill>
+              </a:rPr>
+              <a:t>Critério de barreira de provas é cumprido se PD &gt;= 5.</a:t>
+            </a:r>
+            <a:endParaRPr sz="2400">
+              <a:solidFill>
+                <a:schemeClr val="dk1"/>
+              </a:solidFill>
+            </a:endParaRPr>
+          </a:p>
+        </p:txBody>
+      </p:sp>
+    </p:spTree>
+  </p:cSld>
+  <p:clrMapOvr>
+    <a:masterClrMapping/>
+  </p:clrMapOvr>
+  <mc:AlternateContent xmlns:mc="http://schemas.openxmlformats.org/markup-compatibility/2006">
+    <mc:Choice xmlns:p14="http://schemas.microsoft.com/office/powerpoint/2010/main" Requires="p14">
+      <p:transition p14:dur="2000" advClick="1"/>
+    </mc:Choice>
+    <mc:Fallback>
+      <p:transition advClick="1"/>
+    </mc:Fallback>
+  </mc:AlternateContent>
+</p:sld>
+</file>
+
+<file path=ppt/slides/slide13.xml><?xml version="1.0" encoding="utf-8"?>
+<p:sld xmlns:a="http://schemas.openxmlformats.org/drawingml/2006/main" xmlns:r="http://schemas.openxmlformats.org/officeDocument/2006/relationships" xmlns:p="http://schemas.openxmlformats.org/presentationml/2006/main" xmlns:m="http://schemas.openxmlformats.org/officeDocument/2006/math" xmlns:w="http://schemas.openxmlformats.org/wordprocessingml/2006/main" showMasterPhAnim="0" show="1">
+  <p:cSld name="">
+    <p:spTree>
+      <p:nvGrpSpPr>
+        <p:cNvPr id="1" name="" hidden="0"/>
+        <p:cNvGrpSpPr/>
+        <p:nvPr isPhoto="0" userDrawn="0"/>
+      </p:nvGrpSpPr>
+      <p:grpSpPr bwMode="auto">
+        <a:xfrm>
+          <a:off x="0" y="0"/>
+          <a:ext cx="0" cy="0"/>
+          <a:chOff x="0" y="0"/>
+          <a:chExt cx="0" cy="0"/>
+        </a:xfrm>
+      </p:grpSpPr>
+      <p:sp>
+        <p:nvSpPr>
+          <p:cNvPr id="4" name="Google Shape;323;p61" hidden="0"/>
+          <p:cNvSpPr/>
+          <p:nvPr isPhoto="0" userDrawn="0"/>
+        </p:nvSpPr>
+        <p:spPr bwMode="auto">
+          <a:xfrm>
+            <a:off x="457200" y="781200"/>
+            <a:ext cx="8228399" cy="617999"/>
+          </a:xfrm>
+          <a:prstGeom prst="rect">
+            <a:avLst/>
+          </a:prstGeom>
+          <a:noFill/>
+          <a:ln>
+            <a:noFill/>
+          </a:ln>
+        </p:spPr>
+        <p:txBody>
+          <a:bodyPr spcFirstLastPara="1" wrap="square" lIns="90000" tIns="45000" rIns="90000" bIns="45000" anchor="t" anchorCtr="0">
+            <a:noAutofit/>
+          </a:bodyPr>
+          <a:lstStyle/>
+          <a:p>
+            <a:pPr marL="0" marR="0" lvl="0" indent="0" algn="l">
+              <a:lnSpc>
+                <a:spcPct val="100000"/>
+              </a:lnSpc>
+              <a:spcBef>
+                <a:spcPts val="0"/>
+              </a:spcBef>
+              <a:spcAft>
+                <a:spcPts val="0"/>
+              </a:spcAft>
+              <a:buNone/>
+              <a:defRPr/>
+            </a:pPr>
+            <a:r>
+              <a:rPr lang="pt-BR" sz="3200" b="0" i="0" u="none" strike="noStrike" cap="none">
+                <a:solidFill>
+                  <a:srgbClr val="C00026"/>
+                </a:solidFill>
+                <a:latin typeface="Verdana"/>
+                <a:ea typeface="Verdana"/>
+                <a:cs typeface="Verdana"/>
+              </a:rPr>
+              <a:t>Avaliação (Projeto)</a:t>
+            </a:r>
+            <a:endParaRPr sz="3200" b="0" i="0" u="none" strike="noStrike" cap="none">
+              <a:solidFill>
+                <a:schemeClr val="dk1"/>
+              </a:solidFill>
+              <a:latin typeface="Arial"/>
+              <a:ea typeface="Arial"/>
+              <a:cs typeface="Arial"/>
+            </a:endParaRPr>
+          </a:p>
+        </p:txBody>
+      </p:sp>
+      <p:sp>
+        <p:nvSpPr>
+          <p:cNvPr id="5" name="Google Shape;324;p61" hidden="0"/>
+          <p:cNvSpPr/>
+          <p:nvPr isPhoto="0" userDrawn="0"/>
+        </p:nvSpPr>
+        <p:spPr bwMode="auto">
+          <a:xfrm>
+            <a:off x="162000" y="85680"/>
+            <a:ext cx="7228499" cy="351299"/>
+          </a:xfrm>
+          <a:prstGeom prst="rect">
+            <a:avLst/>
+          </a:prstGeom>
+          <a:noFill/>
+          <a:ln>
+            <a:noFill/>
+          </a:ln>
+        </p:spPr>
+        <p:txBody>
+          <a:bodyPr spcFirstLastPara="1" wrap="square" lIns="91423" tIns="91423" rIns="91423" bIns="91423" anchor="ctr" anchorCtr="0">
+            <a:noAutofit/>
+          </a:bodyPr>
+          <a:lstStyle/>
+          <a:p>
+            <a:pPr marL="0" lvl="0" indent="0" algn="l">
+              <a:spcBef>
+                <a:spcPts val="0"/>
+              </a:spcBef>
+              <a:spcAft>
+                <a:spcPts val="0"/>
+              </a:spcAft>
+              <a:buNone/>
+              <a:defRPr/>
+            </a:pPr>
+            <a:endParaRPr/>
+          </a:p>
+        </p:txBody>
+      </p:sp>
+      <p:sp>
+        <p:nvSpPr>
+          <p:cNvPr id="6" name="Google Shape;325;p61" hidden="0"/>
+          <p:cNvSpPr/>
+          <p:nvPr isPhoto="0" userDrawn="0"/>
+        </p:nvSpPr>
+        <p:spPr bwMode="auto">
+          <a:xfrm>
+            <a:off x="84240" y="6402240"/>
+            <a:ext cx="640499" cy="363898"/>
+          </a:xfrm>
+          <a:prstGeom prst="rect">
+            <a:avLst/>
+          </a:prstGeom>
+          <a:noFill/>
+          <a:ln>
+            <a:noFill/>
+          </a:ln>
+        </p:spPr>
+        <p:txBody>
+          <a:bodyPr spcFirstLastPara="1" wrap="square" lIns="90000" tIns="45000" rIns="90000" bIns="45000" anchor="ctr" anchorCtr="0">
+            <a:noAutofit/>
+          </a:bodyPr>
+          <a:lstStyle/>
+          <a:p>
+            <a:pPr marL="0" marR="0" lvl="0" indent="0" algn="r">
+              <a:lnSpc>
+                <a:spcPct val="100000"/>
+              </a:lnSpc>
+              <a:spcBef>
+                <a:spcPts val="0"/>
+              </a:spcBef>
+              <a:spcAft>
+                <a:spcPts val="0"/>
+              </a:spcAft>
+              <a:buNone/>
+              <a:defRPr/>
+            </a:pPr>
+            <a:fld id="{EA78D01A-8731-F4F9-F99E-71D2715453B6}" type="slidenum">
+              <a:rPr lang="pt-BR" sz="1000" b="0" i="0" u="none" strike="noStrike" cap="none">
+                <a:solidFill>
+                  <a:srgbClr val="B2B2B2"/>
+                </a:solidFill>
+                <a:latin typeface="Verdana"/>
+                <a:ea typeface="Verdana"/>
+                <a:cs typeface="Verdana"/>
+              </a:rPr>
+              <a:t/>
+            </a:fld>
+            <a:endParaRPr sz="1000" b="0" i="0" u="none" strike="noStrike" cap="none">
+              <a:solidFill>
+                <a:schemeClr val="dk1"/>
+              </a:solidFill>
+              <a:latin typeface="Arial"/>
+              <a:ea typeface="Arial"/>
+              <a:cs typeface="Arial"/>
+            </a:endParaRPr>
+          </a:p>
+        </p:txBody>
+      </p:sp>
+      <p:sp>
+        <p:nvSpPr>
+          <p:cNvPr id="7" name="Google Shape;326;p61" hidden="0"/>
+          <p:cNvSpPr>
+            <a:spLocks noAdjustHandles="0" noChangeArrowheads="0"/>
+          </p:cNvSpPr>
+          <p:nvPr isPhoto="0" userDrawn="0"/>
+        </p:nvSpPr>
+        <p:spPr bwMode="auto">
+          <a:xfrm>
+            <a:off x="576000" y="1728000"/>
+            <a:ext cx="8228399" cy="4443300"/>
+          </a:xfrm>
+          <a:prstGeom prst="rect">
+            <a:avLst/>
+          </a:prstGeom>
+          <a:noFill/>
+          <a:ln>
+            <a:noFill/>
+          </a:ln>
+        </p:spPr>
+        <p:txBody>
+          <a:bodyPr spcFirstLastPara="1" wrap="square" lIns="90000" tIns="45000" rIns="90000" bIns="45000" anchor="t" anchorCtr="0">
+            <a:noAutofit/>
+          </a:bodyPr>
+          <a:lstStyle/>
+          <a:p>
+            <a:pPr marL="349965" lvl="0" indent="-349965" algn="l">
+              <a:lnSpc>
+                <a:spcPct val="150000"/>
+              </a:lnSpc>
+              <a:spcBef>
+                <a:spcPts val="0"/>
+              </a:spcBef>
+              <a:spcAft>
+                <a:spcPts val="0"/>
+              </a:spcAft>
+              <a:buAutoNum type="arabicPeriod"/>
+              <a:defRPr/>
+            </a:pPr>
+            <a:r>
+              <a:rPr lang="pt-BR" sz="2400" b="0" i="0" u="sng" strike="noStrike" cap="none" spc="0">
+                <a:solidFill>
+                  <a:schemeClr val="dk1"/>
+                </a:solidFill>
+                <a:latin typeface="Arial"/>
+                <a:ea typeface="Arial"/>
+                <a:cs typeface="Arial"/>
+              </a:rPr>
+              <a:t>Rubrica D</a:t>
+            </a:r>
             <a:r>
               <a:rPr lang="pt-BR" sz="2400" b="0" i="0" u="none" strike="noStrike" cap="none" spc="0">
                 <a:solidFill>
@@ -13718,7 +14619,431 @@
                 <a:ea typeface="Arial"/>
                 <a:cs typeface="Arial"/>
               </a:rPr>
-              <a:t>Datas são firmes. Todo atraso significa desconto de 0,5;</a:t>
+              <a:t>:</a:t>
+            </a:r>
+            <a:r>
+              <a:rPr lang="pt-BR" sz="2400" b="0" i="0" u="none" strike="noStrike" cap="none" spc="0">
+                <a:solidFill>
+                  <a:schemeClr val="dk1"/>
+                </a:solidFill>
+                <a:latin typeface="Arial"/>
+                <a:ea typeface="Arial"/>
+                <a:cs typeface="Arial"/>
+              </a:rPr>
+              <a:t> Implementação correta de todas as partes</a:t>
+            </a:r>
+            <a:endParaRPr sz="2400" b="0" i="0" u="none" strike="noStrike" cap="none">
+              <a:solidFill>
+                <a:schemeClr val="dk1"/>
+              </a:solidFill>
+              <a:latin typeface="Arial"/>
+              <a:ea typeface="Arial"/>
+              <a:cs typeface="Arial"/>
+            </a:endParaRPr>
+          </a:p>
+          <a:p>
+            <a:pPr marL="349965" lvl="0" indent="-349965" algn="l">
+              <a:lnSpc>
+                <a:spcPct val="150000"/>
+              </a:lnSpc>
+              <a:spcBef>
+                <a:spcPts val="0"/>
+              </a:spcBef>
+              <a:spcAft>
+                <a:spcPts val="0"/>
+              </a:spcAft>
+              <a:buAutoNum type="arabicPeriod"/>
+              <a:defRPr/>
+            </a:pPr>
+            <a:r>
+              <a:rPr lang="pt-BR" sz="2400" b="0" i="0" u="sng" strike="noStrike" cap="none" spc="0">
+                <a:solidFill>
+                  <a:schemeClr val="dk1"/>
+                </a:solidFill>
+                <a:latin typeface="Arial"/>
+                <a:ea typeface="Arial"/>
+                <a:cs typeface="Arial"/>
+              </a:rPr>
+              <a:t>Rubrica C</a:t>
+            </a:r>
+            <a:r>
+              <a:rPr lang="pt-BR" sz="2400" b="0" i="0" u="none" strike="noStrike" cap="none" spc="0">
+                <a:solidFill>
+                  <a:schemeClr val="dk1"/>
+                </a:solidFill>
+                <a:latin typeface="Arial"/>
+                <a:ea typeface="Arial"/>
+                <a:cs typeface="Arial"/>
+              </a:rPr>
+              <a:t>: Relatório feito de acordo com os critérios de aula</a:t>
+            </a:r>
+            <a:endParaRPr sz="2400" b="0" i="0" u="none" strike="noStrike" cap="none">
+              <a:solidFill>
+                <a:schemeClr val="dk1"/>
+              </a:solidFill>
+              <a:latin typeface="Arial"/>
+              <a:ea typeface="Arial"/>
+              <a:cs typeface="Arial"/>
+            </a:endParaRPr>
+          </a:p>
+          <a:p>
+            <a:pPr marL="349965" lvl="0" indent="-349965" algn="l">
+              <a:lnSpc>
+                <a:spcPct val="150000"/>
+              </a:lnSpc>
+              <a:spcBef>
+                <a:spcPts val="0"/>
+              </a:spcBef>
+              <a:spcAft>
+                <a:spcPts val="0"/>
+              </a:spcAft>
+              <a:buAutoNum type="arabicPeriod"/>
+              <a:defRPr/>
+            </a:pPr>
+            <a:r>
+              <a:rPr lang="pt-BR" sz="2400" b="0" i="0" u="sng" strike="noStrike" cap="none">
+                <a:solidFill>
+                  <a:schemeClr val="dk1"/>
+                </a:solidFill>
+                <a:latin typeface="Arial"/>
+                <a:ea typeface="Arial"/>
+                <a:cs typeface="Arial"/>
+              </a:rPr>
+              <a:t>Rubrica B</a:t>
+            </a:r>
+            <a:r>
+              <a:rPr lang="pt-BR" sz="2400" b="0" i="0" u="none" strike="noStrike" cap="none">
+                <a:solidFill>
+                  <a:schemeClr val="dk1"/>
+                </a:solidFill>
+                <a:latin typeface="Arial"/>
+                <a:ea typeface="Arial"/>
+                <a:cs typeface="Arial"/>
+              </a:rPr>
+              <a:t>: Todas as implementações são minimamente eficientes.</a:t>
+            </a:r>
+            <a:endParaRPr lang="pt-BR" sz="2400" b="0" i="0" u="none" strike="noStrike" cap="none">
+              <a:solidFill>
+                <a:schemeClr val="dk1"/>
+              </a:solidFill>
+              <a:latin typeface="Arial"/>
+              <a:ea typeface="Arial"/>
+              <a:cs typeface="Arial"/>
+            </a:endParaRPr>
+          </a:p>
+          <a:p>
+            <a:pPr marL="349965" lvl="0" indent="-349965" algn="l">
+              <a:lnSpc>
+                <a:spcPct val="150000"/>
+              </a:lnSpc>
+              <a:spcBef>
+                <a:spcPts val="0"/>
+              </a:spcBef>
+              <a:spcAft>
+                <a:spcPts val="0"/>
+              </a:spcAft>
+              <a:buAutoNum type="arabicPeriod"/>
+              <a:defRPr/>
+            </a:pPr>
+            <a:r>
+              <a:rPr lang="pt-BR" sz="2400" b="0" i="0" u="sng" strike="noStrike" cap="none">
+                <a:solidFill>
+                  <a:schemeClr val="dk1"/>
+                </a:solidFill>
+                <a:latin typeface="Arial"/>
+                <a:ea typeface="Arial"/>
+                <a:cs typeface="Arial"/>
+              </a:rPr>
+              <a:t>+(3,0)</a:t>
+            </a:r>
+            <a:r>
+              <a:rPr lang="pt-BR" sz="2400" b="0" i="0" u="none" strike="noStrike" cap="none">
+                <a:solidFill>
+                  <a:schemeClr val="dk1"/>
+                </a:solidFill>
+                <a:latin typeface="Arial"/>
+                <a:ea typeface="Arial"/>
+                <a:cs typeface="Arial"/>
+              </a:rPr>
+              <a:t>: Competição de desempenho para cada uma das três partes. </a:t>
+            </a:r>
+            <a:endParaRPr lang="pt-BR" sz="2400" b="0" i="0" u="none" strike="noStrike" cap="none">
+              <a:solidFill>
+                <a:schemeClr val="dk1"/>
+              </a:solidFill>
+              <a:latin typeface="Arial"/>
+              <a:ea typeface="Arial"/>
+              <a:cs typeface="Arial"/>
+            </a:endParaRPr>
+          </a:p>
+          <a:p>
+            <a:pPr marL="349965" lvl="0" indent="-349965" algn="l">
+              <a:lnSpc>
+                <a:spcPct val="150000"/>
+              </a:lnSpc>
+              <a:spcBef>
+                <a:spcPts val="0"/>
+              </a:spcBef>
+              <a:spcAft>
+                <a:spcPts val="0"/>
+              </a:spcAft>
+              <a:buAutoNum type="arabicPeriod"/>
+              <a:defRPr/>
+            </a:pPr>
+            <a:endParaRPr lang="pt-BR" sz="2400" b="0" i="0" u="none" strike="noStrike" cap="none">
+              <a:solidFill>
+                <a:schemeClr val="dk1"/>
+              </a:solidFill>
+              <a:latin typeface="Arial"/>
+              <a:ea typeface="Arial"/>
+              <a:cs typeface="Arial"/>
+            </a:endParaRPr>
+          </a:p>
+        </p:txBody>
+      </p:sp>
+    </p:spTree>
+  </p:cSld>
+  <p:clrMapOvr>
+    <a:masterClrMapping/>
+  </p:clrMapOvr>
+  <mc:AlternateContent xmlns:mc="http://schemas.openxmlformats.org/markup-compatibility/2006">
+    <mc:Choice xmlns:p14="http://schemas.microsoft.com/office/powerpoint/2010/main" Requires="p14">
+      <p:transition p14:dur="2000" advClick="1"/>
+    </mc:Choice>
+    <mc:Fallback>
+      <p:transition advClick="1"/>
+    </mc:Fallback>
+  </mc:AlternateContent>
+</p:sld>
+</file>
+
+<file path=ppt/slides/slide14.xml><?xml version="1.0" encoding="utf-8"?>
+<p:sld xmlns:a="http://schemas.openxmlformats.org/drawingml/2006/main" xmlns:r="http://schemas.openxmlformats.org/officeDocument/2006/relationships" xmlns:p="http://schemas.openxmlformats.org/presentationml/2006/main" xmlns:m="http://schemas.openxmlformats.org/officeDocument/2006/math" xmlns:w="http://schemas.openxmlformats.org/wordprocessingml/2006/main" showMasterPhAnim="0" show="1">
+  <p:cSld name="">
+    <p:spTree>
+      <p:nvGrpSpPr>
+        <p:cNvPr id="1" name="" hidden="0"/>
+        <p:cNvGrpSpPr/>
+        <p:nvPr isPhoto="0" userDrawn="0"/>
+      </p:nvGrpSpPr>
+      <p:grpSpPr bwMode="auto">
+        <a:xfrm>
+          <a:off x="0" y="0"/>
+          <a:ext cx="0" cy="0"/>
+          <a:chOff x="0" y="0"/>
+          <a:chExt cx="0" cy="0"/>
+        </a:xfrm>
+      </p:grpSpPr>
+      <p:sp>
+        <p:nvSpPr>
+          <p:cNvPr id="4" name="Google Shape;323;p61" hidden="0"/>
+          <p:cNvSpPr/>
+          <p:nvPr isPhoto="0" userDrawn="0"/>
+        </p:nvSpPr>
+        <p:spPr bwMode="auto">
+          <a:xfrm>
+            <a:off x="457200" y="781200"/>
+            <a:ext cx="8228399" cy="617999"/>
+          </a:xfrm>
+          <a:prstGeom prst="rect">
+            <a:avLst/>
+          </a:prstGeom>
+          <a:noFill/>
+          <a:ln>
+            <a:noFill/>
+          </a:ln>
+        </p:spPr>
+        <p:txBody>
+          <a:bodyPr spcFirstLastPara="1" wrap="square" lIns="90000" tIns="45000" rIns="90000" bIns="45000" anchor="t" anchorCtr="0">
+            <a:noAutofit/>
+          </a:bodyPr>
+          <a:lstStyle/>
+          <a:p>
+            <a:pPr marL="0" marR="0" lvl="0" indent="0" algn="l">
+              <a:lnSpc>
+                <a:spcPct val="100000"/>
+              </a:lnSpc>
+              <a:spcBef>
+                <a:spcPts val="0"/>
+              </a:spcBef>
+              <a:spcAft>
+                <a:spcPts val="0"/>
+              </a:spcAft>
+              <a:buNone/>
+              <a:defRPr/>
+            </a:pPr>
+            <a:r>
+              <a:rPr lang="pt-BR" sz="3200" b="0" i="0" u="none" strike="noStrike" cap="none">
+                <a:solidFill>
+                  <a:srgbClr val="C00026"/>
+                </a:solidFill>
+                <a:latin typeface="Verdana"/>
+                <a:ea typeface="Verdana"/>
+                <a:cs typeface="Verdana"/>
+              </a:rPr>
+              <a:t>Avaliação (Projeto - Detalhes) </a:t>
+            </a:r>
+            <a:endParaRPr sz="3200" b="0" i="0" u="none" strike="noStrike" cap="none">
+              <a:solidFill>
+                <a:schemeClr val="dk1"/>
+              </a:solidFill>
+              <a:latin typeface="Arial"/>
+              <a:ea typeface="Arial"/>
+              <a:cs typeface="Arial"/>
+            </a:endParaRPr>
+          </a:p>
+        </p:txBody>
+      </p:sp>
+      <p:sp>
+        <p:nvSpPr>
+          <p:cNvPr id="5" name="Google Shape;324;p61" hidden="0"/>
+          <p:cNvSpPr/>
+          <p:nvPr isPhoto="0" userDrawn="0"/>
+        </p:nvSpPr>
+        <p:spPr bwMode="auto">
+          <a:xfrm>
+            <a:off x="162000" y="85680"/>
+            <a:ext cx="7228499" cy="351299"/>
+          </a:xfrm>
+          <a:prstGeom prst="rect">
+            <a:avLst/>
+          </a:prstGeom>
+          <a:noFill/>
+          <a:ln>
+            <a:noFill/>
+          </a:ln>
+        </p:spPr>
+        <p:txBody>
+          <a:bodyPr spcFirstLastPara="1" wrap="square" lIns="91423" tIns="91423" rIns="91423" bIns="91423" anchor="ctr" anchorCtr="0">
+            <a:noAutofit/>
+          </a:bodyPr>
+          <a:lstStyle/>
+          <a:p>
+            <a:pPr marL="0" lvl="0" indent="0" algn="l">
+              <a:spcBef>
+                <a:spcPts val="0"/>
+              </a:spcBef>
+              <a:spcAft>
+                <a:spcPts val="0"/>
+              </a:spcAft>
+              <a:buNone/>
+              <a:defRPr/>
+            </a:pPr>
+            <a:endParaRPr/>
+          </a:p>
+        </p:txBody>
+      </p:sp>
+      <p:sp>
+        <p:nvSpPr>
+          <p:cNvPr id="6" name="Google Shape;325;p61" hidden="0"/>
+          <p:cNvSpPr/>
+          <p:nvPr isPhoto="0" userDrawn="0"/>
+        </p:nvSpPr>
+        <p:spPr bwMode="auto">
+          <a:xfrm>
+            <a:off x="84240" y="6402240"/>
+            <a:ext cx="640499" cy="363898"/>
+          </a:xfrm>
+          <a:prstGeom prst="rect">
+            <a:avLst/>
+          </a:prstGeom>
+          <a:noFill/>
+          <a:ln>
+            <a:noFill/>
+          </a:ln>
+        </p:spPr>
+        <p:txBody>
+          <a:bodyPr spcFirstLastPara="1" wrap="square" lIns="90000" tIns="45000" rIns="90000" bIns="45000" anchor="ctr" anchorCtr="0">
+            <a:noAutofit/>
+          </a:bodyPr>
+          <a:lstStyle/>
+          <a:p>
+            <a:pPr marL="0" marR="0" lvl="0" indent="0" algn="r">
+              <a:lnSpc>
+                <a:spcPct val="100000"/>
+              </a:lnSpc>
+              <a:spcBef>
+                <a:spcPts val="0"/>
+              </a:spcBef>
+              <a:spcAft>
+                <a:spcPts val="0"/>
+              </a:spcAft>
+              <a:buNone/>
+              <a:defRPr/>
+            </a:pPr>
+            <a:fld id="{E87BADEE-47F8-DDAF-8C78-426919964141}" type="slidenum">
+              <a:rPr lang="pt-BR" sz="1000" b="0" i="0" u="none" strike="noStrike" cap="none">
+                <a:solidFill>
+                  <a:srgbClr val="B2B2B2"/>
+                </a:solidFill>
+                <a:latin typeface="Verdana"/>
+                <a:ea typeface="Verdana"/>
+                <a:cs typeface="Verdana"/>
+              </a:rPr>
+              <a:t/>
+            </a:fld>
+            <a:endParaRPr sz="1000" b="0" i="0" u="none" strike="noStrike" cap="none">
+              <a:solidFill>
+                <a:schemeClr val="dk1"/>
+              </a:solidFill>
+              <a:latin typeface="Arial"/>
+              <a:ea typeface="Arial"/>
+              <a:cs typeface="Arial"/>
+            </a:endParaRPr>
+          </a:p>
+        </p:txBody>
+      </p:sp>
+      <p:sp>
+        <p:nvSpPr>
+          <p:cNvPr id="7" name="Google Shape;326;p61" hidden="0"/>
+          <p:cNvSpPr>
+            <a:spLocks noAdjustHandles="0" noChangeArrowheads="0"/>
+          </p:cNvSpPr>
+          <p:nvPr isPhoto="0" userDrawn="0"/>
+        </p:nvSpPr>
+        <p:spPr bwMode="auto">
+          <a:xfrm>
+            <a:off x="576000" y="1728000"/>
+            <a:ext cx="8228399" cy="4443300"/>
+          </a:xfrm>
+          <a:prstGeom prst="rect">
+            <a:avLst/>
+          </a:prstGeom>
+          <a:noFill/>
+          <a:ln>
+            <a:noFill/>
+          </a:ln>
+        </p:spPr>
+        <p:txBody>
+          <a:bodyPr spcFirstLastPara="1" wrap="square" lIns="90000" tIns="45000" rIns="90000" bIns="45000" anchor="t" anchorCtr="0">
+            <a:noAutofit/>
+          </a:bodyPr>
+          <a:lstStyle/>
+          <a:p>
+            <a:pPr marL="349965" lvl="0" indent="-349965" algn="l">
+              <a:lnSpc>
+                <a:spcPct val="200000"/>
+              </a:lnSpc>
+              <a:spcBef>
+                <a:spcPts val="0"/>
+              </a:spcBef>
+              <a:spcAft>
+                <a:spcPts val="0"/>
+              </a:spcAft>
+              <a:buFont typeface="Arial"/>
+              <a:buChar char="•"/>
+              <a:defRPr/>
+            </a:pPr>
+            <a:r>
+              <a:rPr lang="pt-BR" sz="2400" b="0" i="0" u="none" strike="noStrike" cap="none" spc="0">
+                <a:solidFill>
+                  <a:schemeClr val="dk1"/>
+                </a:solidFill>
+                <a:latin typeface="Arial"/>
+                <a:ea typeface="Arial"/>
+                <a:cs typeface="Arial"/>
+              </a:rPr>
+              <a:t>Os itens que compõe a rubrica C são obrigatórios;</a:t>
             </a:r>
             <a:endParaRPr lang="pt-BR" sz="2400" b="0" i="0" u="none" strike="noStrike" cap="none" spc="0">
               <a:solidFill>
@@ -13753,7 +15078,427 @@
                 <a:ea typeface="Arial"/>
                 <a:cs typeface="Arial"/>
               </a:rPr>
-              <a:t>Qualidade de código é importante. Será descontado 0,5 por bizarrice no projeto. </a:t>
+              <a:t>Correções parcialmente baseadas em testes automatizados;</a:t>
+            </a:r>
+            <a:endParaRPr lang="pt-BR" sz="2400" b="0" i="0" u="none" strike="noStrike" cap="none" spc="0">
+              <a:solidFill>
+                <a:schemeClr val="dk1"/>
+              </a:solidFill>
+              <a:latin typeface="Arial"/>
+              <a:ea typeface="Arial"/>
+              <a:cs typeface="Arial"/>
+            </a:endParaRPr>
+          </a:p>
+          <a:p>
+            <a:pPr marL="349965" lvl="0" indent="-349965" algn="l">
+              <a:lnSpc>
+                <a:spcPct val="150000"/>
+              </a:lnSpc>
+              <a:spcBef>
+                <a:spcPts val="0"/>
+              </a:spcBef>
+              <a:spcAft>
+                <a:spcPts val="0"/>
+              </a:spcAft>
+              <a:buFont typeface="Arial"/>
+              <a:buChar char="•"/>
+              <a:defRPr/>
+            </a:pPr>
+            <a:r>
+              <a:rPr lang="pt-BR" sz="2400" b="0" i="0" u="none" strike="noStrike" cap="none" spc="0">
+                <a:solidFill>
+                  <a:schemeClr val="dk1"/>
+                </a:solidFill>
+                <a:latin typeface="Arial"/>
+                <a:ea typeface="Arial"/>
+                <a:cs typeface="Arial"/>
+              </a:rPr>
+              <a:t>Competições serão feitas perto da PI e PF com configurações de hardware padrão</a:t>
+            </a:r>
+            <a:endParaRPr lang="pt-BR" sz="2400" b="0" i="0" u="none" strike="noStrike" cap="none" spc="0">
+              <a:solidFill>
+                <a:schemeClr val="dk1"/>
+              </a:solidFill>
+              <a:latin typeface="Arial"/>
+              <a:ea typeface="Arial"/>
+              <a:cs typeface="Arial"/>
+            </a:endParaRPr>
+          </a:p>
+          <a:p>
+            <a:pPr marL="349965" lvl="0" indent="-349965" algn="l">
+              <a:lnSpc>
+                <a:spcPct val="150000"/>
+              </a:lnSpc>
+              <a:spcBef>
+                <a:spcPts val="0"/>
+              </a:spcBef>
+              <a:spcAft>
+                <a:spcPts val="0"/>
+              </a:spcAft>
+              <a:buFont typeface="Arial"/>
+              <a:buChar char="•"/>
+              <a:defRPr/>
+            </a:pPr>
+            <a:endParaRPr lang="pt-BR" sz="2400" b="0" i="0" u="none" strike="noStrike" cap="none" spc="0">
+              <a:solidFill>
+                <a:schemeClr val="dk1"/>
+              </a:solidFill>
+              <a:latin typeface="Arial"/>
+              <a:ea typeface="Arial"/>
+              <a:cs typeface="Arial"/>
+            </a:endParaRPr>
+          </a:p>
+          <a:p>
+            <a:pPr marL="349965" lvl="0" indent="-349965" algn="l">
+              <a:lnSpc>
+                <a:spcPct val="150000"/>
+              </a:lnSpc>
+              <a:spcBef>
+                <a:spcPts val="0"/>
+              </a:spcBef>
+              <a:spcAft>
+                <a:spcPts val="0"/>
+              </a:spcAft>
+              <a:buFont typeface="Arial"/>
+              <a:buChar char="•"/>
+              <a:defRPr/>
+            </a:pPr>
+            <a:endParaRPr lang="pt-BR" sz="2400" b="0" i="0" u="none" strike="noStrike" cap="none" spc="0">
+              <a:solidFill>
+                <a:schemeClr val="dk1"/>
+              </a:solidFill>
+              <a:latin typeface="Arial"/>
+              <a:ea typeface="Arial"/>
+              <a:cs typeface="Arial"/>
+            </a:endParaRPr>
+          </a:p>
+          <a:p>
+            <a:pPr marL="349965" lvl="0" indent="-349965" algn="l">
+              <a:lnSpc>
+                <a:spcPct val="150000"/>
+              </a:lnSpc>
+              <a:spcBef>
+                <a:spcPts val="0"/>
+              </a:spcBef>
+              <a:spcAft>
+                <a:spcPts val="0"/>
+              </a:spcAft>
+              <a:buFont typeface="Arial"/>
+              <a:buChar char="•"/>
+              <a:defRPr/>
+            </a:pPr>
+            <a:endParaRPr lang="pt-BR" sz="2400" b="0" i="0" u="sng" strike="noStrike" cap="none">
+              <a:solidFill>
+                <a:schemeClr val="dk1"/>
+              </a:solidFill>
+              <a:latin typeface="Arial"/>
+              <a:ea typeface="Arial"/>
+              <a:cs typeface="Arial"/>
+            </a:endParaRPr>
+          </a:p>
+          <a:p>
+            <a:pPr marL="349965" lvl="0" indent="-349965" algn="l">
+              <a:lnSpc>
+                <a:spcPct val="150000"/>
+              </a:lnSpc>
+              <a:spcBef>
+                <a:spcPts val="0"/>
+              </a:spcBef>
+              <a:spcAft>
+                <a:spcPts val="0"/>
+              </a:spcAft>
+              <a:buAutoNum type="arabicPeriod"/>
+              <a:defRPr/>
+            </a:pPr>
+            <a:endParaRPr lang="pt-BR" sz="2400" b="0" i="0" u="none" strike="noStrike" cap="none">
+              <a:solidFill>
+                <a:schemeClr val="dk1"/>
+              </a:solidFill>
+              <a:latin typeface="Arial"/>
+              <a:ea typeface="Arial"/>
+              <a:cs typeface="Arial"/>
+            </a:endParaRPr>
+          </a:p>
+        </p:txBody>
+      </p:sp>
+    </p:spTree>
+  </p:cSld>
+  <p:clrMapOvr>
+    <a:masterClrMapping/>
+  </p:clrMapOvr>
+  <mc:AlternateContent xmlns:mc="http://schemas.openxmlformats.org/markup-compatibility/2006">
+    <mc:Choice xmlns:p14="http://schemas.microsoft.com/office/powerpoint/2010/main" Requires="p14">
+      <p:transition p14:dur="2000" advClick="1"/>
+    </mc:Choice>
+    <mc:Fallback>
+      <p:transition advClick="1"/>
+    </mc:Fallback>
+  </mc:AlternateContent>
+</p:sld>
+</file>
+
+<file path=ppt/slides/slide15.xml><?xml version="1.0" encoding="utf-8"?>
+<p:sld xmlns:a="http://schemas.openxmlformats.org/drawingml/2006/main" xmlns:r="http://schemas.openxmlformats.org/officeDocument/2006/relationships" xmlns:p="http://schemas.openxmlformats.org/presentationml/2006/main" xmlns:m="http://schemas.openxmlformats.org/officeDocument/2006/math" xmlns:w="http://schemas.openxmlformats.org/wordprocessingml/2006/main" showMasterPhAnim="0" show="1">
+  <p:cSld name="">
+    <p:spTree>
+      <p:nvGrpSpPr>
+        <p:cNvPr id="1" name="" hidden="0"/>
+        <p:cNvGrpSpPr/>
+        <p:nvPr isPhoto="0" userDrawn="0"/>
+      </p:nvGrpSpPr>
+      <p:grpSpPr bwMode="auto">
+        <a:xfrm>
+          <a:off x="0" y="0"/>
+          <a:ext cx="0" cy="0"/>
+          <a:chOff x="0" y="0"/>
+          <a:chExt cx="0" cy="0"/>
+        </a:xfrm>
+      </p:grpSpPr>
+      <p:sp>
+        <p:nvSpPr>
+          <p:cNvPr id="4" name="Google Shape;323;p61" hidden="0"/>
+          <p:cNvSpPr/>
+          <p:nvPr isPhoto="0" userDrawn="0"/>
+        </p:nvSpPr>
+        <p:spPr bwMode="auto">
+          <a:xfrm>
+            <a:off x="457200" y="781200"/>
+            <a:ext cx="8228399" cy="617999"/>
+          </a:xfrm>
+          <a:prstGeom prst="rect">
+            <a:avLst/>
+          </a:prstGeom>
+          <a:noFill/>
+          <a:ln>
+            <a:noFill/>
+          </a:ln>
+        </p:spPr>
+        <p:txBody>
+          <a:bodyPr spcFirstLastPara="1" wrap="square" lIns="90000" tIns="45000" rIns="90000" bIns="45000" anchor="t" anchorCtr="0">
+            <a:noAutofit/>
+          </a:bodyPr>
+          <a:lstStyle/>
+          <a:p>
+            <a:pPr marL="0" marR="0" lvl="0" indent="0" algn="l">
+              <a:lnSpc>
+                <a:spcPct val="100000"/>
+              </a:lnSpc>
+              <a:spcBef>
+                <a:spcPts val="0"/>
+              </a:spcBef>
+              <a:spcAft>
+                <a:spcPts val="0"/>
+              </a:spcAft>
+              <a:buNone/>
+              <a:defRPr/>
+            </a:pPr>
+            <a:r>
+              <a:rPr lang="pt-BR" sz="3200" b="0" i="0" u="none" strike="noStrike" cap="none">
+                <a:solidFill>
+                  <a:srgbClr val="C00026"/>
+                </a:solidFill>
+                <a:latin typeface="Verdana"/>
+                <a:ea typeface="Verdana"/>
+                <a:cs typeface="Verdana"/>
+              </a:rPr>
+              <a:t>Avaliação (Projeto - atrasos e descontos) </a:t>
+            </a:r>
+            <a:endParaRPr sz="3200" b="0" i="0" u="none" strike="noStrike" cap="none">
+              <a:solidFill>
+                <a:schemeClr val="dk1"/>
+              </a:solidFill>
+              <a:latin typeface="Arial"/>
+              <a:ea typeface="Arial"/>
+              <a:cs typeface="Arial"/>
+            </a:endParaRPr>
+          </a:p>
+        </p:txBody>
+      </p:sp>
+      <p:sp>
+        <p:nvSpPr>
+          <p:cNvPr id="5" name="Google Shape;324;p61" hidden="0"/>
+          <p:cNvSpPr/>
+          <p:nvPr isPhoto="0" userDrawn="0"/>
+        </p:nvSpPr>
+        <p:spPr bwMode="auto">
+          <a:xfrm>
+            <a:off x="162000" y="85680"/>
+            <a:ext cx="7228499" cy="351299"/>
+          </a:xfrm>
+          <a:prstGeom prst="rect">
+            <a:avLst/>
+          </a:prstGeom>
+          <a:noFill/>
+          <a:ln>
+            <a:noFill/>
+          </a:ln>
+        </p:spPr>
+        <p:txBody>
+          <a:bodyPr spcFirstLastPara="1" wrap="square" lIns="91423" tIns="91423" rIns="91423" bIns="91423" anchor="ctr" anchorCtr="0">
+            <a:noAutofit/>
+          </a:bodyPr>
+          <a:lstStyle/>
+          <a:p>
+            <a:pPr marL="0" lvl="0" indent="0" algn="l">
+              <a:spcBef>
+                <a:spcPts val="0"/>
+              </a:spcBef>
+              <a:spcAft>
+                <a:spcPts val="0"/>
+              </a:spcAft>
+              <a:buNone/>
+              <a:defRPr/>
+            </a:pPr>
+            <a:endParaRPr/>
+          </a:p>
+        </p:txBody>
+      </p:sp>
+      <p:sp>
+        <p:nvSpPr>
+          <p:cNvPr id="6" name="Google Shape;325;p61" hidden="0"/>
+          <p:cNvSpPr/>
+          <p:nvPr isPhoto="0" userDrawn="0"/>
+        </p:nvSpPr>
+        <p:spPr bwMode="auto">
+          <a:xfrm>
+            <a:off x="84240" y="6402240"/>
+            <a:ext cx="640499" cy="363898"/>
+          </a:xfrm>
+          <a:prstGeom prst="rect">
+            <a:avLst/>
+          </a:prstGeom>
+          <a:noFill/>
+          <a:ln>
+            <a:noFill/>
+          </a:ln>
+        </p:spPr>
+        <p:txBody>
+          <a:bodyPr spcFirstLastPara="1" wrap="square" lIns="90000" tIns="45000" rIns="90000" bIns="45000" anchor="ctr" anchorCtr="0">
+            <a:noAutofit/>
+          </a:bodyPr>
+          <a:lstStyle/>
+          <a:p>
+            <a:pPr marL="0" marR="0" lvl="0" indent="0" algn="r">
+              <a:lnSpc>
+                <a:spcPct val="100000"/>
+              </a:lnSpc>
+              <a:spcBef>
+                <a:spcPts val="0"/>
+              </a:spcBef>
+              <a:spcAft>
+                <a:spcPts val="0"/>
+              </a:spcAft>
+              <a:buNone/>
+              <a:defRPr/>
+            </a:pPr>
+            <a:fld id="{EDA1EBAC-2354-A59B-2051-8428905C1A13}" type="slidenum">
+              <a:rPr lang="pt-BR" sz="1000" b="0" i="0" u="none" strike="noStrike" cap="none">
+                <a:solidFill>
+                  <a:srgbClr val="B2B2B2"/>
+                </a:solidFill>
+                <a:latin typeface="Verdana"/>
+                <a:ea typeface="Verdana"/>
+                <a:cs typeface="Verdana"/>
+              </a:rPr>
+              <a:t/>
+            </a:fld>
+            <a:endParaRPr sz="1000" b="0" i="0" u="none" strike="noStrike" cap="none">
+              <a:solidFill>
+                <a:schemeClr val="dk1"/>
+              </a:solidFill>
+              <a:latin typeface="Arial"/>
+              <a:ea typeface="Arial"/>
+              <a:cs typeface="Arial"/>
+            </a:endParaRPr>
+          </a:p>
+        </p:txBody>
+      </p:sp>
+      <p:sp>
+        <p:nvSpPr>
+          <p:cNvPr id="7" name="Google Shape;326;p61" hidden="0"/>
+          <p:cNvSpPr>
+            <a:spLocks noAdjustHandles="0" noChangeArrowheads="0"/>
+          </p:cNvSpPr>
+          <p:nvPr isPhoto="0" userDrawn="0"/>
+        </p:nvSpPr>
+        <p:spPr bwMode="auto">
+          <a:xfrm>
+            <a:off x="576000" y="1728000"/>
+            <a:ext cx="8228399" cy="4443300"/>
+          </a:xfrm>
+          <a:prstGeom prst="rect">
+            <a:avLst/>
+          </a:prstGeom>
+          <a:noFill/>
+          <a:ln>
+            <a:noFill/>
+          </a:ln>
+        </p:spPr>
+        <p:txBody>
+          <a:bodyPr spcFirstLastPara="1" wrap="square" lIns="90000" tIns="45000" rIns="90000" bIns="45000" anchor="t" anchorCtr="0">
+            <a:noAutofit/>
+          </a:bodyPr>
+          <a:lstStyle/>
+          <a:p>
+            <a:pPr marL="349965" lvl="0" indent="-349965" algn="l">
+              <a:lnSpc>
+                <a:spcPct val="150000"/>
+              </a:lnSpc>
+              <a:spcBef>
+                <a:spcPts val="0"/>
+              </a:spcBef>
+              <a:spcAft>
+                <a:spcPts val="0"/>
+              </a:spcAft>
+              <a:buFont typeface="Arial"/>
+              <a:buChar char="•"/>
+              <a:defRPr/>
+            </a:pPr>
+            <a:r>
+              <a:rPr lang="pt-BR" sz="2400" b="0" i="0" u="none" strike="noStrike" cap="none" spc="0">
+                <a:solidFill>
+                  <a:schemeClr val="dk1"/>
+                </a:solidFill>
+                <a:latin typeface="Arial"/>
+                <a:ea typeface="Arial"/>
+                <a:cs typeface="Arial"/>
+              </a:rPr>
+              <a:t>Datas são firmes. Todo atraso significa desconto de 1,0;</a:t>
+            </a:r>
+            <a:endParaRPr lang="pt-BR" sz="2400" b="0" i="0" u="none" strike="noStrike" cap="none" spc="0">
+              <a:solidFill>
+                <a:schemeClr val="dk1"/>
+              </a:solidFill>
+              <a:latin typeface="Arial"/>
+              <a:ea typeface="Arial"/>
+              <a:cs typeface="Arial"/>
+            </a:endParaRPr>
+          </a:p>
+          <a:p>
+            <a:pPr marL="349965" lvl="0" indent="-349965" algn="l">
+              <a:lnSpc>
+                <a:spcPct val="150000"/>
+              </a:lnSpc>
+              <a:spcBef>
+                <a:spcPts val="0"/>
+              </a:spcBef>
+              <a:spcAft>
+                <a:spcPts val="0"/>
+              </a:spcAft>
+              <a:buFont typeface="Arial"/>
+              <a:buChar char="•"/>
+              <a:defRPr/>
+            </a:pPr>
+            <a:r>
+              <a:rPr lang="pt-BR" sz="2400" b="0" i="0" u="none" strike="noStrike" cap="none" spc="0">
+                <a:solidFill>
+                  <a:schemeClr val="dk1"/>
+                </a:solidFill>
+                <a:latin typeface="Arial"/>
+                <a:ea typeface="Arial"/>
+                <a:cs typeface="Arial"/>
+              </a:rPr>
+              <a:t>Qualidade de código é importante. Uma lista de requisitos está na página de projeto</a:t>
             </a:r>
             <a:endParaRPr lang="pt-BR" sz="2400" b="0" i="0" u="none" strike="noStrike" cap="none" spc="0">
               <a:solidFill>
@@ -14019,7 +15764,7 @@
 </p:sld>
 </file>
 
-<file path=ppt/slides/slide12.xml><?xml version="1.0" encoding="utf-8"?>
+<file path=ppt/slides/slide16.xml><?xml version="1.0" encoding="utf-8"?>
 <p:sld xmlns:a="http://schemas.openxmlformats.org/drawingml/2006/main" xmlns:r="http://schemas.openxmlformats.org/officeDocument/2006/relationships" xmlns:p="http://schemas.openxmlformats.org/presentationml/2006/main" xmlns:m="http://schemas.openxmlformats.org/officeDocument/2006/math" xmlns:w="http://schemas.openxmlformats.org/wordprocessingml/2006/main" showMasterPhAnim="0" show="1">
   <p:cSld name="">
     <p:spTree>
@@ -14414,7 +16159,7 @@
 </p:sld>
 </file>
 
-<file path=ppt/slides/slide13.xml><?xml version="1.0" encoding="utf-8"?>
+<file path=ppt/slides/slide17.xml><?xml version="1.0" encoding="utf-8"?>
 <p:sld xmlns:a="http://schemas.openxmlformats.org/drawingml/2006/main" xmlns:r="http://schemas.openxmlformats.org/officeDocument/2006/relationships" xmlns:p="http://schemas.openxmlformats.org/presentationml/2006/main" xmlns:m="http://schemas.openxmlformats.org/officeDocument/2006/math" xmlns:w="http://schemas.openxmlformats.org/wordprocessingml/2006/main" showMasterPhAnim="0" show="1">
   <p:cSld name="">
     <p:spTree>
@@ -14606,7 +16351,7 @@
 </p:sld>
 </file>
 
-<file path=ppt/slides/slide14.xml><?xml version="1.0" encoding="utf-8"?>
+<file path=ppt/slides/slide18.xml><?xml version="1.0" encoding="utf-8"?>
 <p:sld xmlns:a="http://schemas.openxmlformats.org/drawingml/2006/main" xmlns:r="http://schemas.openxmlformats.org/officeDocument/2006/relationships" xmlns:p="http://schemas.openxmlformats.org/presentationml/2006/main" xmlns:m="http://schemas.openxmlformats.org/officeDocument/2006/math" xmlns:w="http://schemas.openxmlformats.org/wordprocessingml/2006/main" showMasterPhAnim="0" show="1">
   <p:cSld name="">
     <p:spTree>
@@ -15021,7 +16766,7 @@
 </p:sld>
 </file>
 
-<file path=ppt/slides/slide15.xml><?xml version="1.0" encoding="utf-8"?>
+<file path=ppt/slides/slide19.xml><?xml version="1.0" encoding="utf-8"?>
 <p:sld xmlns:a="http://schemas.openxmlformats.org/drawingml/2006/main" xmlns:r="http://schemas.openxmlformats.org/officeDocument/2006/relationships" xmlns:p="http://schemas.openxmlformats.org/presentationml/2006/main" xmlns:m="http://schemas.openxmlformats.org/officeDocument/2006/math" xmlns:w="http://schemas.openxmlformats.org/wordprocessingml/2006/main" showMasterPhAnim="0" show="1">
   <p:cSld name="">
     <p:spTree>
@@ -15240,7 +16985,344 @@
 </p:sld>
 </file>
 
-<file path=ppt/slides/slide16.xml><?xml version="1.0" encoding="utf-8"?>
+<file path=ppt/slides/slide2.xml><?xml version="1.0" encoding="utf-8"?>
+<p:sld xmlns:a="http://schemas.openxmlformats.org/drawingml/2006/main" xmlns:r="http://schemas.openxmlformats.org/officeDocument/2006/relationships" xmlns:p="http://schemas.openxmlformats.org/presentationml/2006/main" xmlns:m="http://schemas.openxmlformats.org/officeDocument/2006/math" xmlns:w="http://schemas.openxmlformats.org/wordprocessingml/2006/main" showMasterPhAnim="0" show="1">
+  <p:cSld name="">
+    <p:spTree>
+      <p:nvGrpSpPr>
+        <p:cNvPr id="1" name="" hidden="0"/>
+        <p:cNvGrpSpPr/>
+        <p:nvPr isPhoto="0" userDrawn="0"/>
+      </p:nvGrpSpPr>
+      <p:grpSpPr bwMode="auto">
+        <a:xfrm>
+          <a:off x="0" y="0"/>
+          <a:ext cx="0" cy="0"/>
+          <a:chOff x="0" y="0"/>
+          <a:chExt cx="0" cy="0"/>
+        </a:xfrm>
+      </p:grpSpPr>
+      <p:sp>
+        <p:nvSpPr>
+          <p:cNvPr id="4" name="Google Shape;259;p54" hidden="0"/>
+          <p:cNvSpPr/>
+          <p:nvPr isPhoto="0" userDrawn="0"/>
+        </p:nvSpPr>
+        <p:spPr bwMode="auto">
+          <a:xfrm>
+            <a:off x="457200" y="781200"/>
+            <a:ext cx="8228520" cy="618120"/>
+          </a:xfrm>
+          <a:prstGeom prst="rect">
+            <a:avLst/>
+          </a:prstGeom>
+          <a:noFill/>
+          <a:ln>
+            <a:noFill/>
+          </a:ln>
+        </p:spPr>
+        <p:txBody>
+          <a:bodyPr spcFirstLastPara="1" wrap="square" lIns="90000" tIns="45000" rIns="90000" bIns="45000" anchor="t" anchorCtr="0">
+            <a:noAutofit/>
+          </a:bodyPr>
+          <a:lstStyle/>
+          <a:p>
+            <a:pPr marL="0" marR="0" lvl="0" indent="0" algn="l">
+              <a:lnSpc>
+                <a:spcPct val="100000"/>
+              </a:lnSpc>
+              <a:spcBef>
+                <a:spcPts val="0"/>
+              </a:spcBef>
+              <a:spcAft>
+                <a:spcPts val="0"/>
+              </a:spcAft>
+              <a:buNone/>
+              <a:defRPr/>
+            </a:pPr>
+            <a:r>
+              <a:rPr lang="pt-BR" sz="3200" b="0" i="0" u="none" strike="noStrike" cap="none">
+                <a:solidFill>
+                  <a:srgbClr val="C00026"/>
+                </a:solidFill>
+                <a:latin typeface="Verdana"/>
+                <a:ea typeface="Verdana"/>
+                <a:cs typeface="Verdana"/>
+              </a:rPr>
+              <a:t>Hoje</a:t>
+            </a:r>
+            <a:endParaRPr sz="3200" b="0" i="0" u="none" strike="noStrike" cap="none">
+              <a:solidFill>
+                <a:schemeClr val="dk1"/>
+              </a:solidFill>
+              <a:latin typeface="Arial"/>
+              <a:ea typeface="Arial"/>
+              <a:cs typeface="Arial"/>
+            </a:endParaRPr>
+          </a:p>
+        </p:txBody>
+      </p:sp>
+      <p:sp>
+        <p:nvSpPr>
+          <p:cNvPr id="5" name="Google Shape;260;p54" hidden="0"/>
+          <p:cNvSpPr/>
+          <p:nvPr isPhoto="0" userDrawn="0"/>
+        </p:nvSpPr>
+        <p:spPr bwMode="auto">
+          <a:xfrm>
+            <a:off x="162000" y="85680"/>
+            <a:ext cx="7228440" cy="351360"/>
+          </a:xfrm>
+          <a:prstGeom prst="rect">
+            <a:avLst/>
+          </a:prstGeom>
+          <a:noFill/>
+          <a:ln>
+            <a:noFill/>
+          </a:ln>
+        </p:spPr>
+        <p:txBody>
+          <a:bodyPr spcFirstLastPara="1" wrap="square" lIns="91423" tIns="91423" rIns="91423" bIns="91423" anchor="ctr" anchorCtr="0">
+            <a:noAutofit/>
+          </a:bodyPr>
+          <a:lstStyle/>
+          <a:p>
+            <a:pPr marL="0" lvl="0" indent="0" algn="l">
+              <a:spcBef>
+                <a:spcPts val="0"/>
+              </a:spcBef>
+              <a:spcAft>
+                <a:spcPts val="0"/>
+              </a:spcAft>
+              <a:buNone/>
+              <a:defRPr/>
+            </a:pPr>
+            <a:endParaRPr/>
+          </a:p>
+        </p:txBody>
+      </p:sp>
+      <p:sp>
+        <p:nvSpPr>
+          <p:cNvPr id="6" name="Google Shape;261;p54" hidden="0"/>
+          <p:cNvSpPr/>
+          <p:nvPr isPhoto="0" userDrawn="0"/>
+        </p:nvSpPr>
+        <p:spPr bwMode="auto">
+          <a:xfrm>
+            <a:off x="84240" y="6402240"/>
+            <a:ext cx="640440" cy="363960"/>
+          </a:xfrm>
+          <a:prstGeom prst="rect">
+            <a:avLst/>
+          </a:prstGeom>
+          <a:noFill/>
+          <a:ln>
+            <a:noFill/>
+          </a:ln>
+        </p:spPr>
+        <p:txBody>
+          <a:bodyPr spcFirstLastPara="1" wrap="square" lIns="90000" tIns="45000" rIns="90000" bIns="45000" anchor="ctr" anchorCtr="0">
+            <a:noAutofit/>
+          </a:bodyPr>
+          <a:lstStyle/>
+          <a:p>
+            <a:pPr marL="0" marR="0" lvl="0" indent="0" algn="r">
+              <a:lnSpc>
+                <a:spcPct val="100000"/>
+              </a:lnSpc>
+              <a:spcBef>
+                <a:spcPts val="0"/>
+              </a:spcBef>
+              <a:spcAft>
+                <a:spcPts val="0"/>
+              </a:spcAft>
+              <a:buNone/>
+              <a:defRPr/>
+            </a:pPr>
+            <a:fld id="{8B09B56D-0015-6DCB-AC27-82B0539C99D2}" type="slidenum">
+              <a:rPr lang="pt-BR" sz="1000" b="0" i="0" u="none" strike="noStrike" cap="none">
+                <a:solidFill>
+                  <a:srgbClr val="B2B2B2"/>
+                </a:solidFill>
+                <a:latin typeface="Verdana"/>
+                <a:ea typeface="Verdana"/>
+                <a:cs typeface="Verdana"/>
+              </a:rPr>
+              <a:t/>
+            </a:fld>
+            <a:endParaRPr sz="1000" b="0" i="0" u="none" strike="noStrike" cap="none">
+              <a:solidFill>
+                <a:schemeClr val="dk1"/>
+              </a:solidFill>
+              <a:latin typeface="Arial"/>
+              <a:ea typeface="Arial"/>
+              <a:cs typeface="Arial"/>
+            </a:endParaRPr>
+          </a:p>
+        </p:txBody>
+      </p:sp>
+      <p:sp>
+        <p:nvSpPr>
+          <p:cNvPr id="7" name="Google Shape;262;p54" hidden="0"/>
+          <p:cNvSpPr>
+            <a:spLocks noAdjustHandles="0" noChangeArrowheads="0"/>
+          </p:cNvSpPr>
+          <p:nvPr isPhoto="0" userDrawn="0"/>
+        </p:nvSpPr>
+        <p:spPr bwMode="auto">
+          <a:xfrm>
+            <a:off x="576000" y="1728000"/>
+            <a:ext cx="7920000" cy="3599532"/>
+          </a:xfrm>
+          <a:prstGeom prst="rect">
+            <a:avLst/>
+          </a:prstGeom>
+          <a:noFill/>
+          <a:ln>
+            <a:noFill/>
+          </a:ln>
+        </p:spPr>
+        <p:txBody>
+          <a:bodyPr spcFirstLastPara="1" wrap="square" lIns="90000" tIns="45000" rIns="90000" bIns="45000" anchor="t" anchorCtr="0">
+            <a:noAutofit/>
+          </a:bodyPr>
+          <a:lstStyle/>
+          <a:p>
+            <a:pPr marL="216000" marR="0" lvl="0" indent="-216000" algn="l">
+              <a:lnSpc>
+                <a:spcPct val="100000"/>
+              </a:lnSpc>
+              <a:spcBef>
+                <a:spcPts val="0"/>
+              </a:spcBef>
+              <a:spcAft>
+                <a:spcPts val="0"/>
+              </a:spcAft>
+              <a:buClr>
+                <a:srgbClr val="000000"/>
+              </a:buClr>
+              <a:buSzPts val="1440"/>
+              <a:buFont typeface="Noto Sans Symbols"/>
+              <a:buChar char="●"/>
+              <a:defRPr/>
+            </a:pPr>
+            <a:r>
+              <a:rPr lang="pt-BR" sz="3200" b="0" i="0" u="none" strike="noStrike" cap="none">
+                <a:solidFill>
+                  <a:schemeClr val="dk1"/>
+                </a:solidFill>
+                <a:latin typeface="Arial"/>
+                <a:ea typeface="Arial"/>
+                <a:cs typeface="Arial"/>
+              </a:rPr>
+              <a:t>Burocracias </a:t>
+            </a:r>
+            <a:endParaRPr sz="3200" b="0" i="0" u="none" strike="noStrike" cap="none">
+              <a:solidFill>
+                <a:schemeClr val="dk1"/>
+              </a:solidFill>
+              <a:latin typeface="Arial"/>
+              <a:ea typeface="Arial"/>
+              <a:cs typeface="Arial"/>
+            </a:endParaRPr>
+          </a:p>
+          <a:p>
+            <a:pPr marL="216000" marR="0" lvl="0" indent="-216000" algn="l">
+              <a:lnSpc>
+                <a:spcPct val="100000"/>
+              </a:lnSpc>
+              <a:spcBef>
+                <a:spcPts val="3967"/>
+              </a:spcBef>
+              <a:spcAft>
+                <a:spcPts val="0"/>
+              </a:spcAft>
+              <a:buClr>
+                <a:srgbClr val="000000"/>
+              </a:buClr>
+              <a:buSzPts val="1440"/>
+              <a:buFont typeface="Noto Sans Symbols"/>
+              <a:buChar char="●"/>
+              <a:defRPr/>
+            </a:pPr>
+            <a:r>
+              <a:rPr lang="pt-BR" sz="3200" b="0" i="0" u="none" strike="noStrike" cap="none">
+                <a:solidFill>
+                  <a:schemeClr val="dk1"/>
+                </a:solidFill>
+                <a:latin typeface="Arial"/>
+                <a:ea typeface="Arial"/>
+                <a:cs typeface="Arial"/>
+              </a:rPr>
+              <a:t>Resumo do curso</a:t>
+            </a:r>
+            <a:endParaRPr sz="3200" b="0" i="0" u="none" strike="noStrike" cap="none">
+              <a:solidFill>
+                <a:schemeClr val="dk1"/>
+              </a:solidFill>
+              <a:latin typeface="Arial"/>
+              <a:ea typeface="Arial"/>
+              <a:cs typeface="Arial"/>
+            </a:endParaRPr>
+          </a:p>
+          <a:p>
+            <a:pPr marL="216000" marR="0" lvl="0" indent="-216000" algn="l">
+              <a:lnSpc>
+                <a:spcPct val="100000"/>
+              </a:lnSpc>
+              <a:spcBef>
+                <a:spcPts val="3967"/>
+              </a:spcBef>
+              <a:spcAft>
+                <a:spcPts val="0"/>
+              </a:spcAft>
+              <a:buClr>
+                <a:srgbClr val="000000"/>
+              </a:buClr>
+              <a:buSzPts val="1440"/>
+              <a:buFont typeface="Noto Sans Symbols"/>
+              <a:buChar char="●"/>
+              <a:defRPr/>
+            </a:pPr>
+            <a:r>
+              <a:rPr lang="pt-BR" sz="3200" b="0" i="0" u="none" strike="noStrike" cap="none">
+                <a:solidFill>
+                  <a:schemeClr val="dk1"/>
+                </a:solidFill>
+                <a:latin typeface="Arial"/>
+                <a:ea typeface="Arial"/>
+                <a:cs typeface="Arial"/>
+              </a:rPr>
+              <a:t>Atividade prática de C++</a:t>
+            </a:r>
+            <a:endParaRPr sz="3200" b="0" i="0" u="none" strike="noStrike" cap="none">
+              <a:solidFill>
+                <a:schemeClr val="dk1"/>
+              </a:solidFill>
+              <a:latin typeface="Arial"/>
+              <a:ea typeface="Arial"/>
+              <a:cs typeface="Arial"/>
+            </a:endParaRPr>
+          </a:p>
+        </p:txBody>
+      </p:sp>
+    </p:spTree>
+  </p:cSld>
+  <p:clrMapOvr>
+    <a:masterClrMapping/>
+  </p:clrMapOvr>
+  <mc:AlternateContent xmlns:mc="http://schemas.openxmlformats.org/markup-compatibility/2006">
+    <mc:Choice xmlns:p14="http://schemas.microsoft.com/office/powerpoint/2010/main" Requires="p14">
+      <p:transition p14:dur="2000" advClick="1"/>
+    </mc:Choice>
+    <mc:Fallback>
+      <p:transition advClick="1"/>
+    </mc:Fallback>
+  </mc:AlternateContent>
+</p:sld>
+</file>
+
+<file path=ppt/slides/slide20.xml><?xml version="1.0" encoding="utf-8"?>
 <p:sld xmlns:a="http://schemas.openxmlformats.org/drawingml/2006/main" xmlns:r="http://schemas.openxmlformats.org/officeDocument/2006/relationships" xmlns:p="http://schemas.openxmlformats.org/presentationml/2006/main" xmlns:m="http://schemas.openxmlformats.org/officeDocument/2006/math" xmlns:w="http://schemas.openxmlformats.org/wordprocessingml/2006/main" showMasterPhAnim="0" show="1">
   <p:cSld name="">
     <p:spTree>
@@ -15516,7 +17598,7 @@
 </p:sld>
 </file>
 
-<file path=ppt/slides/slide17.xml><?xml version="1.0" encoding="utf-8"?>
+<file path=ppt/slides/slide21.xml><?xml version="1.0" encoding="utf-8"?>
 <p:sld xmlns:a="http://schemas.openxmlformats.org/drawingml/2006/main" xmlns:r="http://schemas.openxmlformats.org/officeDocument/2006/relationships" xmlns:p="http://schemas.openxmlformats.org/presentationml/2006/main" xmlns:m="http://schemas.openxmlformats.org/officeDocument/2006/math" xmlns:w="http://schemas.openxmlformats.org/wordprocessingml/2006/main" showMasterPhAnim="0" show="1">
   <p:cSld name="">
     <p:spTree>
@@ -15787,7 +17869,7 @@
 </p:sld>
 </file>
 
-<file path=ppt/slides/slide18.xml><?xml version="1.0" encoding="utf-8"?>
+<file path=ppt/slides/slide22.xml><?xml version="1.0" encoding="utf-8"?>
 <p:sld xmlns:a="http://schemas.openxmlformats.org/drawingml/2006/main" xmlns:r="http://schemas.openxmlformats.org/officeDocument/2006/relationships" xmlns:p="http://schemas.openxmlformats.org/presentationml/2006/main" xmlns:m="http://schemas.openxmlformats.org/officeDocument/2006/math" xmlns:w="http://schemas.openxmlformats.org/wordprocessingml/2006/main" showMasterPhAnim="0" show="1">
   <p:cSld name="">
     <p:spTree>
@@ -16186,7 +18268,7 @@
 </p:sld>
 </file>
 
-<file path=ppt/slides/slide19.xml><?xml version="1.0" encoding="utf-8"?>
+<file path=ppt/slides/slide23.xml><?xml version="1.0" encoding="utf-8"?>
 <p:sld xmlns:a="http://schemas.openxmlformats.org/drawingml/2006/main" xmlns:r="http://schemas.openxmlformats.org/officeDocument/2006/relationships" xmlns:p="http://schemas.openxmlformats.org/presentationml/2006/main" xmlns:m="http://schemas.openxmlformats.org/officeDocument/2006/math" xmlns:w="http://schemas.openxmlformats.org/wordprocessingml/2006/main" showMasterPhAnim="0" show="1">
   <p:cSld name="">
     <p:spTree>
@@ -19201,344 +21283,7 @@
 </p:sld>
 </file>
 
-<file path=ppt/slides/slide2.xml><?xml version="1.0" encoding="utf-8"?>
-<p:sld xmlns:a="http://schemas.openxmlformats.org/drawingml/2006/main" xmlns:r="http://schemas.openxmlformats.org/officeDocument/2006/relationships" xmlns:p="http://schemas.openxmlformats.org/presentationml/2006/main" xmlns:m="http://schemas.openxmlformats.org/officeDocument/2006/math" xmlns:w="http://schemas.openxmlformats.org/wordprocessingml/2006/main" showMasterPhAnim="0" show="1">
-  <p:cSld name="">
-    <p:spTree>
-      <p:nvGrpSpPr>
-        <p:cNvPr id="1" name="" hidden="0"/>
-        <p:cNvGrpSpPr/>
-        <p:nvPr isPhoto="0" userDrawn="0"/>
-      </p:nvGrpSpPr>
-      <p:grpSpPr bwMode="auto">
-        <a:xfrm>
-          <a:off x="0" y="0"/>
-          <a:ext cx="0" cy="0"/>
-          <a:chOff x="0" y="0"/>
-          <a:chExt cx="0" cy="0"/>
-        </a:xfrm>
-      </p:grpSpPr>
-      <p:sp>
-        <p:nvSpPr>
-          <p:cNvPr id="4" name="Google Shape;259;p54" hidden="0"/>
-          <p:cNvSpPr/>
-          <p:nvPr isPhoto="0" userDrawn="0"/>
-        </p:nvSpPr>
-        <p:spPr bwMode="auto">
-          <a:xfrm>
-            <a:off x="457200" y="781200"/>
-            <a:ext cx="8228520" cy="618120"/>
-          </a:xfrm>
-          <a:prstGeom prst="rect">
-            <a:avLst/>
-          </a:prstGeom>
-          <a:noFill/>
-          <a:ln>
-            <a:noFill/>
-          </a:ln>
-        </p:spPr>
-        <p:txBody>
-          <a:bodyPr spcFirstLastPara="1" wrap="square" lIns="90000" tIns="45000" rIns="90000" bIns="45000" anchor="t" anchorCtr="0">
-            <a:noAutofit/>
-          </a:bodyPr>
-          <a:lstStyle/>
-          <a:p>
-            <a:pPr marL="0" marR="0" lvl="0" indent="0" algn="l">
-              <a:lnSpc>
-                <a:spcPct val="100000"/>
-              </a:lnSpc>
-              <a:spcBef>
-                <a:spcPts val="0"/>
-              </a:spcBef>
-              <a:spcAft>
-                <a:spcPts val="0"/>
-              </a:spcAft>
-              <a:buNone/>
-              <a:defRPr/>
-            </a:pPr>
-            <a:r>
-              <a:rPr lang="pt-BR" sz="3200" b="0" i="0" u="none" strike="noStrike" cap="none">
-                <a:solidFill>
-                  <a:srgbClr val="C00026"/>
-                </a:solidFill>
-                <a:latin typeface="Verdana"/>
-                <a:ea typeface="Verdana"/>
-                <a:cs typeface="Verdana"/>
-              </a:rPr>
-              <a:t>Hoje</a:t>
-            </a:r>
-            <a:endParaRPr sz="3200" b="0" i="0" u="none" strike="noStrike" cap="none">
-              <a:solidFill>
-                <a:schemeClr val="dk1"/>
-              </a:solidFill>
-              <a:latin typeface="Arial"/>
-              <a:ea typeface="Arial"/>
-              <a:cs typeface="Arial"/>
-            </a:endParaRPr>
-          </a:p>
-        </p:txBody>
-      </p:sp>
-      <p:sp>
-        <p:nvSpPr>
-          <p:cNvPr id="5" name="Google Shape;260;p54" hidden="0"/>
-          <p:cNvSpPr/>
-          <p:nvPr isPhoto="0" userDrawn="0"/>
-        </p:nvSpPr>
-        <p:spPr bwMode="auto">
-          <a:xfrm>
-            <a:off x="162000" y="85680"/>
-            <a:ext cx="7228440" cy="351360"/>
-          </a:xfrm>
-          <a:prstGeom prst="rect">
-            <a:avLst/>
-          </a:prstGeom>
-          <a:noFill/>
-          <a:ln>
-            <a:noFill/>
-          </a:ln>
-        </p:spPr>
-        <p:txBody>
-          <a:bodyPr spcFirstLastPara="1" wrap="square" lIns="91423" tIns="91423" rIns="91423" bIns="91423" anchor="ctr" anchorCtr="0">
-            <a:noAutofit/>
-          </a:bodyPr>
-          <a:lstStyle/>
-          <a:p>
-            <a:pPr marL="0" lvl="0" indent="0" algn="l">
-              <a:spcBef>
-                <a:spcPts val="0"/>
-              </a:spcBef>
-              <a:spcAft>
-                <a:spcPts val="0"/>
-              </a:spcAft>
-              <a:buNone/>
-              <a:defRPr/>
-            </a:pPr>
-            <a:endParaRPr/>
-          </a:p>
-        </p:txBody>
-      </p:sp>
-      <p:sp>
-        <p:nvSpPr>
-          <p:cNvPr id="6" name="Google Shape;261;p54" hidden="0"/>
-          <p:cNvSpPr/>
-          <p:nvPr isPhoto="0" userDrawn="0"/>
-        </p:nvSpPr>
-        <p:spPr bwMode="auto">
-          <a:xfrm>
-            <a:off x="84240" y="6402240"/>
-            <a:ext cx="640440" cy="363960"/>
-          </a:xfrm>
-          <a:prstGeom prst="rect">
-            <a:avLst/>
-          </a:prstGeom>
-          <a:noFill/>
-          <a:ln>
-            <a:noFill/>
-          </a:ln>
-        </p:spPr>
-        <p:txBody>
-          <a:bodyPr spcFirstLastPara="1" wrap="square" lIns="90000" tIns="45000" rIns="90000" bIns="45000" anchor="ctr" anchorCtr="0">
-            <a:noAutofit/>
-          </a:bodyPr>
-          <a:lstStyle/>
-          <a:p>
-            <a:pPr marL="0" marR="0" lvl="0" indent="0" algn="r">
-              <a:lnSpc>
-                <a:spcPct val="100000"/>
-              </a:lnSpc>
-              <a:spcBef>
-                <a:spcPts val="0"/>
-              </a:spcBef>
-              <a:spcAft>
-                <a:spcPts val="0"/>
-              </a:spcAft>
-              <a:buNone/>
-              <a:defRPr/>
-            </a:pPr>
-            <a:fld id="{8B09B56D-0015-6DCB-AC27-82B0539C99D2}" type="slidenum">
-              <a:rPr lang="pt-BR" sz="1000" b="0" i="0" u="none" strike="noStrike" cap="none">
-                <a:solidFill>
-                  <a:srgbClr val="B2B2B2"/>
-                </a:solidFill>
-                <a:latin typeface="Verdana"/>
-                <a:ea typeface="Verdana"/>
-                <a:cs typeface="Verdana"/>
-              </a:rPr>
-              <a:t/>
-            </a:fld>
-            <a:endParaRPr sz="1000" b="0" i="0" u="none" strike="noStrike" cap="none">
-              <a:solidFill>
-                <a:schemeClr val="dk1"/>
-              </a:solidFill>
-              <a:latin typeface="Arial"/>
-              <a:ea typeface="Arial"/>
-              <a:cs typeface="Arial"/>
-            </a:endParaRPr>
-          </a:p>
-        </p:txBody>
-      </p:sp>
-      <p:sp>
-        <p:nvSpPr>
-          <p:cNvPr id="7" name="Google Shape;262;p54" hidden="0"/>
-          <p:cNvSpPr>
-            <a:spLocks noAdjustHandles="0" noChangeArrowheads="0"/>
-          </p:cNvSpPr>
-          <p:nvPr isPhoto="0" userDrawn="0"/>
-        </p:nvSpPr>
-        <p:spPr bwMode="auto">
-          <a:xfrm>
-            <a:off x="576000" y="1728000"/>
-            <a:ext cx="7920000" cy="3599532"/>
-          </a:xfrm>
-          <a:prstGeom prst="rect">
-            <a:avLst/>
-          </a:prstGeom>
-          <a:noFill/>
-          <a:ln>
-            <a:noFill/>
-          </a:ln>
-        </p:spPr>
-        <p:txBody>
-          <a:bodyPr spcFirstLastPara="1" wrap="square" lIns="90000" tIns="45000" rIns="90000" bIns="45000" anchor="t" anchorCtr="0">
-            <a:noAutofit/>
-          </a:bodyPr>
-          <a:lstStyle/>
-          <a:p>
-            <a:pPr marL="216000" marR="0" lvl="0" indent="-216000" algn="l">
-              <a:lnSpc>
-                <a:spcPct val="100000"/>
-              </a:lnSpc>
-              <a:spcBef>
-                <a:spcPts val="0"/>
-              </a:spcBef>
-              <a:spcAft>
-                <a:spcPts val="0"/>
-              </a:spcAft>
-              <a:buClr>
-                <a:srgbClr val="000000"/>
-              </a:buClr>
-              <a:buSzPts val="1440"/>
-              <a:buFont typeface="Noto Sans Symbols"/>
-              <a:buChar char="●"/>
-              <a:defRPr/>
-            </a:pPr>
-            <a:r>
-              <a:rPr lang="pt-BR" sz="3200" b="0" i="0" u="none" strike="noStrike" cap="none">
-                <a:solidFill>
-                  <a:schemeClr val="dk1"/>
-                </a:solidFill>
-                <a:latin typeface="Arial"/>
-                <a:ea typeface="Arial"/>
-                <a:cs typeface="Arial"/>
-              </a:rPr>
-              <a:t>Burocracias </a:t>
-            </a:r>
-            <a:endParaRPr sz="3200" b="0" i="0" u="none" strike="noStrike" cap="none">
-              <a:solidFill>
-                <a:schemeClr val="dk1"/>
-              </a:solidFill>
-              <a:latin typeface="Arial"/>
-              <a:ea typeface="Arial"/>
-              <a:cs typeface="Arial"/>
-            </a:endParaRPr>
-          </a:p>
-          <a:p>
-            <a:pPr marL="216000" marR="0" lvl="0" indent="-216000" algn="l">
-              <a:lnSpc>
-                <a:spcPct val="100000"/>
-              </a:lnSpc>
-              <a:spcBef>
-                <a:spcPts val="3967"/>
-              </a:spcBef>
-              <a:spcAft>
-                <a:spcPts val="0"/>
-              </a:spcAft>
-              <a:buClr>
-                <a:srgbClr val="000000"/>
-              </a:buClr>
-              <a:buSzPts val="1440"/>
-              <a:buFont typeface="Noto Sans Symbols"/>
-              <a:buChar char="●"/>
-              <a:defRPr/>
-            </a:pPr>
-            <a:r>
-              <a:rPr lang="pt-BR" sz="3200" b="0" i="0" u="none" strike="noStrike" cap="none">
-                <a:solidFill>
-                  <a:schemeClr val="dk1"/>
-                </a:solidFill>
-                <a:latin typeface="Arial"/>
-                <a:ea typeface="Arial"/>
-                <a:cs typeface="Arial"/>
-              </a:rPr>
-              <a:t>Resumo do curso</a:t>
-            </a:r>
-            <a:endParaRPr sz="3200" b="0" i="0" u="none" strike="noStrike" cap="none">
-              <a:solidFill>
-                <a:schemeClr val="dk1"/>
-              </a:solidFill>
-              <a:latin typeface="Arial"/>
-              <a:ea typeface="Arial"/>
-              <a:cs typeface="Arial"/>
-            </a:endParaRPr>
-          </a:p>
-          <a:p>
-            <a:pPr marL="216000" marR="0" lvl="0" indent="-216000" algn="l">
-              <a:lnSpc>
-                <a:spcPct val="100000"/>
-              </a:lnSpc>
-              <a:spcBef>
-                <a:spcPts val="3967"/>
-              </a:spcBef>
-              <a:spcAft>
-                <a:spcPts val="0"/>
-              </a:spcAft>
-              <a:buClr>
-                <a:srgbClr val="000000"/>
-              </a:buClr>
-              <a:buSzPts val="1440"/>
-              <a:buFont typeface="Noto Sans Symbols"/>
-              <a:buChar char="●"/>
-              <a:defRPr/>
-            </a:pPr>
-            <a:r>
-              <a:rPr lang="pt-BR" sz="3200" b="0" i="0" u="none" strike="noStrike" cap="none">
-                <a:solidFill>
-                  <a:schemeClr val="dk1"/>
-                </a:solidFill>
-                <a:latin typeface="Arial"/>
-                <a:ea typeface="Arial"/>
-                <a:cs typeface="Arial"/>
-              </a:rPr>
-              <a:t>Atividade prática de C++</a:t>
-            </a:r>
-            <a:endParaRPr sz="3200" b="0" i="0" u="none" strike="noStrike" cap="none">
-              <a:solidFill>
-                <a:schemeClr val="dk1"/>
-              </a:solidFill>
-              <a:latin typeface="Arial"/>
-              <a:ea typeface="Arial"/>
-              <a:cs typeface="Arial"/>
-            </a:endParaRPr>
-          </a:p>
-        </p:txBody>
-      </p:sp>
-    </p:spTree>
-  </p:cSld>
-  <p:clrMapOvr>
-    <a:masterClrMapping/>
-  </p:clrMapOvr>
-  <mc:AlternateContent xmlns:mc="http://schemas.openxmlformats.org/markup-compatibility/2006">
-    <mc:Choice xmlns:p14="http://schemas.microsoft.com/office/powerpoint/2010/main" Requires="p14">
-      <p:transition p14:dur="2000" advClick="1"/>
-    </mc:Choice>
-    <mc:Fallback>
-      <p:transition advClick="1"/>
-    </mc:Fallback>
-  </mc:AlternateContent>
-</p:sld>
-</file>
-
-<file path=ppt/slides/slide20.xml><?xml version="1.0" encoding="utf-8"?>
+<file path=ppt/slides/slide24.xml><?xml version="1.0" encoding="utf-8"?>
 <p:sld xmlns:a="http://schemas.openxmlformats.org/drawingml/2006/main" xmlns:r="http://schemas.openxmlformats.org/officeDocument/2006/relationships" xmlns:p="http://schemas.openxmlformats.org/presentationml/2006/main" xmlns:m="http://schemas.openxmlformats.org/officeDocument/2006/math" xmlns:w="http://schemas.openxmlformats.org/wordprocessingml/2006/main" showMasterPhAnim="0" show="1">
   <p:cSld name="">
     <p:spTree>
@@ -20088,7 +21833,7 @@
 </p:sld>
 </file>
 
-<file path=ppt/slides/slide21.xml><?xml version="1.0" encoding="utf-8"?>
+<file path=ppt/slides/slide25.xml><?xml version="1.0" encoding="utf-8"?>
 <p:sld xmlns:a="http://schemas.openxmlformats.org/drawingml/2006/main" xmlns:r="http://schemas.openxmlformats.org/officeDocument/2006/relationships" xmlns:p="http://schemas.openxmlformats.org/presentationml/2006/main" xmlns:m="http://schemas.openxmlformats.org/officeDocument/2006/math" xmlns:w="http://schemas.openxmlformats.org/wordprocessingml/2006/main" showMasterPhAnim="0" show="1">
   <p:cSld name="">
     <p:spTree>
@@ -20639,7 +22384,7 @@
 </p:sld>
 </file>
 
-<file path=ppt/slides/slide22.xml><?xml version="1.0" encoding="utf-8"?>
+<file path=ppt/slides/slide26.xml><?xml version="1.0" encoding="utf-8"?>
 <p:sld xmlns:a="http://schemas.openxmlformats.org/drawingml/2006/main" xmlns:r="http://schemas.openxmlformats.org/officeDocument/2006/relationships" xmlns:p="http://schemas.openxmlformats.org/presentationml/2006/main" xmlns:m="http://schemas.openxmlformats.org/officeDocument/2006/math" xmlns:w="http://schemas.openxmlformats.org/wordprocessingml/2006/main" showMasterPhAnim="0" show="1">
   <p:cSld name="">
     <p:spTree>
@@ -21000,7 +22745,7 @@
 </p:sld>
 </file>
 
-<file path=ppt/slides/slide23.xml><?xml version="1.0" encoding="utf-8"?>
+<file path=ppt/slides/slide27.xml><?xml version="1.0" encoding="utf-8"?>
 <p:sld xmlns:a="http://schemas.openxmlformats.org/drawingml/2006/main" xmlns:r="http://schemas.openxmlformats.org/officeDocument/2006/relationships" xmlns:p="http://schemas.openxmlformats.org/presentationml/2006/main" xmlns:m="http://schemas.openxmlformats.org/officeDocument/2006/math" xmlns:w="http://schemas.openxmlformats.org/wordprocessingml/2006/main" showMasterPhAnim="0" show="1">
   <p:cSld name="">
     <p:spTree>
@@ -21360,7 +23105,7 @@
 </p:sld>
 </file>
 
-<file path=ppt/slides/slide24.xml><?xml version="1.0" encoding="utf-8"?>
+<file path=ppt/slides/slide28.xml><?xml version="1.0" encoding="utf-8"?>
 <p:sld xmlns:a="http://schemas.openxmlformats.org/drawingml/2006/main" xmlns:r="http://schemas.openxmlformats.org/officeDocument/2006/relationships" xmlns:p="http://schemas.openxmlformats.org/presentationml/2006/main" xmlns:m="http://schemas.openxmlformats.org/officeDocument/2006/math" xmlns:w="http://schemas.openxmlformats.org/wordprocessingml/2006/main" showMasterPhAnim="0" show="1">
   <p:cSld name="">
     <p:spTree>
@@ -21808,7 +23553,7 @@
 </p:sld>
 </file>
 
-<file path=ppt/slides/slide25.xml><?xml version="1.0" encoding="utf-8"?>
+<file path=ppt/slides/slide29.xml><?xml version="1.0" encoding="utf-8"?>
 <p:sld xmlns:a="http://schemas.openxmlformats.org/drawingml/2006/main" xmlns:r="http://schemas.openxmlformats.org/officeDocument/2006/relationships" xmlns:p="http://schemas.openxmlformats.org/presentationml/2006/main" xmlns:m="http://schemas.openxmlformats.org/officeDocument/2006/math" xmlns:w="http://schemas.openxmlformats.org/wordprocessingml/2006/main" showMasterPhAnim="0" show="1">
   <p:cSld name="">
     <p:spTree>
@@ -22119,1623 +23864,6 @@
               <a:t>GPGPU</a:t>
             </a:r>
             <a:endParaRPr sz="2800" b="0" strike="noStrike">
-              <a:solidFill>
-                <a:schemeClr val="dk1"/>
-              </a:solidFill>
-              <a:latin typeface="Arial"/>
-              <a:ea typeface="Arial"/>
-              <a:cs typeface="Arial"/>
-            </a:endParaRPr>
-          </a:p>
-        </p:txBody>
-      </p:sp>
-    </p:spTree>
-  </p:cSld>
-  <p:clrMapOvr>
-    <a:masterClrMapping/>
-  </p:clrMapOvr>
-  <mc:AlternateContent xmlns:mc="http://schemas.openxmlformats.org/markup-compatibility/2006">
-    <mc:Choice xmlns:p14="http://schemas.microsoft.com/office/powerpoint/2010/main" Requires="p14">
-      <p:transition p14:dur="2000" advClick="1"/>
-    </mc:Choice>
-    <mc:Fallback>
-      <p:transition advClick="1"/>
-    </mc:Fallback>
-  </mc:AlternateContent>
-</p:sld>
-</file>
-
-<file path=ppt/slides/slide26.xml><?xml version="1.0" encoding="utf-8"?>
-<p:sld xmlns:a="http://schemas.openxmlformats.org/drawingml/2006/main" xmlns:r="http://schemas.openxmlformats.org/officeDocument/2006/relationships" xmlns:p="http://schemas.openxmlformats.org/presentationml/2006/main" xmlns:m="http://schemas.openxmlformats.org/officeDocument/2006/math" xmlns:w="http://schemas.openxmlformats.org/wordprocessingml/2006/main" showMasterPhAnim="0" show="1">
-  <p:cSld name="">
-    <p:spTree>
-      <p:nvGrpSpPr>
-        <p:cNvPr id="1" name="" hidden="0"/>
-        <p:cNvGrpSpPr/>
-        <p:nvPr isPhoto="0" userDrawn="0"/>
-      </p:nvGrpSpPr>
-      <p:grpSpPr bwMode="auto">
-        <a:xfrm>
-          <a:off x="0" y="0"/>
-          <a:ext cx="0" cy="0"/>
-          <a:chOff x="0" y="0"/>
-          <a:chExt cx="0" cy="0"/>
-        </a:xfrm>
-      </p:grpSpPr>
-      <p:sp>
-        <p:nvSpPr>
-          <p:cNvPr id="4" name="Google Shape;477;p77" hidden="0"/>
-          <p:cNvSpPr/>
-          <p:nvPr isPhoto="0" userDrawn="0"/>
-        </p:nvSpPr>
-        <p:spPr bwMode="auto">
-          <a:xfrm>
-            <a:off x="457200" y="781200"/>
-            <a:ext cx="8228520" cy="618120"/>
-          </a:xfrm>
-          <a:prstGeom prst="rect">
-            <a:avLst/>
-          </a:prstGeom>
-          <a:noFill/>
-          <a:ln>
-            <a:noFill/>
-          </a:ln>
-        </p:spPr>
-        <p:txBody>
-          <a:bodyPr spcFirstLastPara="1" wrap="square" lIns="90000" tIns="45000" rIns="90000" bIns="45000" anchor="t" anchorCtr="0">
-            <a:noAutofit/>
-          </a:bodyPr>
-          <a:lstStyle/>
-          <a:p>
-            <a:pPr marL="0" marR="0" lvl="0" indent="0" algn="l">
-              <a:lnSpc>
-                <a:spcPct val="100000"/>
-              </a:lnSpc>
-              <a:spcBef>
-                <a:spcPts val="0"/>
-              </a:spcBef>
-              <a:spcAft>
-                <a:spcPts val="0"/>
-              </a:spcAft>
-              <a:buNone/>
-              <a:defRPr/>
-            </a:pPr>
-            <a:r>
-              <a:rPr lang="pt-BR" sz="3200" b="0" strike="noStrike">
-                <a:solidFill>
-                  <a:srgbClr val="C00026"/>
-                </a:solidFill>
-                <a:latin typeface="Verdana"/>
-                <a:ea typeface="Verdana"/>
-                <a:cs typeface="Verdana"/>
-              </a:rPr>
-              <a:t>Programação concorrente</a:t>
-            </a:r>
-            <a:endParaRPr sz="3200" b="0" strike="noStrike">
-              <a:solidFill>
-                <a:schemeClr val="dk1"/>
-              </a:solidFill>
-              <a:latin typeface="Arial"/>
-              <a:ea typeface="Arial"/>
-              <a:cs typeface="Arial"/>
-            </a:endParaRPr>
-          </a:p>
-        </p:txBody>
-      </p:sp>
-      <p:sp>
-        <p:nvSpPr>
-          <p:cNvPr id="5" name="Google Shape;478;p77" hidden="0"/>
-          <p:cNvSpPr/>
-          <p:nvPr isPhoto="0" userDrawn="0"/>
-        </p:nvSpPr>
-        <p:spPr bwMode="auto">
-          <a:xfrm>
-            <a:off x="162000" y="85680"/>
-            <a:ext cx="7228440" cy="351360"/>
-          </a:xfrm>
-          <a:prstGeom prst="rect">
-            <a:avLst/>
-          </a:prstGeom>
-          <a:noFill/>
-          <a:ln>
-            <a:noFill/>
-          </a:ln>
-        </p:spPr>
-        <p:txBody>
-          <a:bodyPr spcFirstLastPara="1" wrap="square" lIns="91423" tIns="91423" rIns="91423" bIns="91423" anchor="ctr" anchorCtr="0">
-            <a:noAutofit/>
-          </a:bodyPr>
-          <a:lstStyle/>
-          <a:p>
-            <a:pPr marL="0" lvl="0" indent="0" algn="l">
-              <a:spcBef>
-                <a:spcPts val="0"/>
-              </a:spcBef>
-              <a:spcAft>
-                <a:spcPts val="0"/>
-              </a:spcAft>
-              <a:buNone/>
-              <a:defRPr/>
-            </a:pPr>
-            <a:endParaRPr/>
-          </a:p>
-        </p:txBody>
-      </p:sp>
-      <p:sp>
-        <p:nvSpPr>
-          <p:cNvPr id="6" name="Google Shape;479;p77" hidden="0"/>
-          <p:cNvSpPr/>
-          <p:nvPr isPhoto="0" userDrawn="0"/>
-        </p:nvSpPr>
-        <p:spPr bwMode="auto">
-          <a:xfrm>
-            <a:off x="84240" y="6402240"/>
-            <a:ext cx="640440" cy="363960"/>
-          </a:xfrm>
-          <a:prstGeom prst="rect">
-            <a:avLst/>
-          </a:prstGeom>
-          <a:noFill/>
-          <a:ln>
-            <a:noFill/>
-          </a:ln>
-        </p:spPr>
-        <p:txBody>
-          <a:bodyPr spcFirstLastPara="1" wrap="square" lIns="90000" tIns="45000" rIns="90000" bIns="45000" anchor="ctr" anchorCtr="0">
-            <a:noAutofit/>
-          </a:bodyPr>
-          <a:lstStyle/>
-          <a:p>
-            <a:pPr marL="0" marR="0" lvl="0" indent="0" algn="r">
-              <a:lnSpc>
-                <a:spcPct val="100000"/>
-              </a:lnSpc>
-              <a:spcBef>
-                <a:spcPts val="0"/>
-              </a:spcBef>
-              <a:spcAft>
-                <a:spcPts val="0"/>
-              </a:spcAft>
-              <a:buNone/>
-              <a:defRPr/>
-            </a:pPr>
-            <a:fld id="{561B65A2-7A49-2A0C-568B-71BB4E8DD111}" type="slidenum">
-              <a:rPr lang="pt-BR" sz="1000" b="0" strike="noStrike">
-                <a:solidFill>
-                  <a:srgbClr val="B2B2B2"/>
-                </a:solidFill>
-                <a:latin typeface="Verdana"/>
-                <a:ea typeface="Verdana"/>
-                <a:cs typeface="Verdana"/>
-              </a:rPr>
-              <a:t/>
-            </a:fld>
-            <a:endParaRPr sz="1000" b="0" strike="noStrike">
-              <a:solidFill>
-                <a:schemeClr val="dk1"/>
-              </a:solidFill>
-              <a:latin typeface="Arial"/>
-              <a:ea typeface="Arial"/>
-              <a:cs typeface="Arial"/>
-            </a:endParaRPr>
-          </a:p>
-        </p:txBody>
-      </p:sp>
-      <p:sp>
-        <p:nvSpPr>
-          <p:cNvPr id="7" name="Google Shape;480;p77" hidden="0"/>
-          <p:cNvSpPr>
-            <a:spLocks noAdjustHandles="0" noChangeArrowheads="0"/>
-          </p:cNvSpPr>
-          <p:nvPr isPhoto="0" userDrawn="0"/>
-        </p:nvSpPr>
-        <p:spPr bwMode="auto">
-          <a:xfrm>
-            <a:off x="598033" y="1559340"/>
-            <a:ext cx="7776000" cy="4830637"/>
-          </a:xfrm>
-          <a:prstGeom prst="rect">
-            <a:avLst/>
-          </a:prstGeom>
-          <a:noFill/>
-          <a:ln>
-            <a:noFill/>
-          </a:ln>
-        </p:spPr>
-        <p:txBody>
-          <a:bodyPr spcFirstLastPara="1" wrap="square" lIns="90000" tIns="45000" rIns="90000" bIns="45000" anchor="t" anchorCtr="0">
-            <a:noAutofit/>
-          </a:bodyPr>
-          <a:lstStyle/>
-          <a:p>
-            <a:pPr marL="216000" marR="0" lvl="0" indent="-216000" algn="l">
-              <a:lnSpc>
-                <a:spcPct val="100000"/>
-              </a:lnSpc>
-              <a:spcBef>
-                <a:spcPts val="0"/>
-              </a:spcBef>
-              <a:spcAft>
-                <a:spcPts val="0"/>
-              </a:spcAft>
-              <a:buClr>
-                <a:srgbClr val="000000"/>
-              </a:buClr>
-              <a:buSzPts val="1080"/>
-              <a:buFont typeface="Noto Sans Symbols"/>
-              <a:buChar char="●"/>
-              <a:defRPr/>
-            </a:pPr>
-            <a:r>
-              <a:rPr lang="pt-BR" sz="2400" b="0" strike="noStrike">
-                <a:solidFill>
-                  <a:schemeClr val="dk1"/>
-                </a:solidFill>
-                <a:latin typeface="Arial"/>
-                <a:ea typeface="Arial"/>
-                <a:cs typeface="Arial"/>
-              </a:rPr>
-              <a:t>Tarefas limitadas por entrada e saída</a:t>
-            </a:r>
-            <a:endParaRPr sz="2400" b="0" strike="noStrike">
-              <a:solidFill>
-                <a:schemeClr val="dk1"/>
-              </a:solidFill>
-              <a:latin typeface="Arial"/>
-              <a:ea typeface="Arial"/>
-              <a:cs typeface="Arial"/>
-            </a:endParaRPr>
-          </a:p>
-          <a:p>
-            <a:pPr marL="0" marR="0" lvl="0" indent="0" algn="l">
-              <a:lnSpc>
-                <a:spcPct val="100000"/>
-              </a:lnSpc>
-              <a:spcBef>
-                <a:spcPts val="2833"/>
-              </a:spcBef>
-              <a:spcAft>
-                <a:spcPts val="0"/>
-              </a:spcAft>
-              <a:buNone/>
-              <a:defRPr/>
-            </a:pPr>
-            <a:endParaRPr sz="2400" b="0" strike="noStrike">
-              <a:solidFill>
-                <a:schemeClr val="dk1"/>
-              </a:solidFill>
-              <a:latin typeface="Arial"/>
-              <a:ea typeface="Arial"/>
-              <a:cs typeface="Arial"/>
-            </a:endParaRPr>
-          </a:p>
-          <a:p>
-            <a:pPr marL="0" marR="0" lvl="0" indent="0" algn="l">
-              <a:lnSpc>
-                <a:spcPct val="100000"/>
-              </a:lnSpc>
-              <a:spcBef>
-                <a:spcPts val="2833"/>
-              </a:spcBef>
-              <a:spcAft>
-                <a:spcPts val="0"/>
-              </a:spcAft>
-              <a:buNone/>
-              <a:defRPr/>
-            </a:pPr>
-            <a:endParaRPr sz="2400" b="0" strike="noStrike">
-              <a:solidFill>
-                <a:schemeClr val="dk1"/>
-              </a:solidFill>
-              <a:latin typeface="Arial"/>
-              <a:ea typeface="Arial"/>
-              <a:cs typeface="Arial"/>
-            </a:endParaRPr>
-          </a:p>
-          <a:p>
-            <a:pPr marL="0" marR="0" lvl="0" indent="0" algn="l">
-              <a:lnSpc>
-                <a:spcPct val="100000"/>
-              </a:lnSpc>
-              <a:spcBef>
-                <a:spcPts val="2833"/>
-              </a:spcBef>
-              <a:spcAft>
-                <a:spcPts val="0"/>
-              </a:spcAft>
-              <a:buNone/>
-              <a:defRPr/>
-            </a:pPr>
-            <a:endParaRPr sz="2400" b="0" strike="noStrike">
-              <a:solidFill>
-                <a:schemeClr val="dk1"/>
-              </a:solidFill>
-              <a:latin typeface="Arial"/>
-              <a:ea typeface="Arial"/>
-              <a:cs typeface="Arial"/>
-            </a:endParaRPr>
-          </a:p>
-          <a:p>
-            <a:pPr marL="0" marR="0" lvl="0" indent="0" algn="l">
-              <a:lnSpc>
-                <a:spcPct val="100000"/>
-              </a:lnSpc>
-              <a:spcBef>
-                <a:spcPts val="2833"/>
-              </a:spcBef>
-              <a:spcAft>
-                <a:spcPts val="0"/>
-              </a:spcAft>
-              <a:buNone/>
-              <a:defRPr/>
-            </a:pPr>
-            <a:endParaRPr sz="2400" b="0" strike="noStrike">
-              <a:solidFill>
-                <a:schemeClr val="dk1"/>
-              </a:solidFill>
-              <a:latin typeface="Arial"/>
-              <a:ea typeface="Arial"/>
-              <a:cs typeface="Arial"/>
-            </a:endParaRPr>
-          </a:p>
-          <a:p>
-            <a:pPr marL="216000" marR="0" lvl="0" indent="-216000" algn="l">
-              <a:lnSpc>
-                <a:spcPct val="100000"/>
-              </a:lnSpc>
-              <a:spcBef>
-                <a:spcPts val="2833"/>
-              </a:spcBef>
-              <a:spcAft>
-                <a:spcPts val="0"/>
-              </a:spcAft>
-              <a:buClr>
-                <a:srgbClr val="000000"/>
-              </a:buClr>
-              <a:buSzPts val="1080"/>
-              <a:buFont typeface="Noto Sans Symbols"/>
-              <a:buChar char="●"/>
-              <a:defRPr/>
-            </a:pPr>
-            <a:r>
-              <a:rPr lang="pt-BR" sz="2400" b="0" strike="noStrike">
-                <a:solidFill>
-                  <a:schemeClr val="dk1"/>
-                </a:solidFill>
-                <a:latin typeface="Arial"/>
-                <a:ea typeface="Arial"/>
-                <a:cs typeface="Arial"/>
-              </a:rPr>
-              <a:t>Estratégia de divisão do problema em </a:t>
-            </a:r>
-            <a:r>
-              <a:rPr lang="pt-BR" sz="2400" b="0" u="sng" strike="noStrike">
-                <a:solidFill>
-                  <a:schemeClr val="dk1"/>
-                </a:solidFill>
-                <a:latin typeface="Arial"/>
-                <a:ea typeface="Arial"/>
-                <a:cs typeface="Arial"/>
-              </a:rPr>
-              <a:t>tarefas</a:t>
-            </a:r>
-            <a:endParaRPr sz="2400" b="0" strike="noStrike">
-              <a:solidFill>
-                <a:schemeClr val="dk1"/>
-              </a:solidFill>
-              <a:latin typeface="Arial"/>
-              <a:ea typeface="Arial"/>
-              <a:cs typeface="Arial"/>
-            </a:endParaRPr>
-          </a:p>
-          <a:p>
-            <a:pPr marL="216000" marR="0" lvl="0" indent="-216000" algn="l">
-              <a:lnSpc>
-                <a:spcPct val="100000"/>
-              </a:lnSpc>
-              <a:spcBef>
-                <a:spcPts val="2833"/>
-              </a:spcBef>
-              <a:spcAft>
-                <a:spcPts val="0"/>
-              </a:spcAft>
-              <a:buClr>
-                <a:srgbClr val="000000"/>
-              </a:buClr>
-              <a:buSzPts val="1080"/>
-              <a:buFont typeface="Noto Sans Symbols"/>
-              <a:buChar char="●"/>
-              <a:defRPr/>
-            </a:pPr>
-            <a:r>
-              <a:rPr lang="pt-BR" sz="2400" b="0" strike="noStrike">
-                <a:solidFill>
-                  <a:schemeClr val="dk1"/>
-                </a:solidFill>
-                <a:latin typeface="Arial"/>
-                <a:ea typeface="Arial"/>
-                <a:cs typeface="Arial"/>
-              </a:rPr>
-              <a:t>Primitivas para </a:t>
-            </a:r>
-            <a:r>
-              <a:rPr lang="pt-BR" sz="2400" b="0" u="sng" strike="noStrike">
-                <a:solidFill>
-                  <a:schemeClr val="dk1"/>
-                </a:solidFill>
-                <a:latin typeface="Arial"/>
-                <a:ea typeface="Arial"/>
-                <a:cs typeface="Arial"/>
-              </a:rPr>
-              <a:t>sincronizar</a:t>
-            </a:r>
-            <a:r>
-              <a:rPr lang="pt-BR" sz="2400" b="0" strike="noStrike">
-                <a:solidFill>
-                  <a:schemeClr val="dk1"/>
-                </a:solidFill>
-                <a:latin typeface="Arial"/>
-                <a:ea typeface="Arial"/>
-                <a:cs typeface="Arial"/>
-              </a:rPr>
-              <a:t> a execução</a:t>
-            </a:r>
-            <a:endParaRPr sz="2400" b="0" strike="noStrike">
-              <a:solidFill>
-                <a:schemeClr val="dk1"/>
-              </a:solidFill>
-              <a:latin typeface="Arial"/>
-              <a:ea typeface="Arial"/>
-              <a:cs typeface="Arial"/>
-            </a:endParaRPr>
-          </a:p>
-        </p:txBody>
-      </p:sp>
-      <p:pic>
-        <p:nvPicPr>
-          <p:cNvPr id="8" name="Google Shape;481;p77" hidden="0"/>
-          <p:cNvPicPr/>
-          <p:nvPr isPhoto="0" userDrawn="0"/>
-        </p:nvPicPr>
-        <p:blipFill>
-          <a:blip r:embed="rId2">
-            <a:alphaModFix/>
-          </a:blip>
-          <a:srcRect l="0" t="0" r="0" b="0"/>
-          <a:stretch/>
-        </p:blipFill>
-        <p:spPr bwMode="auto">
-          <a:xfrm>
-            <a:off x="1320176" y="2361370"/>
-            <a:ext cx="5285520" cy="2243880"/>
-          </a:xfrm>
-          <a:prstGeom prst="rect">
-            <a:avLst/>
-          </a:prstGeom>
-          <a:noFill/>
-          <a:ln>
-            <a:noFill/>
-          </a:ln>
-        </p:spPr>
-      </p:pic>
-    </p:spTree>
-  </p:cSld>
-  <p:clrMapOvr>
-    <a:masterClrMapping/>
-  </p:clrMapOvr>
-  <mc:AlternateContent xmlns:mc="http://schemas.openxmlformats.org/markup-compatibility/2006">
-    <mc:Choice xmlns:p14="http://schemas.microsoft.com/office/powerpoint/2010/main" Requires="p14">
-      <p:transition p14:dur="2000" advClick="1"/>
-    </mc:Choice>
-    <mc:Fallback>
-      <p:transition advClick="1"/>
-    </mc:Fallback>
-  </mc:AlternateContent>
-</p:sld>
-</file>
-
-<file path=ppt/slides/slide27.xml><?xml version="1.0" encoding="utf-8"?>
-<p:sld xmlns:a="http://schemas.openxmlformats.org/drawingml/2006/main" xmlns:r="http://schemas.openxmlformats.org/officeDocument/2006/relationships" xmlns:p="http://schemas.openxmlformats.org/presentationml/2006/main" xmlns:m="http://schemas.openxmlformats.org/officeDocument/2006/math" xmlns:w="http://schemas.openxmlformats.org/wordprocessingml/2006/main" showMasterPhAnim="0" show="1">
-  <p:cSld name="">
-    <p:spTree>
-      <p:nvGrpSpPr>
-        <p:cNvPr id="1" name="" hidden="0"/>
-        <p:cNvGrpSpPr/>
-        <p:nvPr isPhoto="0" userDrawn="0"/>
-      </p:nvGrpSpPr>
-      <p:grpSpPr bwMode="auto">
-        <a:xfrm>
-          <a:off x="0" y="0"/>
-          <a:ext cx="0" cy="0"/>
-          <a:chOff x="0" y="0"/>
-          <a:chExt cx="0" cy="0"/>
-        </a:xfrm>
-      </p:grpSpPr>
-      <p:sp>
-        <p:nvSpPr>
-          <p:cNvPr id="4" name="Google Shape;486;p78" hidden="0"/>
-          <p:cNvSpPr/>
-          <p:nvPr isPhoto="0" userDrawn="0"/>
-        </p:nvSpPr>
-        <p:spPr bwMode="auto">
-          <a:xfrm>
-            <a:off x="457200" y="781200"/>
-            <a:ext cx="8228520" cy="618120"/>
-          </a:xfrm>
-          <a:prstGeom prst="rect">
-            <a:avLst/>
-          </a:prstGeom>
-          <a:noFill/>
-          <a:ln>
-            <a:noFill/>
-          </a:ln>
-        </p:spPr>
-        <p:txBody>
-          <a:bodyPr spcFirstLastPara="1" wrap="square" lIns="90000" tIns="45000" rIns="90000" bIns="45000" anchor="t" anchorCtr="0">
-            <a:noAutofit/>
-          </a:bodyPr>
-          <a:lstStyle/>
-          <a:p>
-            <a:pPr marL="0" marR="0" lvl="0" indent="0" algn="l">
-              <a:lnSpc>
-                <a:spcPct val="100000"/>
-              </a:lnSpc>
-              <a:spcBef>
-                <a:spcPts val="0"/>
-              </a:spcBef>
-              <a:spcAft>
-                <a:spcPts val="0"/>
-              </a:spcAft>
-              <a:buNone/>
-              <a:defRPr/>
-            </a:pPr>
-            <a:r>
-              <a:rPr lang="pt-BR" sz="3200" b="0" strike="noStrike">
-                <a:solidFill>
-                  <a:srgbClr val="C00026"/>
-                </a:solidFill>
-                <a:latin typeface="Verdana"/>
-                <a:ea typeface="Verdana"/>
-                <a:cs typeface="Verdana"/>
-              </a:rPr>
-              <a:t>Programação Multi core</a:t>
-            </a:r>
-            <a:endParaRPr sz="3200" b="0" strike="noStrike">
-              <a:solidFill>
-                <a:schemeClr val="dk1"/>
-              </a:solidFill>
-              <a:latin typeface="Arial"/>
-              <a:ea typeface="Arial"/>
-              <a:cs typeface="Arial"/>
-            </a:endParaRPr>
-          </a:p>
-        </p:txBody>
-      </p:sp>
-      <p:sp>
-        <p:nvSpPr>
-          <p:cNvPr id="5" name="Google Shape;487;p78" hidden="0"/>
-          <p:cNvSpPr/>
-          <p:nvPr isPhoto="0" userDrawn="0"/>
-        </p:nvSpPr>
-        <p:spPr bwMode="auto">
-          <a:xfrm>
-            <a:off x="162000" y="85680"/>
-            <a:ext cx="7228440" cy="351360"/>
-          </a:xfrm>
-          <a:prstGeom prst="rect">
-            <a:avLst/>
-          </a:prstGeom>
-          <a:noFill/>
-          <a:ln>
-            <a:noFill/>
-          </a:ln>
-        </p:spPr>
-        <p:txBody>
-          <a:bodyPr spcFirstLastPara="1" wrap="square" lIns="91423" tIns="91423" rIns="91423" bIns="91423" anchor="ctr" anchorCtr="0">
-            <a:noAutofit/>
-          </a:bodyPr>
-          <a:lstStyle/>
-          <a:p>
-            <a:pPr marL="0" lvl="0" indent="0" algn="l">
-              <a:spcBef>
-                <a:spcPts val="0"/>
-              </a:spcBef>
-              <a:spcAft>
-                <a:spcPts val="0"/>
-              </a:spcAft>
-              <a:buNone/>
-              <a:defRPr/>
-            </a:pPr>
-            <a:endParaRPr/>
-          </a:p>
-        </p:txBody>
-      </p:sp>
-      <p:sp>
-        <p:nvSpPr>
-          <p:cNvPr id="6" name="Google Shape;488;p78" hidden="0"/>
-          <p:cNvSpPr/>
-          <p:nvPr isPhoto="0" userDrawn="0"/>
-        </p:nvSpPr>
-        <p:spPr bwMode="auto">
-          <a:xfrm>
-            <a:off x="84240" y="6402240"/>
-            <a:ext cx="640440" cy="363960"/>
-          </a:xfrm>
-          <a:prstGeom prst="rect">
-            <a:avLst/>
-          </a:prstGeom>
-          <a:noFill/>
-          <a:ln>
-            <a:noFill/>
-          </a:ln>
-        </p:spPr>
-        <p:txBody>
-          <a:bodyPr spcFirstLastPara="1" wrap="square" lIns="90000" tIns="45000" rIns="90000" bIns="45000" anchor="ctr" anchorCtr="0">
-            <a:noAutofit/>
-          </a:bodyPr>
-          <a:lstStyle/>
-          <a:p>
-            <a:pPr marL="0" marR="0" lvl="0" indent="0" algn="r">
-              <a:lnSpc>
-                <a:spcPct val="100000"/>
-              </a:lnSpc>
-              <a:spcBef>
-                <a:spcPts val="0"/>
-              </a:spcBef>
-              <a:spcAft>
-                <a:spcPts val="0"/>
-              </a:spcAft>
-              <a:buNone/>
-              <a:defRPr/>
-            </a:pPr>
-            <a:fld id="{739BB54E-356F-07F4-651A-3EEC4A5B46FC}" type="slidenum">
-              <a:rPr lang="pt-BR" sz="1000" b="0" strike="noStrike">
-                <a:solidFill>
-                  <a:srgbClr val="B2B2B2"/>
-                </a:solidFill>
-                <a:latin typeface="Verdana"/>
-                <a:ea typeface="Verdana"/>
-                <a:cs typeface="Verdana"/>
-              </a:rPr>
-              <a:t/>
-            </a:fld>
-            <a:endParaRPr sz="1000" b="0" strike="noStrike">
-              <a:solidFill>
-                <a:schemeClr val="dk1"/>
-              </a:solidFill>
-              <a:latin typeface="Arial"/>
-              <a:ea typeface="Arial"/>
-              <a:cs typeface="Arial"/>
-            </a:endParaRPr>
-          </a:p>
-        </p:txBody>
-      </p:sp>
-      <p:sp>
-        <p:nvSpPr>
-          <p:cNvPr id="7" name="Google Shape;489;p78" hidden="0"/>
-          <p:cNvSpPr>
-            <a:spLocks noAdjustHandles="0" noChangeArrowheads="0"/>
-          </p:cNvSpPr>
-          <p:nvPr isPhoto="0" userDrawn="0"/>
-        </p:nvSpPr>
-        <p:spPr bwMode="auto">
-          <a:xfrm>
-            <a:off x="557640" y="1485460"/>
-            <a:ext cx="7776000" cy="4830637"/>
-          </a:xfrm>
-          <a:prstGeom prst="rect">
-            <a:avLst/>
-          </a:prstGeom>
-          <a:noFill/>
-          <a:ln>
-            <a:noFill/>
-          </a:ln>
-        </p:spPr>
-        <p:txBody>
-          <a:bodyPr spcFirstLastPara="1" wrap="square" lIns="90000" tIns="45000" rIns="90000" bIns="45000" anchor="t" anchorCtr="0">
-            <a:noAutofit/>
-          </a:bodyPr>
-          <a:lstStyle/>
-          <a:p>
-            <a:pPr marL="216000" marR="0" lvl="0" indent="-216000" algn="l">
-              <a:lnSpc>
-                <a:spcPct val="100000"/>
-              </a:lnSpc>
-              <a:spcBef>
-                <a:spcPts val="0"/>
-              </a:spcBef>
-              <a:spcAft>
-                <a:spcPts val="0"/>
-              </a:spcAft>
-              <a:buClr>
-                <a:srgbClr val="000000"/>
-              </a:buClr>
-              <a:buSzPts val="1080"/>
-              <a:buFont typeface="Noto Sans Symbols"/>
-              <a:buChar char="●"/>
-              <a:defRPr/>
-            </a:pPr>
-            <a:r>
-              <a:rPr lang="pt-BR" sz="2400" b="0" strike="noStrike">
-                <a:solidFill>
-                  <a:schemeClr val="dk1"/>
-                </a:solidFill>
-                <a:latin typeface="Arial"/>
-                <a:ea typeface="Arial"/>
-                <a:cs typeface="Arial"/>
-              </a:rPr>
-              <a:t>Tarefas limitadas por CPU</a:t>
-            </a:r>
-            <a:endParaRPr sz="2400" b="0" strike="noStrike">
-              <a:solidFill>
-                <a:schemeClr val="dk1"/>
-              </a:solidFill>
-              <a:latin typeface="Arial"/>
-              <a:ea typeface="Arial"/>
-              <a:cs typeface="Arial"/>
-            </a:endParaRPr>
-          </a:p>
-          <a:p>
-            <a:pPr marL="0" marR="0" lvl="0" indent="0" algn="l">
-              <a:lnSpc>
-                <a:spcPct val="100000"/>
-              </a:lnSpc>
-              <a:spcBef>
-                <a:spcPts val="2833"/>
-              </a:spcBef>
-              <a:spcAft>
-                <a:spcPts val="0"/>
-              </a:spcAft>
-              <a:buNone/>
-              <a:defRPr/>
-            </a:pPr>
-            <a:endParaRPr sz="2400" b="0" strike="noStrike">
-              <a:solidFill>
-                <a:schemeClr val="dk1"/>
-              </a:solidFill>
-              <a:latin typeface="Arial"/>
-              <a:ea typeface="Arial"/>
-              <a:cs typeface="Arial"/>
-            </a:endParaRPr>
-          </a:p>
-          <a:p>
-            <a:pPr marL="0" marR="0" lvl="0" indent="0" algn="l">
-              <a:lnSpc>
-                <a:spcPct val="100000"/>
-              </a:lnSpc>
-              <a:spcBef>
-                <a:spcPts val="2833"/>
-              </a:spcBef>
-              <a:spcAft>
-                <a:spcPts val="0"/>
-              </a:spcAft>
-              <a:buNone/>
-              <a:defRPr/>
-            </a:pPr>
-            <a:endParaRPr sz="2400" b="0" strike="noStrike">
-              <a:solidFill>
-                <a:schemeClr val="dk1"/>
-              </a:solidFill>
-              <a:latin typeface="Arial"/>
-              <a:ea typeface="Arial"/>
-              <a:cs typeface="Arial"/>
-            </a:endParaRPr>
-          </a:p>
-          <a:p>
-            <a:pPr marL="0" marR="0" lvl="0" indent="0" algn="l">
-              <a:lnSpc>
-                <a:spcPct val="100000"/>
-              </a:lnSpc>
-              <a:spcBef>
-                <a:spcPts val="2833"/>
-              </a:spcBef>
-              <a:spcAft>
-                <a:spcPts val="0"/>
-              </a:spcAft>
-              <a:buNone/>
-              <a:defRPr/>
-            </a:pPr>
-            <a:endParaRPr sz="2400" b="0" strike="noStrike">
-              <a:solidFill>
-                <a:schemeClr val="dk1"/>
-              </a:solidFill>
-              <a:latin typeface="Arial"/>
-              <a:ea typeface="Arial"/>
-              <a:cs typeface="Arial"/>
-            </a:endParaRPr>
-          </a:p>
-          <a:p>
-            <a:pPr marL="0" marR="0" lvl="0" indent="0" algn="l">
-              <a:lnSpc>
-                <a:spcPct val="100000"/>
-              </a:lnSpc>
-              <a:spcBef>
-                <a:spcPts val="2833"/>
-              </a:spcBef>
-              <a:spcAft>
-                <a:spcPts val="0"/>
-              </a:spcAft>
-              <a:buNone/>
-              <a:defRPr/>
-            </a:pPr>
-            <a:endParaRPr sz="2400" b="0" strike="noStrike">
-              <a:solidFill>
-                <a:schemeClr val="dk1"/>
-              </a:solidFill>
-              <a:latin typeface="Arial"/>
-              <a:ea typeface="Arial"/>
-              <a:cs typeface="Arial"/>
-            </a:endParaRPr>
-          </a:p>
-          <a:p>
-            <a:pPr marL="216000" marR="0" lvl="0" indent="-216000" algn="l">
-              <a:lnSpc>
-                <a:spcPct val="100000"/>
-              </a:lnSpc>
-              <a:spcBef>
-                <a:spcPts val="2833"/>
-              </a:spcBef>
-              <a:spcAft>
-                <a:spcPts val="0"/>
-              </a:spcAft>
-              <a:buClr>
-                <a:srgbClr val="000000"/>
-              </a:buClr>
-              <a:buSzPts val="1080"/>
-              <a:buFont typeface="Noto Sans Symbols"/>
-              <a:buChar char="●"/>
-              <a:defRPr/>
-            </a:pPr>
-            <a:r>
-              <a:rPr lang="pt-BR" sz="2400" b="0" strike="noStrike">
-                <a:solidFill>
-                  <a:schemeClr val="dk1"/>
-                </a:solidFill>
-                <a:latin typeface="Arial"/>
-                <a:ea typeface="Arial"/>
-                <a:cs typeface="Arial"/>
-              </a:rPr>
-              <a:t>Divisão em </a:t>
-            </a:r>
-            <a:r>
-              <a:rPr lang="pt-BR" sz="2400" b="0" u="sng" strike="noStrike">
-                <a:solidFill>
-                  <a:schemeClr val="dk1"/>
-                </a:solidFill>
-                <a:latin typeface="Arial"/>
-                <a:ea typeface="Arial"/>
-                <a:cs typeface="Arial"/>
-              </a:rPr>
-              <a:t>partes independentes</a:t>
-            </a:r>
-            <a:endParaRPr sz="2400" b="0" strike="noStrike">
-              <a:solidFill>
-                <a:schemeClr val="dk1"/>
-              </a:solidFill>
-              <a:latin typeface="Arial"/>
-              <a:ea typeface="Arial"/>
-              <a:cs typeface="Arial"/>
-            </a:endParaRPr>
-          </a:p>
-          <a:p>
-            <a:pPr marL="216000" marR="0" lvl="0" indent="-216000" algn="l">
-              <a:lnSpc>
-                <a:spcPct val="100000"/>
-              </a:lnSpc>
-              <a:spcBef>
-                <a:spcPts val="2833"/>
-              </a:spcBef>
-              <a:spcAft>
-                <a:spcPts val="0"/>
-              </a:spcAft>
-              <a:buClr>
-                <a:srgbClr val="000000"/>
-              </a:buClr>
-              <a:buSzPts val="1080"/>
-              <a:buFont typeface="Noto Sans Symbols"/>
-              <a:buChar char="●"/>
-              <a:defRPr/>
-            </a:pPr>
-            <a:r>
-              <a:rPr lang="pt-BR" sz="2400" b="0" strike="noStrike">
-                <a:solidFill>
-                  <a:schemeClr val="dk1"/>
-                </a:solidFill>
-                <a:latin typeface="Arial"/>
-                <a:ea typeface="Arial"/>
-                <a:cs typeface="Arial"/>
-              </a:rPr>
-              <a:t>Modelo </a:t>
-            </a:r>
-            <a:r>
-              <a:rPr lang="pt-BR" sz="2400" b="0" u="sng" strike="noStrike">
-                <a:solidFill>
-                  <a:schemeClr val="dk1"/>
-                </a:solidFill>
-                <a:latin typeface="Arial"/>
-                <a:ea typeface="Arial"/>
-                <a:cs typeface="Arial"/>
-              </a:rPr>
-              <a:t>fork-join</a:t>
-            </a:r>
-            <a:endParaRPr sz="2400" b="0" strike="noStrike">
-              <a:solidFill>
-                <a:schemeClr val="dk1"/>
-              </a:solidFill>
-              <a:latin typeface="Arial"/>
-              <a:ea typeface="Arial"/>
-              <a:cs typeface="Arial"/>
-            </a:endParaRPr>
-          </a:p>
-        </p:txBody>
-      </p:sp>
-      <p:pic>
-        <p:nvPicPr>
-          <p:cNvPr id="8" name="Google Shape;490;p78" hidden="0"/>
-          <p:cNvPicPr/>
-          <p:nvPr isPhoto="0" userDrawn="0"/>
-        </p:nvPicPr>
-        <p:blipFill>
-          <a:blip r:embed="rId2">
-            <a:alphaModFix/>
-          </a:blip>
-          <a:srcRect l="0" t="0" r="0" b="0"/>
-          <a:stretch/>
-        </p:blipFill>
-        <p:spPr bwMode="auto">
-          <a:xfrm>
-            <a:off x="755640" y="2887200"/>
-            <a:ext cx="7380000" cy="1753200"/>
-          </a:xfrm>
-          <a:prstGeom prst="rect">
-            <a:avLst/>
-          </a:prstGeom>
-          <a:noFill/>
-          <a:ln>
-            <a:noFill/>
-          </a:ln>
-        </p:spPr>
-      </p:pic>
-    </p:spTree>
-  </p:cSld>
-  <p:clrMapOvr>
-    <a:masterClrMapping/>
-  </p:clrMapOvr>
-  <mc:AlternateContent xmlns:mc="http://schemas.openxmlformats.org/markup-compatibility/2006">
-    <mc:Choice xmlns:p14="http://schemas.microsoft.com/office/powerpoint/2010/main" Requires="p14">
-      <p:transition p14:dur="2000" advClick="1"/>
-    </mc:Choice>
-    <mc:Fallback>
-      <p:transition advClick="1"/>
-    </mc:Fallback>
-  </mc:AlternateContent>
-</p:sld>
-</file>
-
-<file path=ppt/slides/slide28.xml><?xml version="1.0" encoding="utf-8"?>
-<p:sld xmlns:a="http://schemas.openxmlformats.org/drawingml/2006/main" xmlns:r="http://schemas.openxmlformats.org/officeDocument/2006/relationships" xmlns:p="http://schemas.openxmlformats.org/presentationml/2006/main" xmlns:m="http://schemas.openxmlformats.org/officeDocument/2006/math" xmlns:w="http://schemas.openxmlformats.org/wordprocessingml/2006/main" showMasterPhAnim="0" show="1">
-  <p:cSld name="">
-    <p:spTree>
-      <p:nvGrpSpPr>
-        <p:cNvPr id="1" name="" hidden="0"/>
-        <p:cNvGrpSpPr/>
-        <p:nvPr isPhoto="0" userDrawn="0"/>
-      </p:nvGrpSpPr>
-      <p:grpSpPr bwMode="auto">
-        <a:xfrm>
-          <a:off x="0" y="0"/>
-          <a:ext cx="0" cy="0"/>
-          <a:chOff x="0" y="0"/>
-          <a:chExt cx="0" cy="0"/>
-        </a:xfrm>
-      </p:grpSpPr>
-      <p:sp>
-        <p:nvSpPr>
-          <p:cNvPr id="4" name="Google Shape;495;p79" hidden="0"/>
-          <p:cNvSpPr/>
-          <p:nvPr isPhoto="0" userDrawn="0"/>
-        </p:nvSpPr>
-        <p:spPr bwMode="auto">
-          <a:xfrm>
-            <a:off x="457200" y="781200"/>
-            <a:ext cx="8228520" cy="618120"/>
-          </a:xfrm>
-          <a:prstGeom prst="rect">
-            <a:avLst/>
-          </a:prstGeom>
-          <a:noFill/>
-          <a:ln>
-            <a:noFill/>
-          </a:ln>
-        </p:spPr>
-        <p:txBody>
-          <a:bodyPr spcFirstLastPara="1" wrap="square" lIns="90000" tIns="45000" rIns="90000" bIns="45000" anchor="t" anchorCtr="0">
-            <a:noAutofit/>
-          </a:bodyPr>
-          <a:lstStyle/>
-          <a:p>
-            <a:pPr marL="0" marR="0" lvl="0" indent="0" algn="l">
-              <a:lnSpc>
-                <a:spcPct val="100000"/>
-              </a:lnSpc>
-              <a:spcBef>
-                <a:spcPts val="0"/>
-              </a:spcBef>
-              <a:spcAft>
-                <a:spcPts val="0"/>
-              </a:spcAft>
-              <a:buNone/>
-              <a:defRPr/>
-            </a:pPr>
-            <a:r>
-              <a:rPr lang="pt-BR" sz="3200" b="0" strike="noStrike">
-                <a:solidFill>
-                  <a:srgbClr val="C00026"/>
-                </a:solidFill>
-                <a:latin typeface="Verdana"/>
-                <a:ea typeface="Verdana"/>
-                <a:cs typeface="Verdana"/>
-              </a:rPr>
-              <a:t>Sistemas distribuídos</a:t>
-            </a:r>
-            <a:endParaRPr sz="3200" b="0" strike="noStrike">
-              <a:solidFill>
-                <a:schemeClr val="dk1"/>
-              </a:solidFill>
-              <a:latin typeface="Arial"/>
-              <a:ea typeface="Arial"/>
-              <a:cs typeface="Arial"/>
-            </a:endParaRPr>
-          </a:p>
-        </p:txBody>
-      </p:sp>
-      <p:sp>
-        <p:nvSpPr>
-          <p:cNvPr id="5" name="Google Shape;496;p79" hidden="0"/>
-          <p:cNvSpPr/>
-          <p:nvPr isPhoto="0" userDrawn="0"/>
-        </p:nvSpPr>
-        <p:spPr bwMode="auto">
-          <a:xfrm>
-            <a:off x="162000" y="85680"/>
-            <a:ext cx="7228440" cy="351360"/>
-          </a:xfrm>
-          <a:prstGeom prst="rect">
-            <a:avLst/>
-          </a:prstGeom>
-          <a:noFill/>
-          <a:ln>
-            <a:noFill/>
-          </a:ln>
-        </p:spPr>
-        <p:txBody>
-          <a:bodyPr spcFirstLastPara="1" wrap="square" lIns="91423" tIns="91423" rIns="91423" bIns="91423" anchor="ctr" anchorCtr="0">
-            <a:noAutofit/>
-          </a:bodyPr>
-          <a:lstStyle/>
-          <a:p>
-            <a:pPr marL="0" lvl="0" indent="0" algn="l">
-              <a:spcBef>
-                <a:spcPts val="0"/>
-              </a:spcBef>
-              <a:spcAft>
-                <a:spcPts val="0"/>
-              </a:spcAft>
-              <a:buNone/>
-              <a:defRPr/>
-            </a:pPr>
-            <a:endParaRPr/>
-          </a:p>
-        </p:txBody>
-      </p:sp>
-      <p:sp>
-        <p:nvSpPr>
-          <p:cNvPr id="6" name="Google Shape;497;p79" hidden="0"/>
-          <p:cNvSpPr/>
-          <p:nvPr isPhoto="0" userDrawn="0"/>
-        </p:nvSpPr>
-        <p:spPr bwMode="auto">
-          <a:xfrm>
-            <a:off x="84240" y="6402240"/>
-            <a:ext cx="640440" cy="363960"/>
-          </a:xfrm>
-          <a:prstGeom prst="rect">
-            <a:avLst/>
-          </a:prstGeom>
-          <a:noFill/>
-          <a:ln>
-            <a:noFill/>
-          </a:ln>
-        </p:spPr>
-        <p:txBody>
-          <a:bodyPr spcFirstLastPara="1" wrap="square" lIns="90000" tIns="45000" rIns="90000" bIns="45000" anchor="ctr" anchorCtr="0">
-            <a:noAutofit/>
-          </a:bodyPr>
-          <a:lstStyle/>
-          <a:p>
-            <a:pPr marL="0" marR="0" lvl="0" indent="0" algn="r">
-              <a:lnSpc>
-                <a:spcPct val="100000"/>
-              </a:lnSpc>
-              <a:spcBef>
-                <a:spcPts val="0"/>
-              </a:spcBef>
-              <a:spcAft>
-                <a:spcPts val="0"/>
-              </a:spcAft>
-              <a:buNone/>
-              <a:defRPr/>
-            </a:pPr>
-            <a:fld id="{02CABAE3-0B3E-5266-BD38-5770429E7C22}" type="slidenum">
-              <a:rPr lang="pt-BR" sz="1000" b="0" strike="noStrike">
-                <a:solidFill>
-                  <a:srgbClr val="B2B2B2"/>
-                </a:solidFill>
-                <a:latin typeface="Verdana"/>
-                <a:ea typeface="Verdana"/>
-                <a:cs typeface="Verdana"/>
-              </a:rPr>
-              <a:t/>
-            </a:fld>
-            <a:endParaRPr sz="1000" b="0" strike="noStrike">
-              <a:solidFill>
-                <a:schemeClr val="dk1"/>
-              </a:solidFill>
-              <a:latin typeface="Arial"/>
-              <a:ea typeface="Arial"/>
-              <a:cs typeface="Arial"/>
-            </a:endParaRPr>
-          </a:p>
-        </p:txBody>
-      </p:sp>
-      <p:pic>
-        <p:nvPicPr>
-          <p:cNvPr id="7" name="Google Shape;498;p79" hidden="0"/>
-          <p:cNvPicPr/>
-          <p:nvPr isPhoto="0" userDrawn="0"/>
-        </p:nvPicPr>
-        <p:blipFill>
-          <a:blip r:embed="rId2">
-            <a:alphaModFix/>
-          </a:blip>
-          <a:srcRect l="0" t="0" r="0" b="0"/>
-          <a:stretch/>
-        </p:blipFill>
-        <p:spPr bwMode="auto">
-          <a:xfrm>
-            <a:off x="864000" y="1812600"/>
-            <a:ext cx="7560000" cy="3263400"/>
-          </a:xfrm>
-          <a:prstGeom prst="rect">
-            <a:avLst/>
-          </a:prstGeom>
-          <a:noFill/>
-          <a:ln>
-            <a:noFill/>
-          </a:ln>
-        </p:spPr>
-      </p:pic>
-      <p:sp>
-        <p:nvSpPr>
-          <p:cNvPr id="8" name="Google Shape;499;p79" hidden="0"/>
-          <p:cNvSpPr>
-            <a:spLocks noAdjustHandles="0" noChangeArrowheads="0"/>
-          </p:cNvSpPr>
-          <p:nvPr isPhoto="0" userDrawn="0"/>
-        </p:nvSpPr>
-        <p:spPr bwMode="auto">
-          <a:xfrm>
-            <a:off x="216000" y="5184000"/>
-            <a:ext cx="8790840" cy="1171080"/>
-          </a:xfrm>
-          <a:prstGeom prst="rect">
-            <a:avLst/>
-          </a:prstGeom>
-          <a:noFill/>
-          <a:ln>
-            <a:noFill/>
-          </a:ln>
-        </p:spPr>
-        <p:txBody>
-          <a:bodyPr spcFirstLastPara="1" wrap="square" lIns="90000" tIns="45000" rIns="90000" bIns="45000" anchor="t" anchorCtr="0">
-            <a:noAutofit/>
-          </a:bodyPr>
-          <a:lstStyle/>
-          <a:p>
-            <a:pPr marL="216000" marR="0" lvl="0" indent="-216000" algn="l">
-              <a:lnSpc>
-                <a:spcPct val="100000"/>
-              </a:lnSpc>
-              <a:spcBef>
-                <a:spcPts val="0"/>
-              </a:spcBef>
-              <a:spcAft>
-                <a:spcPts val="0"/>
-              </a:spcAft>
-              <a:buClr>
-                <a:srgbClr val="000000"/>
-              </a:buClr>
-              <a:buSzPts val="1260"/>
-              <a:buFont typeface="Noto Sans Symbols"/>
-              <a:buChar char="●"/>
-              <a:defRPr/>
-            </a:pPr>
-            <a:r>
-              <a:rPr lang="pt-BR" sz="2800" b="0" strike="noStrike">
-                <a:solidFill>
-                  <a:schemeClr val="dk1"/>
-                </a:solidFill>
-                <a:latin typeface="Arial"/>
-                <a:ea typeface="Arial"/>
-                <a:cs typeface="Arial"/>
-              </a:rPr>
-              <a:t>Divisão de tarefas em clusters</a:t>
-            </a:r>
-            <a:endParaRPr sz="2800" b="0" strike="noStrike">
-              <a:solidFill>
-                <a:schemeClr val="dk1"/>
-              </a:solidFill>
-              <a:latin typeface="Arial"/>
-              <a:ea typeface="Arial"/>
-              <a:cs typeface="Arial"/>
-            </a:endParaRPr>
-          </a:p>
-          <a:p>
-            <a:pPr marL="216000" marR="0" lvl="0" indent="-216000" algn="l">
-              <a:lnSpc>
-                <a:spcPct val="100000"/>
-              </a:lnSpc>
-              <a:spcBef>
-                <a:spcPts val="2267"/>
-              </a:spcBef>
-              <a:spcAft>
-                <a:spcPts val="0"/>
-              </a:spcAft>
-              <a:buClr>
-                <a:srgbClr val="000000"/>
-              </a:buClr>
-              <a:buSzPts val="1260"/>
-              <a:buFont typeface="Noto Sans Symbols"/>
-              <a:buChar char="●"/>
-              <a:defRPr/>
-            </a:pPr>
-            <a:r>
-              <a:rPr lang="pt-BR" sz="2800" b="0" strike="noStrike">
-                <a:solidFill>
-                  <a:schemeClr val="dk1"/>
-                </a:solidFill>
-                <a:latin typeface="Arial"/>
-                <a:ea typeface="Arial"/>
-                <a:cs typeface="Arial"/>
-              </a:rPr>
-              <a:t>Passagem de mensagens entre processos/máquinas</a:t>
-            </a:r>
-            <a:endParaRPr sz="2800" b="0" strike="noStrike">
-              <a:solidFill>
-                <a:schemeClr val="dk1"/>
-              </a:solidFill>
-              <a:latin typeface="Arial"/>
-              <a:ea typeface="Arial"/>
-              <a:cs typeface="Arial"/>
-            </a:endParaRPr>
-          </a:p>
-        </p:txBody>
-      </p:sp>
-    </p:spTree>
-  </p:cSld>
-  <p:clrMapOvr>
-    <a:masterClrMapping/>
-  </p:clrMapOvr>
-  <mc:AlternateContent xmlns:mc="http://schemas.openxmlformats.org/markup-compatibility/2006">
-    <mc:Choice xmlns:p14="http://schemas.microsoft.com/office/powerpoint/2010/main" Requires="p14">
-      <p:transition p14:dur="2000" advClick="1"/>
-    </mc:Choice>
-    <mc:Fallback>
-      <p:transition advClick="1"/>
-    </mc:Fallback>
-  </mc:AlternateContent>
-</p:sld>
-</file>
-
-<file path=ppt/slides/slide29.xml><?xml version="1.0" encoding="utf-8"?>
-<p:sld xmlns:a="http://schemas.openxmlformats.org/drawingml/2006/main" xmlns:r="http://schemas.openxmlformats.org/officeDocument/2006/relationships" xmlns:p="http://schemas.openxmlformats.org/presentationml/2006/main" xmlns:m="http://schemas.openxmlformats.org/officeDocument/2006/math" xmlns:w="http://schemas.openxmlformats.org/wordprocessingml/2006/main" showMasterPhAnim="0" show="1">
-  <p:cSld name="">
-    <p:spTree>
-      <p:nvGrpSpPr>
-        <p:cNvPr id="1" name="" hidden="0"/>
-        <p:cNvGrpSpPr/>
-        <p:nvPr isPhoto="0" userDrawn="0"/>
-      </p:nvGrpSpPr>
-      <p:grpSpPr bwMode="auto">
-        <a:xfrm>
-          <a:off x="0" y="0"/>
-          <a:ext cx="0" cy="0"/>
-          <a:chOff x="0" y="0"/>
-          <a:chExt cx="0" cy="0"/>
-        </a:xfrm>
-      </p:grpSpPr>
-      <p:sp>
-        <p:nvSpPr>
-          <p:cNvPr id="4" name="Google Shape;504;p80" hidden="0"/>
-          <p:cNvSpPr/>
-          <p:nvPr isPhoto="0" userDrawn="0"/>
-        </p:nvSpPr>
-        <p:spPr bwMode="auto">
-          <a:xfrm>
-            <a:off x="457200" y="781200"/>
-            <a:ext cx="8228520" cy="618120"/>
-          </a:xfrm>
-          <a:prstGeom prst="rect">
-            <a:avLst/>
-          </a:prstGeom>
-          <a:noFill/>
-          <a:ln>
-            <a:noFill/>
-          </a:ln>
-        </p:spPr>
-        <p:txBody>
-          <a:bodyPr spcFirstLastPara="1" wrap="square" lIns="90000" tIns="45000" rIns="90000" bIns="45000" anchor="t" anchorCtr="0">
-            <a:noAutofit/>
-          </a:bodyPr>
-          <a:lstStyle/>
-          <a:p>
-            <a:pPr marL="0" marR="0" lvl="0" indent="0" algn="l">
-              <a:lnSpc>
-                <a:spcPct val="100000"/>
-              </a:lnSpc>
-              <a:spcBef>
-                <a:spcPts val="0"/>
-              </a:spcBef>
-              <a:spcAft>
-                <a:spcPts val="0"/>
-              </a:spcAft>
-              <a:buNone/>
-              <a:defRPr/>
-            </a:pPr>
-            <a:r>
-              <a:rPr lang="pt-BR" sz="3200" b="0" strike="noStrike">
-                <a:solidFill>
-                  <a:srgbClr val="C00026"/>
-                </a:solidFill>
-                <a:latin typeface="Verdana"/>
-                <a:ea typeface="Verdana"/>
-                <a:cs typeface="Verdana"/>
-              </a:rPr>
-              <a:t>GPGPU</a:t>
-            </a:r>
-            <a:endParaRPr sz="3200" b="0" strike="noStrike">
-              <a:solidFill>
-                <a:schemeClr val="dk1"/>
-              </a:solidFill>
-              <a:latin typeface="Arial"/>
-              <a:ea typeface="Arial"/>
-              <a:cs typeface="Arial"/>
-            </a:endParaRPr>
-          </a:p>
-        </p:txBody>
-      </p:sp>
-      <p:sp>
-        <p:nvSpPr>
-          <p:cNvPr id="5" name="Google Shape;505;p80" hidden="0"/>
-          <p:cNvSpPr/>
-          <p:nvPr isPhoto="0" userDrawn="0"/>
-        </p:nvSpPr>
-        <p:spPr bwMode="auto">
-          <a:xfrm>
-            <a:off x="162000" y="85680"/>
-            <a:ext cx="7228440" cy="351360"/>
-          </a:xfrm>
-          <a:prstGeom prst="rect">
-            <a:avLst/>
-          </a:prstGeom>
-          <a:noFill/>
-          <a:ln>
-            <a:noFill/>
-          </a:ln>
-        </p:spPr>
-        <p:txBody>
-          <a:bodyPr spcFirstLastPara="1" wrap="square" lIns="91423" tIns="91423" rIns="91423" bIns="91423" anchor="ctr" anchorCtr="0">
-            <a:noAutofit/>
-          </a:bodyPr>
-          <a:lstStyle/>
-          <a:p>
-            <a:pPr marL="0" lvl="0" indent="0" algn="l">
-              <a:spcBef>
-                <a:spcPts val="0"/>
-              </a:spcBef>
-              <a:spcAft>
-                <a:spcPts val="0"/>
-              </a:spcAft>
-              <a:buNone/>
-              <a:defRPr/>
-            </a:pPr>
-            <a:endParaRPr/>
-          </a:p>
-        </p:txBody>
-      </p:sp>
-      <p:sp>
-        <p:nvSpPr>
-          <p:cNvPr id="6" name="Google Shape;506;p80" hidden="0"/>
-          <p:cNvSpPr/>
-          <p:nvPr isPhoto="0" userDrawn="0"/>
-        </p:nvSpPr>
-        <p:spPr bwMode="auto">
-          <a:xfrm>
-            <a:off x="84240" y="6402240"/>
-            <a:ext cx="640440" cy="363960"/>
-          </a:xfrm>
-          <a:prstGeom prst="rect">
-            <a:avLst/>
-          </a:prstGeom>
-          <a:noFill/>
-          <a:ln>
-            <a:noFill/>
-          </a:ln>
-        </p:spPr>
-        <p:txBody>
-          <a:bodyPr spcFirstLastPara="1" wrap="square" lIns="90000" tIns="45000" rIns="90000" bIns="45000" anchor="ctr" anchorCtr="0">
-            <a:noAutofit/>
-          </a:bodyPr>
-          <a:lstStyle/>
-          <a:p>
-            <a:pPr marL="0" marR="0" lvl="0" indent="0" algn="r">
-              <a:lnSpc>
-                <a:spcPct val="100000"/>
-              </a:lnSpc>
-              <a:spcBef>
-                <a:spcPts val="0"/>
-              </a:spcBef>
-              <a:spcAft>
-                <a:spcPts val="0"/>
-              </a:spcAft>
-              <a:buNone/>
-              <a:defRPr/>
-            </a:pPr>
-            <a:fld id="{92F64097-C66C-40A5-E25F-93A861C19565}" type="slidenum">
-              <a:rPr lang="pt-BR" sz="1000" b="0" strike="noStrike">
-                <a:solidFill>
-                  <a:srgbClr val="B2B2B2"/>
-                </a:solidFill>
-                <a:latin typeface="Verdana"/>
-                <a:ea typeface="Verdana"/>
-                <a:cs typeface="Verdana"/>
-              </a:rPr>
-              <a:t/>
-            </a:fld>
-            <a:endParaRPr sz="1000" b="0" strike="noStrike">
-              <a:solidFill>
-                <a:schemeClr val="dk1"/>
-              </a:solidFill>
-              <a:latin typeface="Arial"/>
-              <a:ea typeface="Arial"/>
-              <a:cs typeface="Arial"/>
-            </a:endParaRPr>
-          </a:p>
-        </p:txBody>
-      </p:sp>
-      <p:pic>
-        <p:nvPicPr>
-          <p:cNvPr id="7" name="Google Shape;507;p80" hidden="0"/>
-          <p:cNvPicPr/>
-          <p:nvPr isPhoto="0" userDrawn="0"/>
-        </p:nvPicPr>
-        <p:blipFill>
-          <a:blip r:embed="rId2">
-            <a:alphaModFix/>
-          </a:blip>
-          <a:srcRect l="0" t="0" r="0" b="0"/>
-          <a:stretch/>
-        </p:blipFill>
-        <p:spPr bwMode="auto">
-          <a:xfrm>
-            <a:off x="1224000" y="1562758"/>
-            <a:ext cx="6552000" cy="3693240"/>
-          </a:xfrm>
-          <a:prstGeom prst="rect">
-            <a:avLst/>
-          </a:prstGeom>
-          <a:noFill/>
-          <a:ln>
-            <a:noFill/>
-          </a:ln>
-        </p:spPr>
-      </p:pic>
-      <p:sp>
-        <p:nvSpPr>
-          <p:cNvPr id="8" name="Google Shape;508;p80" hidden="0"/>
-          <p:cNvSpPr>
-            <a:spLocks noAdjustHandles="0" noChangeArrowheads="0"/>
-          </p:cNvSpPr>
-          <p:nvPr isPhoto="0" userDrawn="0"/>
-        </p:nvSpPr>
-        <p:spPr bwMode="auto">
-          <a:xfrm>
-            <a:off x="576000" y="5434199"/>
-            <a:ext cx="6515640" cy="1060374"/>
-          </a:xfrm>
-          <a:prstGeom prst="rect">
-            <a:avLst/>
-          </a:prstGeom>
-          <a:noFill/>
-          <a:ln>
-            <a:noFill/>
-          </a:ln>
-        </p:spPr>
-        <p:txBody>
-          <a:bodyPr spcFirstLastPara="1" wrap="square" lIns="90000" tIns="45000" rIns="90000" bIns="45000" anchor="t" anchorCtr="0">
-            <a:noAutofit/>
-          </a:bodyPr>
-          <a:lstStyle/>
-          <a:p>
-            <a:pPr marL="216000" marR="0" lvl="0" indent="-216000" algn="l">
-              <a:lnSpc>
-                <a:spcPct val="100000"/>
-              </a:lnSpc>
-              <a:spcBef>
-                <a:spcPts val="0"/>
-              </a:spcBef>
-              <a:spcAft>
-                <a:spcPts val="0"/>
-              </a:spcAft>
-              <a:buClr>
-                <a:srgbClr val="000000"/>
-              </a:buClr>
-              <a:buSzPts val="1080"/>
-              <a:buFont typeface="Noto Sans Symbols"/>
-              <a:buChar char="●"/>
-              <a:defRPr/>
-            </a:pPr>
-            <a:r>
-              <a:rPr lang="pt-BR" sz="2400" b="0" strike="noStrike">
-                <a:solidFill>
-                  <a:schemeClr val="dk1"/>
-                </a:solidFill>
-                <a:latin typeface="Arial"/>
-                <a:ea typeface="Arial"/>
-                <a:cs typeface="Arial"/>
-              </a:rPr>
-              <a:t>Versão turbinada do modelo multi-core</a:t>
-            </a:r>
-            <a:endParaRPr sz="2400" b="0" strike="noStrike">
-              <a:solidFill>
-                <a:schemeClr val="dk1"/>
-              </a:solidFill>
-              <a:latin typeface="Arial"/>
-              <a:ea typeface="Arial"/>
-              <a:cs typeface="Arial"/>
-            </a:endParaRPr>
-          </a:p>
-          <a:p>
-            <a:pPr marL="216000" marR="0" lvl="0" indent="-216000" algn="l">
-              <a:lnSpc>
-                <a:spcPct val="100000"/>
-              </a:lnSpc>
-              <a:spcBef>
-                <a:spcPts val="1699"/>
-              </a:spcBef>
-              <a:spcAft>
-                <a:spcPts val="0"/>
-              </a:spcAft>
-              <a:buClr>
-                <a:srgbClr val="000000"/>
-              </a:buClr>
-              <a:buSzPts val="1080"/>
-              <a:buFont typeface="Noto Sans Symbols"/>
-              <a:buChar char="●"/>
-              <a:defRPr/>
-            </a:pPr>
-            <a:r>
-              <a:rPr lang="pt-BR" sz="2400" b="0" strike="noStrike">
-                <a:solidFill>
-                  <a:schemeClr val="dk1"/>
-                </a:solidFill>
-                <a:latin typeface="Arial"/>
-                <a:ea typeface="Arial"/>
-                <a:cs typeface="Arial"/>
-              </a:rPr>
-              <a:t>Arquitetura completamente diferente </a:t>
-            </a:r>
-            <a:endParaRPr sz="2400" b="0" strike="noStrike">
               <a:solidFill>
                 <a:schemeClr val="dk1"/>
               </a:solidFill>
@@ -23955,6 +24083,1623 @@
 </file>
 
 <file path=ppt/slides/slide30.xml><?xml version="1.0" encoding="utf-8"?>
+<p:sld xmlns:a="http://schemas.openxmlformats.org/drawingml/2006/main" xmlns:r="http://schemas.openxmlformats.org/officeDocument/2006/relationships" xmlns:p="http://schemas.openxmlformats.org/presentationml/2006/main" xmlns:m="http://schemas.openxmlformats.org/officeDocument/2006/math" xmlns:w="http://schemas.openxmlformats.org/wordprocessingml/2006/main" showMasterPhAnim="0" show="1">
+  <p:cSld name="">
+    <p:spTree>
+      <p:nvGrpSpPr>
+        <p:cNvPr id="1" name="" hidden="0"/>
+        <p:cNvGrpSpPr/>
+        <p:nvPr isPhoto="0" userDrawn="0"/>
+      </p:nvGrpSpPr>
+      <p:grpSpPr bwMode="auto">
+        <a:xfrm>
+          <a:off x="0" y="0"/>
+          <a:ext cx="0" cy="0"/>
+          <a:chOff x="0" y="0"/>
+          <a:chExt cx="0" cy="0"/>
+        </a:xfrm>
+      </p:grpSpPr>
+      <p:sp>
+        <p:nvSpPr>
+          <p:cNvPr id="4" name="Google Shape;477;p77" hidden="0"/>
+          <p:cNvSpPr/>
+          <p:nvPr isPhoto="0" userDrawn="0"/>
+        </p:nvSpPr>
+        <p:spPr bwMode="auto">
+          <a:xfrm>
+            <a:off x="457200" y="781200"/>
+            <a:ext cx="8228520" cy="618120"/>
+          </a:xfrm>
+          <a:prstGeom prst="rect">
+            <a:avLst/>
+          </a:prstGeom>
+          <a:noFill/>
+          <a:ln>
+            <a:noFill/>
+          </a:ln>
+        </p:spPr>
+        <p:txBody>
+          <a:bodyPr spcFirstLastPara="1" wrap="square" lIns="90000" tIns="45000" rIns="90000" bIns="45000" anchor="t" anchorCtr="0">
+            <a:noAutofit/>
+          </a:bodyPr>
+          <a:lstStyle/>
+          <a:p>
+            <a:pPr marL="0" marR="0" lvl="0" indent="0" algn="l">
+              <a:lnSpc>
+                <a:spcPct val="100000"/>
+              </a:lnSpc>
+              <a:spcBef>
+                <a:spcPts val="0"/>
+              </a:spcBef>
+              <a:spcAft>
+                <a:spcPts val="0"/>
+              </a:spcAft>
+              <a:buNone/>
+              <a:defRPr/>
+            </a:pPr>
+            <a:r>
+              <a:rPr lang="pt-BR" sz="3200" b="0" strike="noStrike">
+                <a:solidFill>
+                  <a:srgbClr val="C00026"/>
+                </a:solidFill>
+                <a:latin typeface="Verdana"/>
+                <a:ea typeface="Verdana"/>
+                <a:cs typeface="Verdana"/>
+              </a:rPr>
+              <a:t>Programação concorrente</a:t>
+            </a:r>
+            <a:endParaRPr sz="3200" b="0" strike="noStrike">
+              <a:solidFill>
+                <a:schemeClr val="dk1"/>
+              </a:solidFill>
+              <a:latin typeface="Arial"/>
+              <a:ea typeface="Arial"/>
+              <a:cs typeface="Arial"/>
+            </a:endParaRPr>
+          </a:p>
+        </p:txBody>
+      </p:sp>
+      <p:sp>
+        <p:nvSpPr>
+          <p:cNvPr id="5" name="Google Shape;478;p77" hidden="0"/>
+          <p:cNvSpPr/>
+          <p:nvPr isPhoto="0" userDrawn="0"/>
+        </p:nvSpPr>
+        <p:spPr bwMode="auto">
+          <a:xfrm>
+            <a:off x="162000" y="85680"/>
+            <a:ext cx="7228440" cy="351360"/>
+          </a:xfrm>
+          <a:prstGeom prst="rect">
+            <a:avLst/>
+          </a:prstGeom>
+          <a:noFill/>
+          <a:ln>
+            <a:noFill/>
+          </a:ln>
+        </p:spPr>
+        <p:txBody>
+          <a:bodyPr spcFirstLastPara="1" wrap="square" lIns="91423" tIns="91423" rIns="91423" bIns="91423" anchor="ctr" anchorCtr="0">
+            <a:noAutofit/>
+          </a:bodyPr>
+          <a:lstStyle/>
+          <a:p>
+            <a:pPr marL="0" lvl="0" indent="0" algn="l">
+              <a:spcBef>
+                <a:spcPts val="0"/>
+              </a:spcBef>
+              <a:spcAft>
+                <a:spcPts val="0"/>
+              </a:spcAft>
+              <a:buNone/>
+              <a:defRPr/>
+            </a:pPr>
+            <a:endParaRPr/>
+          </a:p>
+        </p:txBody>
+      </p:sp>
+      <p:sp>
+        <p:nvSpPr>
+          <p:cNvPr id="6" name="Google Shape;479;p77" hidden="0"/>
+          <p:cNvSpPr/>
+          <p:nvPr isPhoto="0" userDrawn="0"/>
+        </p:nvSpPr>
+        <p:spPr bwMode="auto">
+          <a:xfrm>
+            <a:off x="84240" y="6402240"/>
+            <a:ext cx="640440" cy="363960"/>
+          </a:xfrm>
+          <a:prstGeom prst="rect">
+            <a:avLst/>
+          </a:prstGeom>
+          <a:noFill/>
+          <a:ln>
+            <a:noFill/>
+          </a:ln>
+        </p:spPr>
+        <p:txBody>
+          <a:bodyPr spcFirstLastPara="1" wrap="square" lIns="90000" tIns="45000" rIns="90000" bIns="45000" anchor="ctr" anchorCtr="0">
+            <a:noAutofit/>
+          </a:bodyPr>
+          <a:lstStyle/>
+          <a:p>
+            <a:pPr marL="0" marR="0" lvl="0" indent="0" algn="r">
+              <a:lnSpc>
+                <a:spcPct val="100000"/>
+              </a:lnSpc>
+              <a:spcBef>
+                <a:spcPts val="0"/>
+              </a:spcBef>
+              <a:spcAft>
+                <a:spcPts val="0"/>
+              </a:spcAft>
+              <a:buNone/>
+              <a:defRPr/>
+            </a:pPr>
+            <a:fld id="{561B65A2-7A49-2A0C-568B-71BB4E8DD111}" type="slidenum">
+              <a:rPr lang="pt-BR" sz="1000" b="0" strike="noStrike">
+                <a:solidFill>
+                  <a:srgbClr val="B2B2B2"/>
+                </a:solidFill>
+                <a:latin typeface="Verdana"/>
+                <a:ea typeface="Verdana"/>
+                <a:cs typeface="Verdana"/>
+              </a:rPr>
+              <a:t/>
+            </a:fld>
+            <a:endParaRPr sz="1000" b="0" strike="noStrike">
+              <a:solidFill>
+                <a:schemeClr val="dk1"/>
+              </a:solidFill>
+              <a:latin typeface="Arial"/>
+              <a:ea typeface="Arial"/>
+              <a:cs typeface="Arial"/>
+            </a:endParaRPr>
+          </a:p>
+        </p:txBody>
+      </p:sp>
+      <p:sp>
+        <p:nvSpPr>
+          <p:cNvPr id="7" name="Google Shape;480;p77" hidden="0"/>
+          <p:cNvSpPr>
+            <a:spLocks noAdjustHandles="0" noChangeArrowheads="0"/>
+          </p:cNvSpPr>
+          <p:nvPr isPhoto="0" userDrawn="0"/>
+        </p:nvSpPr>
+        <p:spPr bwMode="auto">
+          <a:xfrm>
+            <a:off x="598033" y="1559340"/>
+            <a:ext cx="7776000" cy="4830637"/>
+          </a:xfrm>
+          <a:prstGeom prst="rect">
+            <a:avLst/>
+          </a:prstGeom>
+          <a:noFill/>
+          <a:ln>
+            <a:noFill/>
+          </a:ln>
+        </p:spPr>
+        <p:txBody>
+          <a:bodyPr spcFirstLastPara="1" wrap="square" lIns="90000" tIns="45000" rIns="90000" bIns="45000" anchor="t" anchorCtr="0">
+            <a:noAutofit/>
+          </a:bodyPr>
+          <a:lstStyle/>
+          <a:p>
+            <a:pPr marL="216000" marR="0" lvl="0" indent="-216000" algn="l">
+              <a:lnSpc>
+                <a:spcPct val="100000"/>
+              </a:lnSpc>
+              <a:spcBef>
+                <a:spcPts val="0"/>
+              </a:spcBef>
+              <a:spcAft>
+                <a:spcPts val="0"/>
+              </a:spcAft>
+              <a:buClr>
+                <a:srgbClr val="000000"/>
+              </a:buClr>
+              <a:buSzPts val="1080"/>
+              <a:buFont typeface="Noto Sans Symbols"/>
+              <a:buChar char="●"/>
+              <a:defRPr/>
+            </a:pPr>
+            <a:r>
+              <a:rPr lang="pt-BR" sz="2400" b="0" strike="noStrike">
+                <a:solidFill>
+                  <a:schemeClr val="dk1"/>
+                </a:solidFill>
+                <a:latin typeface="Arial"/>
+                <a:ea typeface="Arial"/>
+                <a:cs typeface="Arial"/>
+              </a:rPr>
+              <a:t>Tarefas limitadas por entrada e saída</a:t>
+            </a:r>
+            <a:endParaRPr sz="2400" b="0" strike="noStrike">
+              <a:solidFill>
+                <a:schemeClr val="dk1"/>
+              </a:solidFill>
+              <a:latin typeface="Arial"/>
+              <a:ea typeface="Arial"/>
+              <a:cs typeface="Arial"/>
+            </a:endParaRPr>
+          </a:p>
+          <a:p>
+            <a:pPr marL="0" marR="0" lvl="0" indent="0" algn="l">
+              <a:lnSpc>
+                <a:spcPct val="100000"/>
+              </a:lnSpc>
+              <a:spcBef>
+                <a:spcPts val="2833"/>
+              </a:spcBef>
+              <a:spcAft>
+                <a:spcPts val="0"/>
+              </a:spcAft>
+              <a:buNone/>
+              <a:defRPr/>
+            </a:pPr>
+            <a:endParaRPr sz="2400" b="0" strike="noStrike">
+              <a:solidFill>
+                <a:schemeClr val="dk1"/>
+              </a:solidFill>
+              <a:latin typeface="Arial"/>
+              <a:ea typeface="Arial"/>
+              <a:cs typeface="Arial"/>
+            </a:endParaRPr>
+          </a:p>
+          <a:p>
+            <a:pPr marL="0" marR="0" lvl="0" indent="0" algn="l">
+              <a:lnSpc>
+                <a:spcPct val="100000"/>
+              </a:lnSpc>
+              <a:spcBef>
+                <a:spcPts val="2833"/>
+              </a:spcBef>
+              <a:spcAft>
+                <a:spcPts val="0"/>
+              </a:spcAft>
+              <a:buNone/>
+              <a:defRPr/>
+            </a:pPr>
+            <a:endParaRPr sz="2400" b="0" strike="noStrike">
+              <a:solidFill>
+                <a:schemeClr val="dk1"/>
+              </a:solidFill>
+              <a:latin typeface="Arial"/>
+              <a:ea typeface="Arial"/>
+              <a:cs typeface="Arial"/>
+            </a:endParaRPr>
+          </a:p>
+          <a:p>
+            <a:pPr marL="0" marR="0" lvl="0" indent="0" algn="l">
+              <a:lnSpc>
+                <a:spcPct val="100000"/>
+              </a:lnSpc>
+              <a:spcBef>
+                <a:spcPts val="2833"/>
+              </a:spcBef>
+              <a:spcAft>
+                <a:spcPts val="0"/>
+              </a:spcAft>
+              <a:buNone/>
+              <a:defRPr/>
+            </a:pPr>
+            <a:endParaRPr sz="2400" b="0" strike="noStrike">
+              <a:solidFill>
+                <a:schemeClr val="dk1"/>
+              </a:solidFill>
+              <a:latin typeface="Arial"/>
+              <a:ea typeface="Arial"/>
+              <a:cs typeface="Arial"/>
+            </a:endParaRPr>
+          </a:p>
+          <a:p>
+            <a:pPr marL="0" marR="0" lvl="0" indent="0" algn="l">
+              <a:lnSpc>
+                <a:spcPct val="100000"/>
+              </a:lnSpc>
+              <a:spcBef>
+                <a:spcPts val="2833"/>
+              </a:spcBef>
+              <a:spcAft>
+                <a:spcPts val="0"/>
+              </a:spcAft>
+              <a:buNone/>
+              <a:defRPr/>
+            </a:pPr>
+            <a:endParaRPr sz="2400" b="0" strike="noStrike">
+              <a:solidFill>
+                <a:schemeClr val="dk1"/>
+              </a:solidFill>
+              <a:latin typeface="Arial"/>
+              <a:ea typeface="Arial"/>
+              <a:cs typeface="Arial"/>
+            </a:endParaRPr>
+          </a:p>
+          <a:p>
+            <a:pPr marL="216000" marR="0" lvl="0" indent="-216000" algn="l">
+              <a:lnSpc>
+                <a:spcPct val="100000"/>
+              </a:lnSpc>
+              <a:spcBef>
+                <a:spcPts val="2833"/>
+              </a:spcBef>
+              <a:spcAft>
+                <a:spcPts val="0"/>
+              </a:spcAft>
+              <a:buClr>
+                <a:srgbClr val="000000"/>
+              </a:buClr>
+              <a:buSzPts val="1080"/>
+              <a:buFont typeface="Noto Sans Symbols"/>
+              <a:buChar char="●"/>
+              <a:defRPr/>
+            </a:pPr>
+            <a:r>
+              <a:rPr lang="pt-BR" sz="2400" b="0" strike="noStrike">
+                <a:solidFill>
+                  <a:schemeClr val="dk1"/>
+                </a:solidFill>
+                <a:latin typeface="Arial"/>
+                <a:ea typeface="Arial"/>
+                <a:cs typeface="Arial"/>
+              </a:rPr>
+              <a:t>Estratégia de divisão do problema em </a:t>
+            </a:r>
+            <a:r>
+              <a:rPr lang="pt-BR" sz="2400" b="0" u="sng" strike="noStrike">
+                <a:solidFill>
+                  <a:schemeClr val="dk1"/>
+                </a:solidFill>
+                <a:latin typeface="Arial"/>
+                <a:ea typeface="Arial"/>
+                <a:cs typeface="Arial"/>
+              </a:rPr>
+              <a:t>tarefas</a:t>
+            </a:r>
+            <a:endParaRPr sz="2400" b="0" strike="noStrike">
+              <a:solidFill>
+                <a:schemeClr val="dk1"/>
+              </a:solidFill>
+              <a:latin typeface="Arial"/>
+              <a:ea typeface="Arial"/>
+              <a:cs typeface="Arial"/>
+            </a:endParaRPr>
+          </a:p>
+          <a:p>
+            <a:pPr marL="216000" marR="0" lvl="0" indent="-216000" algn="l">
+              <a:lnSpc>
+                <a:spcPct val="100000"/>
+              </a:lnSpc>
+              <a:spcBef>
+                <a:spcPts val="2833"/>
+              </a:spcBef>
+              <a:spcAft>
+                <a:spcPts val="0"/>
+              </a:spcAft>
+              <a:buClr>
+                <a:srgbClr val="000000"/>
+              </a:buClr>
+              <a:buSzPts val="1080"/>
+              <a:buFont typeface="Noto Sans Symbols"/>
+              <a:buChar char="●"/>
+              <a:defRPr/>
+            </a:pPr>
+            <a:r>
+              <a:rPr lang="pt-BR" sz="2400" b="0" strike="noStrike">
+                <a:solidFill>
+                  <a:schemeClr val="dk1"/>
+                </a:solidFill>
+                <a:latin typeface="Arial"/>
+                <a:ea typeface="Arial"/>
+                <a:cs typeface="Arial"/>
+              </a:rPr>
+              <a:t>Primitivas para </a:t>
+            </a:r>
+            <a:r>
+              <a:rPr lang="pt-BR" sz="2400" b="0" u="sng" strike="noStrike">
+                <a:solidFill>
+                  <a:schemeClr val="dk1"/>
+                </a:solidFill>
+                <a:latin typeface="Arial"/>
+                <a:ea typeface="Arial"/>
+                <a:cs typeface="Arial"/>
+              </a:rPr>
+              <a:t>sincronizar</a:t>
+            </a:r>
+            <a:r>
+              <a:rPr lang="pt-BR" sz="2400" b="0" strike="noStrike">
+                <a:solidFill>
+                  <a:schemeClr val="dk1"/>
+                </a:solidFill>
+                <a:latin typeface="Arial"/>
+                <a:ea typeface="Arial"/>
+                <a:cs typeface="Arial"/>
+              </a:rPr>
+              <a:t> a execução</a:t>
+            </a:r>
+            <a:endParaRPr sz="2400" b="0" strike="noStrike">
+              <a:solidFill>
+                <a:schemeClr val="dk1"/>
+              </a:solidFill>
+              <a:latin typeface="Arial"/>
+              <a:ea typeface="Arial"/>
+              <a:cs typeface="Arial"/>
+            </a:endParaRPr>
+          </a:p>
+        </p:txBody>
+      </p:sp>
+      <p:pic>
+        <p:nvPicPr>
+          <p:cNvPr id="8" name="Google Shape;481;p77" hidden="0"/>
+          <p:cNvPicPr/>
+          <p:nvPr isPhoto="0" userDrawn="0"/>
+        </p:nvPicPr>
+        <p:blipFill>
+          <a:blip r:embed="rId2">
+            <a:alphaModFix/>
+          </a:blip>
+          <a:srcRect l="0" t="0" r="0" b="0"/>
+          <a:stretch/>
+        </p:blipFill>
+        <p:spPr bwMode="auto">
+          <a:xfrm>
+            <a:off x="1320176" y="2361370"/>
+            <a:ext cx="5285520" cy="2243880"/>
+          </a:xfrm>
+          <a:prstGeom prst="rect">
+            <a:avLst/>
+          </a:prstGeom>
+          <a:noFill/>
+          <a:ln>
+            <a:noFill/>
+          </a:ln>
+        </p:spPr>
+      </p:pic>
+    </p:spTree>
+  </p:cSld>
+  <p:clrMapOvr>
+    <a:masterClrMapping/>
+  </p:clrMapOvr>
+  <mc:AlternateContent xmlns:mc="http://schemas.openxmlformats.org/markup-compatibility/2006">
+    <mc:Choice xmlns:p14="http://schemas.microsoft.com/office/powerpoint/2010/main" Requires="p14">
+      <p:transition p14:dur="2000" advClick="1"/>
+    </mc:Choice>
+    <mc:Fallback>
+      <p:transition advClick="1"/>
+    </mc:Fallback>
+  </mc:AlternateContent>
+</p:sld>
+</file>
+
+<file path=ppt/slides/slide31.xml><?xml version="1.0" encoding="utf-8"?>
+<p:sld xmlns:a="http://schemas.openxmlformats.org/drawingml/2006/main" xmlns:r="http://schemas.openxmlformats.org/officeDocument/2006/relationships" xmlns:p="http://schemas.openxmlformats.org/presentationml/2006/main" xmlns:m="http://schemas.openxmlformats.org/officeDocument/2006/math" xmlns:w="http://schemas.openxmlformats.org/wordprocessingml/2006/main" showMasterPhAnim="0" show="1">
+  <p:cSld name="">
+    <p:spTree>
+      <p:nvGrpSpPr>
+        <p:cNvPr id="1" name="" hidden="0"/>
+        <p:cNvGrpSpPr/>
+        <p:nvPr isPhoto="0" userDrawn="0"/>
+      </p:nvGrpSpPr>
+      <p:grpSpPr bwMode="auto">
+        <a:xfrm>
+          <a:off x="0" y="0"/>
+          <a:ext cx="0" cy="0"/>
+          <a:chOff x="0" y="0"/>
+          <a:chExt cx="0" cy="0"/>
+        </a:xfrm>
+      </p:grpSpPr>
+      <p:sp>
+        <p:nvSpPr>
+          <p:cNvPr id="4" name="Google Shape;486;p78" hidden="0"/>
+          <p:cNvSpPr/>
+          <p:nvPr isPhoto="0" userDrawn="0"/>
+        </p:nvSpPr>
+        <p:spPr bwMode="auto">
+          <a:xfrm>
+            <a:off x="457200" y="781200"/>
+            <a:ext cx="8228520" cy="618120"/>
+          </a:xfrm>
+          <a:prstGeom prst="rect">
+            <a:avLst/>
+          </a:prstGeom>
+          <a:noFill/>
+          <a:ln>
+            <a:noFill/>
+          </a:ln>
+        </p:spPr>
+        <p:txBody>
+          <a:bodyPr spcFirstLastPara="1" wrap="square" lIns="90000" tIns="45000" rIns="90000" bIns="45000" anchor="t" anchorCtr="0">
+            <a:noAutofit/>
+          </a:bodyPr>
+          <a:lstStyle/>
+          <a:p>
+            <a:pPr marL="0" marR="0" lvl="0" indent="0" algn="l">
+              <a:lnSpc>
+                <a:spcPct val="100000"/>
+              </a:lnSpc>
+              <a:spcBef>
+                <a:spcPts val="0"/>
+              </a:spcBef>
+              <a:spcAft>
+                <a:spcPts val="0"/>
+              </a:spcAft>
+              <a:buNone/>
+              <a:defRPr/>
+            </a:pPr>
+            <a:r>
+              <a:rPr lang="pt-BR" sz="3200" b="0" strike="noStrike">
+                <a:solidFill>
+                  <a:srgbClr val="C00026"/>
+                </a:solidFill>
+                <a:latin typeface="Verdana"/>
+                <a:ea typeface="Verdana"/>
+                <a:cs typeface="Verdana"/>
+              </a:rPr>
+              <a:t>Programação Multi core</a:t>
+            </a:r>
+            <a:endParaRPr sz="3200" b="0" strike="noStrike">
+              <a:solidFill>
+                <a:schemeClr val="dk1"/>
+              </a:solidFill>
+              <a:latin typeface="Arial"/>
+              <a:ea typeface="Arial"/>
+              <a:cs typeface="Arial"/>
+            </a:endParaRPr>
+          </a:p>
+        </p:txBody>
+      </p:sp>
+      <p:sp>
+        <p:nvSpPr>
+          <p:cNvPr id="5" name="Google Shape;487;p78" hidden="0"/>
+          <p:cNvSpPr/>
+          <p:nvPr isPhoto="0" userDrawn="0"/>
+        </p:nvSpPr>
+        <p:spPr bwMode="auto">
+          <a:xfrm>
+            <a:off x="162000" y="85680"/>
+            <a:ext cx="7228440" cy="351360"/>
+          </a:xfrm>
+          <a:prstGeom prst="rect">
+            <a:avLst/>
+          </a:prstGeom>
+          <a:noFill/>
+          <a:ln>
+            <a:noFill/>
+          </a:ln>
+        </p:spPr>
+        <p:txBody>
+          <a:bodyPr spcFirstLastPara="1" wrap="square" lIns="91423" tIns="91423" rIns="91423" bIns="91423" anchor="ctr" anchorCtr="0">
+            <a:noAutofit/>
+          </a:bodyPr>
+          <a:lstStyle/>
+          <a:p>
+            <a:pPr marL="0" lvl="0" indent="0" algn="l">
+              <a:spcBef>
+                <a:spcPts val="0"/>
+              </a:spcBef>
+              <a:spcAft>
+                <a:spcPts val="0"/>
+              </a:spcAft>
+              <a:buNone/>
+              <a:defRPr/>
+            </a:pPr>
+            <a:endParaRPr/>
+          </a:p>
+        </p:txBody>
+      </p:sp>
+      <p:sp>
+        <p:nvSpPr>
+          <p:cNvPr id="6" name="Google Shape;488;p78" hidden="0"/>
+          <p:cNvSpPr/>
+          <p:nvPr isPhoto="0" userDrawn="0"/>
+        </p:nvSpPr>
+        <p:spPr bwMode="auto">
+          <a:xfrm>
+            <a:off x="84240" y="6402240"/>
+            <a:ext cx="640440" cy="363960"/>
+          </a:xfrm>
+          <a:prstGeom prst="rect">
+            <a:avLst/>
+          </a:prstGeom>
+          <a:noFill/>
+          <a:ln>
+            <a:noFill/>
+          </a:ln>
+        </p:spPr>
+        <p:txBody>
+          <a:bodyPr spcFirstLastPara="1" wrap="square" lIns="90000" tIns="45000" rIns="90000" bIns="45000" anchor="ctr" anchorCtr="0">
+            <a:noAutofit/>
+          </a:bodyPr>
+          <a:lstStyle/>
+          <a:p>
+            <a:pPr marL="0" marR="0" lvl="0" indent="0" algn="r">
+              <a:lnSpc>
+                <a:spcPct val="100000"/>
+              </a:lnSpc>
+              <a:spcBef>
+                <a:spcPts val="0"/>
+              </a:spcBef>
+              <a:spcAft>
+                <a:spcPts val="0"/>
+              </a:spcAft>
+              <a:buNone/>
+              <a:defRPr/>
+            </a:pPr>
+            <a:fld id="{739BB54E-356F-07F4-651A-3EEC4A5B46FC}" type="slidenum">
+              <a:rPr lang="pt-BR" sz="1000" b="0" strike="noStrike">
+                <a:solidFill>
+                  <a:srgbClr val="B2B2B2"/>
+                </a:solidFill>
+                <a:latin typeface="Verdana"/>
+                <a:ea typeface="Verdana"/>
+                <a:cs typeface="Verdana"/>
+              </a:rPr>
+              <a:t/>
+            </a:fld>
+            <a:endParaRPr sz="1000" b="0" strike="noStrike">
+              <a:solidFill>
+                <a:schemeClr val="dk1"/>
+              </a:solidFill>
+              <a:latin typeface="Arial"/>
+              <a:ea typeface="Arial"/>
+              <a:cs typeface="Arial"/>
+            </a:endParaRPr>
+          </a:p>
+        </p:txBody>
+      </p:sp>
+      <p:sp>
+        <p:nvSpPr>
+          <p:cNvPr id="7" name="Google Shape;489;p78" hidden="0"/>
+          <p:cNvSpPr>
+            <a:spLocks noAdjustHandles="0" noChangeArrowheads="0"/>
+          </p:cNvSpPr>
+          <p:nvPr isPhoto="0" userDrawn="0"/>
+        </p:nvSpPr>
+        <p:spPr bwMode="auto">
+          <a:xfrm>
+            <a:off x="557640" y="1485460"/>
+            <a:ext cx="7776000" cy="4830637"/>
+          </a:xfrm>
+          <a:prstGeom prst="rect">
+            <a:avLst/>
+          </a:prstGeom>
+          <a:noFill/>
+          <a:ln>
+            <a:noFill/>
+          </a:ln>
+        </p:spPr>
+        <p:txBody>
+          <a:bodyPr spcFirstLastPara="1" wrap="square" lIns="90000" tIns="45000" rIns="90000" bIns="45000" anchor="t" anchorCtr="0">
+            <a:noAutofit/>
+          </a:bodyPr>
+          <a:lstStyle/>
+          <a:p>
+            <a:pPr marL="216000" marR="0" lvl="0" indent="-216000" algn="l">
+              <a:lnSpc>
+                <a:spcPct val="100000"/>
+              </a:lnSpc>
+              <a:spcBef>
+                <a:spcPts val="0"/>
+              </a:spcBef>
+              <a:spcAft>
+                <a:spcPts val="0"/>
+              </a:spcAft>
+              <a:buClr>
+                <a:srgbClr val="000000"/>
+              </a:buClr>
+              <a:buSzPts val="1080"/>
+              <a:buFont typeface="Noto Sans Symbols"/>
+              <a:buChar char="●"/>
+              <a:defRPr/>
+            </a:pPr>
+            <a:r>
+              <a:rPr lang="pt-BR" sz="2400" b="0" strike="noStrike">
+                <a:solidFill>
+                  <a:schemeClr val="dk1"/>
+                </a:solidFill>
+                <a:latin typeface="Arial"/>
+                <a:ea typeface="Arial"/>
+                <a:cs typeface="Arial"/>
+              </a:rPr>
+              <a:t>Tarefas limitadas por CPU</a:t>
+            </a:r>
+            <a:endParaRPr sz="2400" b="0" strike="noStrike">
+              <a:solidFill>
+                <a:schemeClr val="dk1"/>
+              </a:solidFill>
+              <a:latin typeface="Arial"/>
+              <a:ea typeface="Arial"/>
+              <a:cs typeface="Arial"/>
+            </a:endParaRPr>
+          </a:p>
+          <a:p>
+            <a:pPr marL="0" marR="0" lvl="0" indent="0" algn="l">
+              <a:lnSpc>
+                <a:spcPct val="100000"/>
+              </a:lnSpc>
+              <a:spcBef>
+                <a:spcPts val="2833"/>
+              </a:spcBef>
+              <a:spcAft>
+                <a:spcPts val="0"/>
+              </a:spcAft>
+              <a:buNone/>
+              <a:defRPr/>
+            </a:pPr>
+            <a:endParaRPr sz="2400" b="0" strike="noStrike">
+              <a:solidFill>
+                <a:schemeClr val="dk1"/>
+              </a:solidFill>
+              <a:latin typeface="Arial"/>
+              <a:ea typeface="Arial"/>
+              <a:cs typeface="Arial"/>
+            </a:endParaRPr>
+          </a:p>
+          <a:p>
+            <a:pPr marL="0" marR="0" lvl="0" indent="0" algn="l">
+              <a:lnSpc>
+                <a:spcPct val="100000"/>
+              </a:lnSpc>
+              <a:spcBef>
+                <a:spcPts val="2833"/>
+              </a:spcBef>
+              <a:spcAft>
+                <a:spcPts val="0"/>
+              </a:spcAft>
+              <a:buNone/>
+              <a:defRPr/>
+            </a:pPr>
+            <a:endParaRPr sz="2400" b="0" strike="noStrike">
+              <a:solidFill>
+                <a:schemeClr val="dk1"/>
+              </a:solidFill>
+              <a:latin typeface="Arial"/>
+              <a:ea typeface="Arial"/>
+              <a:cs typeface="Arial"/>
+            </a:endParaRPr>
+          </a:p>
+          <a:p>
+            <a:pPr marL="0" marR="0" lvl="0" indent="0" algn="l">
+              <a:lnSpc>
+                <a:spcPct val="100000"/>
+              </a:lnSpc>
+              <a:spcBef>
+                <a:spcPts val="2833"/>
+              </a:spcBef>
+              <a:spcAft>
+                <a:spcPts val="0"/>
+              </a:spcAft>
+              <a:buNone/>
+              <a:defRPr/>
+            </a:pPr>
+            <a:endParaRPr sz="2400" b="0" strike="noStrike">
+              <a:solidFill>
+                <a:schemeClr val="dk1"/>
+              </a:solidFill>
+              <a:latin typeface="Arial"/>
+              <a:ea typeface="Arial"/>
+              <a:cs typeface="Arial"/>
+            </a:endParaRPr>
+          </a:p>
+          <a:p>
+            <a:pPr marL="0" marR="0" lvl="0" indent="0" algn="l">
+              <a:lnSpc>
+                <a:spcPct val="100000"/>
+              </a:lnSpc>
+              <a:spcBef>
+                <a:spcPts val="2833"/>
+              </a:spcBef>
+              <a:spcAft>
+                <a:spcPts val="0"/>
+              </a:spcAft>
+              <a:buNone/>
+              <a:defRPr/>
+            </a:pPr>
+            <a:endParaRPr sz="2400" b="0" strike="noStrike">
+              <a:solidFill>
+                <a:schemeClr val="dk1"/>
+              </a:solidFill>
+              <a:latin typeface="Arial"/>
+              <a:ea typeface="Arial"/>
+              <a:cs typeface="Arial"/>
+            </a:endParaRPr>
+          </a:p>
+          <a:p>
+            <a:pPr marL="216000" marR="0" lvl="0" indent="-216000" algn="l">
+              <a:lnSpc>
+                <a:spcPct val="100000"/>
+              </a:lnSpc>
+              <a:spcBef>
+                <a:spcPts val="2833"/>
+              </a:spcBef>
+              <a:spcAft>
+                <a:spcPts val="0"/>
+              </a:spcAft>
+              <a:buClr>
+                <a:srgbClr val="000000"/>
+              </a:buClr>
+              <a:buSzPts val="1080"/>
+              <a:buFont typeface="Noto Sans Symbols"/>
+              <a:buChar char="●"/>
+              <a:defRPr/>
+            </a:pPr>
+            <a:r>
+              <a:rPr lang="pt-BR" sz="2400" b="0" strike="noStrike">
+                <a:solidFill>
+                  <a:schemeClr val="dk1"/>
+                </a:solidFill>
+                <a:latin typeface="Arial"/>
+                <a:ea typeface="Arial"/>
+                <a:cs typeface="Arial"/>
+              </a:rPr>
+              <a:t>Divisão em </a:t>
+            </a:r>
+            <a:r>
+              <a:rPr lang="pt-BR" sz="2400" b="0" u="sng" strike="noStrike">
+                <a:solidFill>
+                  <a:schemeClr val="dk1"/>
+                </a:solidFill>
+                <a:latin typeface="Arial"/>
+                <a:ea typeface="Arial"/>
+                <a:cs typeface="Arial"/>
+              </a:rPr>
+              <a:t>partes independentes</a:t>
+            </a:r>
+            <a:endParaRPr sz="2400" b="0" strike="noStrike">
+              <a:solidFill>
+                <a:schemeClr val="dk1"/>
+              </a:solidFill>
+              <a:latin typeface="Arial"/>
+              <a:ea typeface="Arial"/>
+              <a:cs typeface="Arial"/>
+            </a:endParaRPr>
+          </a:p>
+          <a:p>
+            <a:pPr marL="216000" marR="0" lvl="0" indent="-216000" algn="l">
+              <a:lnSpc>
+                <a:spcPct val="100000"/>
+              </a:lnSpc>
+              <a:spcBef>
+                <a:spcPts val="2833"/>
+              </a:spcBef>
+              <a:spcAft>
+                <a:spcPts val="0"/>
+              </a:spcAft>
+              <a:buClr>
+                <a:srgbClr val="000000"/>
+              </a:buClr>
+              <a:buSzPts val="1080"/>
+              <a:buFont typeface="Noto Sans Symbols"/>
+              <a:buChar char="●"/>
+              <a:defRPr/>
+            </a:pPr>
+            <a:r>
+              <a:rPr lang="pt-BR" sz="2400" b="0" strike="noStrike">
+                <a:solidFill>
+                  <a:schemeClr val="dk1"/>
+                </a:solidFill>
+                <a:latin typeface="Arial"/>
+                <a:ea typeface="Arial"/>
+                <a:cs typeface="Arial"/>
+              </a:rPr>
+              <a:t>Modelo </a:t>
+            </a:r>
+            <a:r>
+              <a:rPr lang="pt-BR" sz="2400" b="0" u="sng" strike="noStrike">
+                <a:solidFill>
+                  <a:schemeClr val="dk1"/>
+                </a:solidFill>
+                <a:latin typeface="Arial"/>
+                <a:ea typeface="Arial"/>
+                <a:cs typeface="Arial"/>
+              </a:rPr>
+              <a:t>fork-join</a:t>
+            </a:r>
+            <a:endParaRPr sz="2400" b="0" strike="noStrike">
+              <a:solidFill>
+                <a:schemeClr val="dk1"/>
+              </a:solidFill>
+              <a:latin typeface="Arial"/>
+              <a:ea typeface="Arial"/>
+              <a:cs typeface="Arial"/>
+            </a:endParaRPr>
+          </a:p>
+        </p:txBody>
+      </p:sp>
+      <p:pic>
+        <p:nvPicPr>
+          <p:cNvPr id="8" name="Google Shape;490;p78" hidden="0"/>
+          <p:cNvPicPr/>
+          <p:nvPr isPhoto="0" userDrawn="0"/>
+        </p:nvPicPr>
+        <p:blipFill>
+          <a:blip r:embed="rId2">
+            <a:alphaModFix/>
+          </a:blip>
+          <a:srcRect l="0" t="0" r="0" b="0"/>
+          <a:stretch/>
+        </p:blipFill>
+        <p:spPr bwMode="auto">
+          <a:xfrm>
+            <a:off x="755640" y="2887200"/>
+            <a:ext cx="7380000" cy="1753200"/>
+          </a:xfrm>
+          <a:prstGeom prst="rect">
+            <a:avLst/>
+          </a:prstGeom>
+          <a:noFill/>
+          <a:ln>
+            <a:noFill/>
+          </a:ln>
+        </p:spPr>
+      </p:pic>
+    </p:spTree>
+  </p:cSld>
+  <p:clrMapOvr>
+    <a:masterClrMapping/>
+  </p:clrMapOvr>
+  <mc:AlternateContent xmlns:mc="http://schemas.openxmlformats.org/markup-compatibility/2006">
+    <mc:Choice xmlns:p14="http://schemas.microsoft.com/office/powerpoint/2010/main" Requires="p14">
+      <p:transition p14:dur="2000" advClick="1"/>
+    </mc:Choice>
+    <mc:Fallback>
+      <p:transition advClick="1"/>
+    </mc:Fallback>
+  </mc:AlternateContent>
+</p:sld>
+</file>
+
+<file path=ppt/slides/slide32.xml><?xml version="1.0" encoding="utf-8"?>
+<p:sld xmlns:a="http://schemas.openxmlformats.org/drawingml/2006/main" xmlns:r="http://schemas.openxmlformats.org/officeDocument/2006/relationships" xmlns:p="http://schemas.openxmlformats.org/presentationml/2006/main" xmlns:m="http://schemas.openxmlformats.org/officeDocument/2006/math" xmlns:w="http://schemas.openxmlformats.org/wordprocessingml/2006/main" showMasterPhAnim="0" show="1">
+  <p:cSld name="">
+    <p:spTree>
+      <p:nvGrpSpPr>
+        <p:cNvPr id="1" name="" hidden="0"/>
+        <p:cNvGrpSpPr/>
+        <p:nvPr isPhoto="0" userDrawn="0"/>
+      </p:nvGrpSpPr>
+      <p:grpSpPr bwMode="auto">
+        <a:xfrm>
+          <a:off x="0" y="0"/>
+          <a:ext cx="0" cy="0"/>
+          <a:chOff x="0" y="0"/>
+          <a:chExt cx="0" cy="0"/>
+        </a:xfrm>
+      </p:grpSpPr>
+      <p:sp>
+        <p:nvSpPr>
+          <p:cNvPr id="4" name="Google Shape;495;p79" hidden="0"/>
+          <p:cNvSpPr/>
+          <p:nvPr isPhoto="0" userDrawn="0"/>
+        </p:nvSpPr>
+        <p:spPr bwMode="auto">
+          <a:xfrm>
+            <a:off x="457200" y="781200"/>
+            <a:ext cx="8228520" cy="618120"/>
+          </a:xfrm>
+          <a:prstGeom prst="rect">
+            <a:avLst/>
+          </a:prstGeom>
+          <a:noFill/>
+          <a:ln>
+            <a:noFill/>
+          </a:ln>
+        </p:spPr>
+        <p:txBody>
+          <a:bodyPr spcFirstLastPara="1" wrap="square" lIns="90000" tIns="45000" rIns="90000" bIns="45000" anchor="t" anchorCtr="0">
+            <a:noAutofit/>
+          </a:bodyPr>
+          <a:lstStyle/>
+          <a:p>
+            <a:pPr marL="0" marR="0" lvl="0" indent="0" algn="l">
+              <a:lnSpc>
+                <a:spcPct val="100000"/>
+              </a:lnSpc>
+              <a:spcBef>
+                <a:spcPts val="0"/>
+              </a:spcBef>
+              <a:spcAft>
+                <a:spcPts val="0"/>
+              </a:spcAft>
+              <a:buNone/>
+              <a:defRPr/>
+            </a:pPr>
+            <a:r>
+              <a:rPr lang="pt-BR" sz="3200" b="0" strike="noStrike">
+                <a:solidFill>
+                  <a:srgbClr val="C00026"/>
+                </a:solidFill>
+                <a:latin typeface="Verdana"/>
+                <a:ea typeface="Verdana"/>
+                <a:cs typeface="Verdana"/>
+              </a:rPr>
+              <a:t>Sistemas distribuídos</a:t>
+            </a:r>
+            <a:endParaRPr sz="3200" b="0" strike="noStrike">
+              <a:solidFill>
+                <a:schemeClr val="dk1"/>
+              </a:solidFill>
+              <a:latin typeface="Arial"/>
+              <a:ea typeface="Arial"/>
+              <a:cs typeface="Arial"/>
+            </a:endParaRPr>
+          </a:p>
+        </p:txBody>
+      </p:sp>
+      <p:sp>
+        <p:nvSpPr>
+          <p:cNvPr id="5" name="Google Shape;496;p79" hidden="0"/>
+          <p:cNvSpPr/>
+          <p:nvPr isPhoto="0" userDrawn="0"/>
+        </p:nvSpPr>
+        <p:spPr bwMode="auto">
+          <a:xfrm>
+            <a:off x="162000" y="85680"/>
+            <a:ext cx="7228440" cy="351360"/>
+          </a:xfrm>
+          <a:prstGeom prst="rect">
+            <a:avLst/>
+          </a:prstGeom>
+          <a:noFill/>
+          <a:ln>
+            <a:noFill/>
+          </a:ln>
+        </p:spPr>
+        <p:txBody>
+          <a:bodyPr spcFirstLastPara="1" wrap="square" lIns="91423" tIns="91423" rIns="91423" bIns="91423" anchor="ctr" anchorCtr="0">
+            <a:noAutofit/>
+          </a:bodyPr>
+          <a:lstStyle/>
+          <a:p>
+            <a:pPr marL="0" lvl="0" indent="0" algn="l">
+              <a:spcBef>
+                <a:spcPts val="0"/>
+              </a:spcBef>
+              <a:spcAft>
+                <a:spcPts val="0"/>
+              </a:spcAft>
+              <a:buNone/>
+              <a:defRPr/>
+            </a:pPr>
+            <a:endParaRPr/>
+          </a:p>
+        </p:txBody>
+      </p:sp>
+      <p:sp>
+        <p:nvSpPr>
+          <p:cNvPr id="6" name="Google Shape;497;p79" hidden="0"/>
+          <p:cNvSpPr/>
+          <p:nvPr isPhoto="0" userDrawn="0"/>
+        </p:nvSpPr>
+        <p:spPr bwMode="auto">
+          <a:xfrm>
+            <a:off x="84240" y="6402240"/>
+            <a:ext cx="640440" cy="363960"/>
+          </a:xfrm>
+          <a:prstGeom prst="rect">
+            <a:avLst/>
+          </a:prstGeom>
+          <a:noFill/>
+          <a:ln>
+            <a:noFill/>
+          </a:ln>
+        </p:spPr>
+        <p:txBody>
+          <a:bodyPr spcFirstLastPara="1" wrap="square" lIns="90000" tIns="45000" rIns="90000" bIns="45000" anchor="ctr" anchorCtr="0">
+            <a:noAutofit/>
+          </a:bodyPr>
+          <a:lstStyle/>
+          <a:p>
+            <a:pPr marL="0" marR="0" lvl="0" indent="0" algn="r">
+              <a:lnSpc>
+                <a:spcPct val="100000"/>
+              </a:lnSpc>
+              <a:spcBef>
+                <a:spcPts val="0"/>
+              </a:spcBef>
+              <a:spcAft>
+                <a:spcPts val="0"/>
+              </a:spcAft>
+              <a:buNone/>
+              <a:defRPr/>
+            </a:pPr>
+            <a:fld id="{02CABAE3-0B3E-5266-BD38-5770429E7C22}" type="slidenum">
+              <a:rPr lang="pt-BR" sz="1000" b="0" strike="noStrike">
+                <a:solidFill>
+                  <a:srgbClr val="B2B2B2"/>
+                </a:solidFill>
+                <a:latin typeface="Verdana"/>
+                <a:ea typeface="Verdana"/>
+                <a:cs typeface="Verdana"/>
+              </a:rPr>
+              <a:t/>
+            </a:fld>
+            <a:endParaRPr sz="1000" b="0" strike="noStrike">
+              <a:solidFill>
+                <a:schemeClr val="dk1"/>
+              </a:solidFill>
+              <a:latin typeface="Arial"/>
+              <a:ea typeface="Arial"/>
+              <a:cs typeface="Arial"/>
+            </a:endParaRPr>
+          </a:p>
+        </p:txBody>
+      </p:sp>
+      <p:pic>
+        <p:nvPicPr>
+          <p:cNvPr id="7" name="Google Shape;498;p79" hidden="0"/>
+          <p:cNvPicPr/>
+          <p:nvPr isPhoto="0" userDrawn="0"/>
+        </p:nvPicPr>
+        <p:blipFill>
+          <a:blip r:embed="rId2">
+            <a:alphaModFix/>
+          </a:blip>
+          <a:srcRect l="0" t="0" r="0" b="0"/>
+          <a:stretch/>
+        </p:blipFill>
+        <p:spPr bwMode="auto">
+          <a:xfrm>
+            <a:off x="864000" y="1812600"/>
+            <a:ext cx="7560000" cy="3263400"/>
+          </a:xfrm>
+          <a:prstGeom prst="rect">
+            <a:avLst/>
+          </a:prstGeom>
+          <a:noFill/>
+          <a:ln>
+            <a:noFill/>
+          </a:ln>
+        </p:spPr>
+      </p:pic>
+      <p:sp>
+        <p:nvSpPr>
+          <p:cNvPr id="8" name="Google Shape;499;p79" hidden="0"/>
+          <p:cNvSpPr>
+            <a:spLocks noAdjustHandles="0" noChangeArrowheads="0"/>
+          </p:cNvSpPr>
+          <p:nvPr isPhoto="0" userDrawn="0"/>
+        </p:nvSpPr>
+        <p:spPr bwMode="auto">
+          <a:xfrm>
+            <a:off x="216000" y="5184000"/>
+            <a:ext cx="8790840" cy="1171080"/>
+          </a:xfrm>
+          <a:prstGeom prst="rect">
+            <a:avLst/>
+          </a:prstGeom>
+          <a:noFill/>
+          <a:ln>
+            <a:noFill/>
+          </a:ln>
+        </p:spPr>
+        <p:txBody>
+          <a:bodyPr spcFirstLastPara="1" wrap="square" lIns="90000" tIns="45000" rIns="90000" bIns="45000" anchor="t" anchorCtr="0">
+            <a:noAutofit/>
+          </a:bodyPr>
+          <a:lstStyle/>
+          <a:p>
+            <a:pPr marL="216000" marR="0" lvl="0" indent="-216000" algn="l">
+              <a:lnSpc>
+                <a:spcPct val="100000"/>
+              </a:lnSpc>
+              <a:spcBef>
+                <a:spcPts val="0"/>
+              </a:spcBef>
+              <a:spcAft>
+                <a:spcPts val="0"/>
+              </a:spcAft>
+              <a:buClr>
+                <a:srgbClr val="000000"/>
+              </a:buClr>
+              <a:buSzPts val="1260"/>
+              <a:buFont typeface="Noto Sans Symbols"/>
+              <a:buChar char="●"/>
+              <a:defRPr/>
+            </a:pPr>
+            <a:r>
+              <a:rPr lang="pt-BR" sz="2800" b="0" strike="noStrike">
+                <a:solidFill>
+                  <a:schemeClr val="dk1"/>
+                </a:solidFill>
+                <a:latin typeface="Arial"/>
+                <a:ea typeface="Arial"/>
+                <a:cs typeface="Arial"/>
+              </a:rPr>
+              <a:t>Divisão de tarefas em clusters</a:t>
+            </a:r>
+            <a:endParaRPr sz="2800" b="0" strike="noStrike">
+              <a:solidFill>
+                <a:schemeClr val="dk1"/>
+              </a:solidFill>
+              <a:latin typeface="Arial"/>
+              <a:ea typeface="Arial"/>
+              <a:cs typeface="Arial"/>
+            </a:endParaRPr>
+          </a:p>
+          <a:p>
+            <a:pPr marL="216000" marR="0" lvl="0" indent="-216000" algn="l">
+              <a:lnSpc>
+                <a:spcPct val="100000"/>
+              </a:lnSpc>
+              <a:spcBef>
+                <a:spcPts val="2267"/>
+              </a:spcBef>
+              <a:spcAft>
+                <a:spcPts val="0"/>
+              </a:spcAft>
+              <a:buClr>
+                <a:srgbClr val="000000"/>
+              </a:buClr>
+              <a:buSzPts val="1260"/>
+              <a:buFont typeface="Noto Sans Symbols"/>
+              <a:buChar char="●"/>
+              <a:defRPr/>
+            </a:pPr>
+            <a:r>
+              <a:rPr lang="pt-BR" sz="2800" b="0" strike="noStrike">
+                <a:solidFill>
+                  <a:schemeClr val="dk1"/>
+                </a:solidFill>
+                <a:latin typeface="Arial"/>
+                <a:ea typeface="Arial"/>
+                <a:cs typeface="Arial"/>
+              </a:rPr>
+              <a:t>Passagem de mensagens entre processos/máquinas</a:t>
+            </a:r>
+            <a:endParaRPr sz="2800" b="0" strike="noStrike">
+              <a:solidFill>
+                <a:schemeClr val="dk1"/>
+              </a:solidFill>
+              <a:latin typeface="Arial"/>
+              <a:ea typeface="Arial"/>
+              <a:cs typeface="Arial"/>
+            </a:endParaRPr>
+          </a:p>
+        </p:txBody>
+      </p:sp>
+    </p:spTree>
+  </p:cSld>
+  <p:clrMapOvr>
+    <a:masterClrMapping/>
+  </p:clrMapOvr>
+  <mc:AlternateContent xmlns:mc="http://schemas.openxmlformats.org/markup-compatibility/2006">
+    <mc:Choice xmlns:p14="http://schemas.microsoft.com/office/powerpoint/2010/main" Requires="p14">
+      <p:transition p14:dur="2000" advClick="1"/>
+    </mc:Choice>
+    <mc:Fallback>
+      <p:transition advClick="1"/>
+    </mc:Fallback>
+  </mc:AlternateContent>
+</p:sld>
+</file>
+
+<file path=ppt/slides/slide33.xml><?xml version="1.0" encoding="utf-8"?>
+<p:sld xmlns:a="http://schemas.openxmlformats.org/drawingml/2006/main" xmlns:r="http://schemas.openxmlformats.org/officeDocument/2006/relationships" xmlns:p="http://schemas.openxmlformats.org/presentationml/2006/main" xmlns:m="http://schemas.openxmlformats.org/officeDocument/2006/math" xmlns:w="http://schemas.openxmlformats.org/wordprocessingml/2006/main" showMasterPhAnim="0" show="1">
+  <p:cSld name="">
+    <p:spTree>
+      <p:nvGrpSpPr>
+        <p:cNvPr id="1" name="" hidden="0"/>
+        <p:cNvGrpSpPr/>
+        <p:nvPr isPhoto="0" userDrawn="0"/>
+      </p:nvGrpSpPr>
+      <p:grpSpPr bwMode="auto">
+        <a:xfrm>
+          <a:off x="0" y="0"/>
+          <a:ext cx="0" cy="0"/>
+          <a:chOff x="0" y="0"/>
+          <a:chExt cx="0" cy="0"/>
+        </a:xfrm>
+      </p:grpSpPr>
+      <p:sp>
+        <p:nvSpPr>
+          <p:cNvPr id="4" name="Google Shape;504;p80" hidden="0"/>
+          <p:cNvSpPr/>
+          <p:nvPr isPhoto="0" userDrawn="0"/>
+        </p:nvSpPr>
+        <p:spPr bwMode="auto">
+          <a:xfrm>
+            <a:off x="457200" y="781200"/>
+            <a:ext cx="8228520" cy="618120"/>
+          </a:xfrm>
+          <a:prstGeom prst="rect">
+            <a:avLst/>
+          </a:prstGeom>
+          <a:noFill/>
+          <a:ln>
+            <a:noFill/>
+          </a:ln>
+        </p:spPr>
+        <p:txBody>
+          <a:bodyPr spcFirstLastPara="1" wrap="square" lIns="90000" tIns="45000" rIns="90000" bIns="45000" anchor="t" anchorCtr="0">
+            <a:noAutofit/>
+          </a:bodyPr>
+          <a:lstStyle/>
+          <a:p>
+            <a:pPr marL="0" marR="0" lvl="0" indent="0" algn="l">
+              <a:lnSpc>
+                <a:spcPct val="100000"/>
+              </a:lnSpc>
+              <a:spcBef>
+                <a:spcPts val="0"/>
+              </a:spcBef>
+              <a:spcAft>
+                <a:spcPts val="0"/>
+              </a:spcAft>
+              <a:buNone/>
+              <a:defRPr/>
+            </a:pPr>
+            <a:r>
+              <a:rPr lang="pt-BR" sz="3200" b="0" strike="noStrike">
+                <a:solidFill>
+                  <a:srgbClr val="C00026"/>
+                </a:solidFill>
+                <a:latin typeface="Verdana"/>
+                <a:ea typeface="Verdana"/>
+                <a:cs typeface="Verdana"/>
+              </a:rPr>
+              <a:t>GPGPU</a:t>
+            </a:r>
+            <a:endParaRPr sz="3200" b="0" strike="noStrike">
+              <a:solidFill>
+                <a:schemeClr val="dk1"/>
+              </a:solidFill>
+              <a:latin typeface="Arial"/>
+              <a:ea typeface="Arial"/>
+              <a:cs typeface="Arial"/>
+            </a:endParaRPr>
+          </a:p>
+        </p:txBody>
+      </p:sp>
+      <p:sp>
+        <p:nvSpPr>
+          <p:cNvPr id="5" name="Google Shape;505;p80" hidden="0"/>
+          <p:cNvSpPr/>
+          <p:nvPr isPhoto="0" userDrawn="0"/>
+        </p:nvSpPr>
+        <p:spPr bwMode="auto">
+          <a:xfrm>
+            <a:off x="162000" y="85680"/>
+            <a:ext cx="7228440" cy="351360"/>
+          </a:xfrm>
+          <a:prstGeom prst="rect">
+            <a:avLst/>
+          </a:prstGeom>
+          <a:noFill/>
+          <a:ln>
+            <a:noFill/>
+          </a:ln>
+        </p:spPr>
+        <p:txBody>
+          <a:bodyPr spcFirstLastPara="1" wrap="square" lIns="91423" tIns="91423" rIns="91423" bIns="91423" anchor="ctr" anchorCtr="0">
+            <a:noAutofit/>
+          </a:bodyPr>
+          <a:lstStyle/>
+          <a:p>
+            <a:pPr marL="0" lvl="0" indent="0" algn="l">
+              <a:spcBef>
+                <a:spcPts val="0"/>
+              </a:spcBef>
+              <a:spcAft>
+                <a:spcPts val="0"/>
+              </a:spcAft>
+              <a:buNone/>
+              <a:defRPr/>
+            </a:pPr>
+            <a:endParaRPr/>
+          </a:p>
+        </p:txBody>
+      </p:sp>
+      <p:sp>
+        <p:nvSpPr>
+          <p:cNvPr id="6" name="Google Shape;506;p80" hidden="0"/>
+          <p:cNvSpPr/>
+          <p:nvPr isPhoto="0" userDrawn="0"/>
+        </p:nvSpPr>
+        <p:spPr bwMode="auto">
+          <a:xfrm>
+            <a:off x="84240" y="6402240"/>
+            <a:ext cx="640440" cy="363960"/>
+          </a:xfrm>
+          <a:prstGeom prst="rect">
+            <a:avLst/>
+          </a:prstGeom>
+          <a:noFill/>
+          <a:ln>
+            <a:noFill/>
+          </a:ln>
+        </p:spPr>
+        <p:txBody>
+          <a:bodyPr spcFirstLastPara="1" wrap="square" lIns="90000" tIns="45000" rIns="90000" bIns="45000" anchor="ctr" anchorCtr="0">
+            <a:noAutofit/>
+          </a:bodyPr>
+          <a:lstStyle/>
+          <a:p>
+            <a:pPr marL="0" marR="0" lvl="0" indent="0" algn="r">
+              <a:lnSpc>
+                <a:spcPct val="100000"/>
+              </a:lnSpc>
+              <a:spcBef>
+                <a:spcPts val="0"/>
+              </a:spcBef>
+              <a:spcAft>
+                <a:spcPts val="0"/>
+              </a:spcAft>
+              <a:buNone/>
+              <a:defRPr/>
+            </a:pPr>
+            <a:fld id="{92F64097-C66C-40A5-E25F-93A861C19565}" type="slidenum">
+              <a:rPr lang="pt-BR" sz="1000" b="0" strike="noStrike">
+                <a:solidFill>
+                  <a:srgbClr val="B2B2B2"/>
+                </a:solidFill>
+                <a:latin typeface="Verdana"/>
+                <a:ea typeface="Verdana"/>
+                <a:cs typeface="Verdana"/>
+              </a:rPr>
+              <a:t/>
+            </a:fld>
+            <a:endParaRPr sz="1000" b="0" strike="noStrike">
+              <a:solidFill>
+                <a:schemeClr val="dk1"/>
+              </a:solidFill>
+              <a:latin typeface="Arial"/>
+              <a:ea typeface="Arial"/>
+              <a:cs typeface="Arial"/>
+            </a:endParaRPr>
+          </a:p>
+        </p:txBody>
+      </p:sp>
+      <p:pic>
+        <p:nvPicPr>
+          <p:cNvPr id="7" name="Google Shape;507;p80" hidden="0"/>
+          <p:cNvPicPr/>
+          <p:nvPr isPhoto="0" userDrawn="0"/>
+        </p:nvPicPr>
+        <p:blipFill>
+          <a:blip r:embed="rId2">
+            <a:alphaModFix/>
+          </a:blip>
+          <a:srcRect l="0" t="0" r="0" b="0"/>
+          <a:stretch/>
+        </p:blipFill>
+        <p:spPr bwMode="auto">
+          <a:xfrm>
+            <a:off x="1224000" y="1562758"/>
+            <a:ext cx="6552000" cy="3693240"/>
+          </a:xfrm>
+          <a:prstGeom prst="rect">
+            <a:avLst/>
+          </a:prstGeom>
+          <a:noFill/>
+          <a:ln>
+            <a:noFill/>
+          </a:ln>
+        </p:spPr>
+      </p:pic>
+      <p:sp>
+        <p:nvSpPr>
+          <p:cNvPr id="8" name="Google Shape;508;p80" hidden="0"/>
+          <p:cNvSpPr>
+            <a:spLocks noAdjustHandles="0" noChangeArrowheads="0"/>
+          </p:cNvSpPr>
+          <p:nvPr isPhoto="0" userDrawn="0"/>
+        </p:nvSpPr>
+        <p:spPr bwMode="auto">
+          <a:xfrm>
+            <a:off x="576000" y="5434199"/>
+            <a:ext cx="6515640" cy="1060374"/>
+          </a:xfrm>
+          <a:prstGeom prst="rect">
+            <a:avLst/>
+          </a:prstGeom>
+          <a:noFill/>
+          <a:ln>
+            <a:noFill/>
+          </a:ln>
+        </p:spPr>
+        <p:txBody>
+          <a:bodyPr spcFirstLastPara="1" wrap="square" lIns="90000" tIns="45000" rIns="90000" bIns="45000" anchor="t" anchorCtr="0">
+            <a:noAutofit/>
+          </a:bodyPr>
+          <a:lstStyle/>
+          <a:p>
+            <a:pPr marL="216000" marR="0" lvl="0" indent="-216000" algn="l">
+              <a:lnSpc>
+                <a:spcPct val="100000"/>
+              </a:lnSpc>
+              <a:spcBef>
+                <a:spcPts val="0"/>
+              </a:spcBef>
+              <a:spcAft>
+                <a:spcPts val="0"/>
+              </a:spcAft>
+              <a:buClr>
+                <a:srgbClr val="000000"/>
+              </a:buClr>
+              <a:buSzPts val="1080"/>
+              <a:buFont typeface="Noto Sans Symbols"/>
+              <a:buChar char="●"/>
+              <a:defRPr/>
+            </a:pPr>
+            <a:r>
+              <a:rPr lang="pt-BR" sz="2400" b="0" strike="noStrike">
+                <a:solidFill>
+                  <a:schemeClr val="dk1"/>
+                </a:solidFill>
+                <a:latin typeface="Arial"/>
+                <a:ea typeface="Arial"/>
+                <a:cs typeface="Arial"/>
+              </a:rPr>
+              <a:t>Versão turbinada do modelo multi-core</a:t>
+            </a:r>
+            <a:endParaRPr sz="2400" b="0" strike="noStrike">
+              <a:solidFill>
+                <a:schemeClr val="dk1"/>
+              </a:solidFill>
+              <a:latin typeface="Arial"/>
+              <a:ea typeface="Arial"/>
+              <a:cs typeface="Arial"/>
+            </a:endParaRPr>
+          </a:p>
+          <a:p>
+            <a:pPr marL="216000" marR="0" lvl="0" indent="-216000" algn="l">
+              <a:lnSpc>
+                <a:spcPct val="100000"/>
+              </a:lnSpc>
+              <a:spcBef>
+                <a:spcPts val="1699"/>
+              </a:spcBef>
+              <a:spcAft>
+                <a:spcPts val="0"/>
+              </a:spcAft>
+              <a:buClr>
+                <a:srgbClr val="000000"/>
+              </a:buClr>
+              <a:buSzPts val="1080"/>
+              <a:buFont typeface="Noto Sans Symbols"/>
+              <a:buChar char="●"/>
+              <a:defRPr/>
+            </a:pPr>
+            <a:r>
+              <a:rPr lang="pt-BR" sz="2400" b="0" strike="noStrike">
+                <a:solidFill>
+                  <a:schemeClr val="dk1"/>
+                </a:solidFill>
+                <a:latin typeface="Arial"/>
+                <a:ea typeface="Arial"/>
+                <a:cs typeface="Arial"/>
+              </a:rPr>
+              <a:t>Arquitetura completamente diferente </a:t>
+            </a:r>
+            <a:endParaRPr sz="2400" b="0" strike="noStrike">
+              <a:solidFill>
+                <a:schemeClr val="dk1"/>
+              </a:solidFill>
+              <a:latin typeface="Arial"/>
+              <a:ea typeface="Arial"/>
+              <a:cs typeface="Arial"/>
+            </a:endParaRPr>
+          </a:p>
+        </p:txBody>
+      </p:sp>
+    </p:spTree>
+  </p:cSld>
+  <p:clrMapOvr>
+    <a:masterClrMapping/>
+  </p:clrMapOvr>
+  <mc:AlternateContent xmlns:mc="http://schemas.openxmlformats.org/markup-compatibility/2006">
+    <mc:Choice xmlns:p14="http://schemas.microsoft.com/office/powerpoint/2010/main" Requires="p14">
+      <p:transition p14:dur="2000" advClick="1"/>
+    </mc:Choice>
+    <mc:Fallback>
+      <p:transition advClick="1"/>
+    </mc:Fallback>
+  </mc:AlternateContent>
+</p:sld>
+</file>
+
+<file path=ppt/slides/slide34.xml><?xml version="1.0" encoding="utf-8"?>
 <p:sld xmlns:a="http://schemas.openxmlformats.org/drawingml/2006/main" xmlns:r="http://schemas.openxmlformats.org/officeDocument/2006/relationships" xmlns:p="http://schemas.openxmlformats.org/presentationml/2006/main" xmlns:m="http://schemas.openxmlformats.org/officeDocument/2006/math" xmlns:w="http://schemas.openxmlformats.org/wordprocessingml/2006/main" showMasterPhAnim="0" show="1">
   <p:cSld name="">
     <p:spTree>
@@ -24286,7 +26031,7 @@
 </p:sld>
 </file>
 
-<file path=ppt/slides/slide31.xml><?xml version="1.0" encoding="utf-8"?>
+<file path=ppt/slides/slide35.xml><?xml version="1.0" encoding="utf-8"?>
 <p:sld xmlns:a="http://schemas.openxmlformats.org/drawingml/2006/main" xmlns:r="http://schemas.openxmlformats.org/officeDocument/2006/relationships" xmlns:p="http://schemas.openxmlformats.org/presentationml/2006/main" xmlns:m="http://schemas.openxmlformats.org/officeDocument/2006/math" xmlns:w="http://schemas.openxmlformats.org/wordprocessingml/2006/main" showMasterPhAnim="0" show="1">
   <p:cSld name="">
     <p:spTree>
@@ -24715,7 +26460,7 @@
           <p:nvPr isPhoto="0" userDrawn="0"/>
         </p:nvCxnSpPr>
         <p:spPr bwMode="auto">
-          <a:xfrm rot="5399977" flipH="0" flipV="1">
+          <a:xfrm rot="5399976" flipH="0" flipV="1">
             <a:off x="2548877" y="2086877"/>
             <a:ext cx="650874" cy="1811119"/>
           </a:xfrm>
@@ -25157,7 +26902,7 @@
 </p:sld>
 </file>
 
-<file path=ppt/slides/slide32.xml><?xml version="1.0" encoding="utf-8"?>
+<file path=ppt/slides/slide36.xml><?xml version="1.0" encoding="utf-8"?>
 <p:sld xmlns:a="http://schemas.openxmlformats.org/drawingml/2006/main" xmlns:r="http://schemas.openxmlformats.org/officeDocument/2006/relationships" xmlns:p="http://schemas.openxmlformats.org/presentationml/2006/main" xmlns:m="http://schemas.openxmlformats.org/officeDocument/2006/math" xmlns:w="http://schemas.openxmlformats.org/wordprocessingml/2006/main" showMasterPhAnim="0" show="1">
   <p:cSld name="">
     <p:spTree>
@@ -25409,7 +27154,7 @@
 </p:sld>
 </file>
 
-<file path=ppt/slides/slide33.xml><?xml version="1.0" encoding="utf-8"?>
+<file path=ppt/slides/slide37.xml><?xml version="1.0" encoding="utf-8"?>
 <p:sld xmlns:a="http://schemas.openxmlformats.org/drawingml/2006/main" xmlns:r="http://schemas.openxmlformats.org/officeDocument/2006/relationships" xmlns:p="http://schemas.openxmlformats.org/presentationml/2006/main" xmlns:m="http://schemas.openxmlformats.org/officeDocument/2006/math" xmlns:w="http://schemas.openxmlformats.org/wordprocessingml/2006/main" showMasterPhAnim="0" show="1">
   <p:cSld name="">
     <p:spTree>
@@ -25506,7 +27251,7 @@
           </a:ln>
         </p:spPr>
         <p:txBody>
-          <a:bodyPr spcFirstLastPara="1" wrap="square" lIns="91424" tIns="91424" rIns="91424" bIns="91424" anchor="ctr" anchorCtr="0">
+          <a:bodyPr spcFirstLastPara="1" wrap="square" lIns="91423" tIns="91423" rIns="91423" bIns="91423" anchor="ctr" anchorCtr="0">
             <a:noAutofit/>
           </a:bodyPr>
           <a:lstStyle/>
@@ -25906,7 +27651,7 @@
 </p:sld>
 </file>
 
-<file path=ppt/slides/slide34.xml><?xml version="1.0" encoding="utf-8"?>
+<file path=ppt/slides/slide38.xml><?xml version="1.0" encoding="utf-8"?>
 <p:sld xmlns:a="http://schemas.openxmlformats.org/drawingml/2006/main" xmlns:r="http://schemas.openxmlformats.org/officeDocument/2006/relationships" xmlns:p="http://schemas.openxmlformats.org/presentationml/2006/main" xmlns:m="http://schemas.openxmlformats.org/officeDocument/2006/math" xmlns:w="http://schemas.openxmlformats.org/wordprocessingml/2006/main" showMasterPhAnim="0" show="1">
   <p:cSld name="">
     <p:spTree>
@@ -26003,7 +27748,7 @@
           </a:ln>
         </p:spPr>
         <p:txBody>
-          <a:bodyPr spcFirstLastPara="1" wrap="square" lIns="91424" tIns="91424" rIns="91424" bIns="91424" anchor="ctr" anchorCtr="0">
+          <a:bodyPr spcFirstLastPara="1" wrap="square" lIns="91423" tIns="91423" rIns="91423" bIns="91423" anchor="ctr" anchorCtr="0">
             <a:noAutofit/>
           </a:bodyPr>
           <a:lstStyle/>
@@ -26425,7 +28170,7 @@
 </p:sld>
 </file>
 
-<file path=ppt/slides/slide35.xml><?xml version="1.0" encoding="utf-8"?>
+<file path=ppt/slides/slide39.xml><?xml version="1.0" encoding="utf-8"?>
 <p:sld xmlns:a="http://schemas.openxmlformats.org/drawingml/2006/main" xmlns:r="http://schemas.openxmlformats.org/officeDocument/2006/relationships" xmlns:p="http://schemas.openxmlformats.org/presentationml/2006/main" xmlns:m="http://schemas.openxmlformats.org/officeDocument/2006/math" xmlns:w="http://schemas.openxmlformats.org/wordprocessingml/2006/main" showMasterPhAnim="0" show="1">
   <p:cSld name="">
     <p:bg>
@@ -26782,7 +28527,7 @@
         </p:nvSpPr>
         <p:spPr bwMode="auto">
           <a:xfrm flipH="0" flipV="0">
-            <a:off x="309229" y="1661758"/>
+            <a:off x="309228" y="1661758"/>
             <a:ext cx="8704383" cy="4976431"/>
           </a:xfrm>
           <a:prstGeom prst="rect">
@@ -26826,7 +28571,7 @@
             </a:pPr>
             <a:r>
               <a:rPr sz="2400"/>
-              <a:t>Aulas presenciais eventualmente serão liberadas. </a:t>
+              <a:t>Aulas presenciais a partir de 08/09.</a:t>
             </a:r>
             <a:endParaRPr sz="2400"/>
           </a:p>
@@ -26846,40 +28591,8 @@
             </a:pPr>
             <a:r>
               <a:rPr sz="2400"/>
-              <a:t>Divisão de Turmas (SuperComputação)</a:t>
+              <a:t>Divisão de turmas tentará agradar todos</a:t>
             </a:r>
-            <a:endParaRPr sz="2400"/>
-          </a:p>
-          <a:p>
-            <a:pPr marL="750015" lvl="1" indent="-349965">
-              <a:buFont typeface="Arial"/>
-              <a:buChar char="•"/>
-              <a:defRPr/>
-            </a:pPr>
-            <a:r>
-              <a:rPr sz="2400"/>
-              <a:t>Turma 1 (online) - TER 09:45 e SEX 07:30</a:t>
-            </a:r>
-            <a:endParaRPr sz="2400"/>
-          </a:p>
-          <a:p>
-            <a:pPr marL="750015" lvl="1" indent="-349965">
-              <a:buFont typeface="Arial"/>
-              <a:buChar char="•"/>
-              <a:defRPr/>
-            </a:pPr>
-            <a:r>
-              <a:rPr sz="2400"/>
-              <a:t>Turma 2 (presencial) - QUA 13:30 e SEX 13:30</a:t>
-            </a:r>
-            <a:endParaRPr sz="2400"/>
-          </a:p>
-          <a:p>
-            <a:pPr marL="349965" lvl="0" indent="-349965">
-              <a:buFont typeface="Arial"/>
-              <a:buChar char="•"/>
-              <a:defRPr/>
-            </a:pPr>
             <a:endParaRPr sz="2400"/>
           </a:p>
           <a:p>
@@ -26888,76 +28601,57 @@
               <a:buChar char="•"/>
               <a:defRPr/>
             </a:pPr>
+            <a:endParaRPr sz="2400"/>
+          </a:p>
+          <a:p>
+            <a:pPr marL="349965" indent="-349965">
+              <a:buFont typeface="Arial"/>
+              <a:buChar char="•"/>
+              <a:defRPr/>
+            </a:pPr>
             <a:r>
-              <a:rPr lang="en-US" sz="2400" b="0" i="0" u="none" strike="noStrike" cap="none" spc="0">
-                <a:solidFill>
-                  <a:srgbClr val="000000"/>
-                </a:solidFill>
-                <a:latin typeface="Arial"/>
-                <a:ea typeface="Arial"/>
-                <a:cs typeface="Arial"/>
-              </a:rPr>
-              <a:t>Divisão de Turmas (Jogos Digitais)</a:t>
+              <a:rPr sz="2400"/>
+              <a:t>Turma 100% remota terá aula exclusivamente pelo Teams</a:t>
             </a:r>
             <a:endParaRPr sz="2400"/>
           </a:p>
           <a:p>
-            <a:pPr marL="750014" lvl="1" indent="-349965">
+            <a:pPr marL="349965" indent="-349965">
               <a:buFont typeface="Arial"/>
               <a:buChar char="•"/>
               <a:defRPr/>
             </a:pPr>
+            <a:endParaRPr sz="2400"/>
+          </a:p>
+          <a:p>
+            <a:pPr marL="349965" indent="-349965">
+              <a:buFont typeface="Arial"/>
+              <a:buChar char="•"/>
+              <a:defRPr/>
+            </a:pPr>
             <a:r>
-              <a:rPr lang="en-US" sz="2400" b="0" i="0" u="none" strike="noStrike" cap="none" spc="0">
-                <a:solidFill>
-                  <a:srgbClr val="000000"/>
-                </a:solidFill>
-                <a:latin typeface="Arial"/>
-                <a:ea typeface="Arial"/>
-                <a:cs typeface="Arial"/>
-              </a:rPr>
-              <a:t>Turma 1 (online) - </a:t>
-            </a:r>
-            <a:r>
-              <a:rPr lang="en-US" sz="2400" b="0" i="0" u="none" strike="noStrike" cap="none" spc="0">
-                <a:solidFill>
-                  <a:srgbClr val="000000"/>
-                </a:solidFill>
-                <a:latin typeface="Arial"/>
-                <a:ea typeface="Arial"/>
-                <a:cs typeface="Arial"/>
-              </a:rPr>
-              <a:t> QUA 13:30 e SEX 13:30</a:t>
+              <a:rPr sz="2400"/>
+              <a:t>Turma 100% presencial terá aulas no Insper</a:t>
             </a:r>
             <a:endParaRPr sz="2400"/>
           </a:p>
           <a:p>
-            <a:pPr marL="750015" lvl="1" indent="-349965">
+            <a:pPr marL="349965" indent="-349965">
               <a:buFont typeface="Arial"/>
               <a:buChar char="•"/>
               <a:defRPr/>
             </a:pPr>
+            <a:endParaRPr sz="2400"/>
+          </a:p>
+          <a:p>
+            <a:pPr marL="349965" indent="-349965">
+              <a:buFont typeface="Arial"/>
+              <a:buChar char="•"/>
+              <a:defRPr/>
+            </a:pPr>
             <a:r>
-              <a:rPr lang="en-US" sz="2400" b="0" i="0" u="none" strike="noStrike" cap="none" spc="0">
-                <a:solidFill>
-                  <a:srgbClr val="000000"/>
-                </a:solidFill>
-                <a:latin typeface="Arial"/>
-                <a:ea typeface="Arial"/>
-                <a:cs typeface="Arial"/>
-              </a:rPr>
-              <a:t>Turma 2 (presencial) - </a:t>
-            </a:r>
-            <a:r>
-              <a:rPr lang="en-US" sz="2400" b="0" i="0" u="none" strike="noStrike" cap="none" spc="0">
-                <a:solidFill>
-                  <a:srgbClr val="000000"/>
-                </a:solidFill>
-                <a:latin typeface="Arial"/>
-                <a:ea typeface="Arial"/>
-                <a:cs typeface="Arial"/>
-              </a:rPr>
-              <a:t>TER 09:45 e SEX 07:30</a:t>
+              <a:rPr sz="2400"/>
+              <a:t>Pode eventualmente trocar, mas precisa ser conversado.</a:t>
             </a:r>
             <a:endParaRPr sz="2400"/>
           </a:p>
@@ -27043,7 +28737,7 @@
                 <a:ea typeface="Verdana"/>
                 <a:cs typeface="Verdana"/>
               </a:rPr>
-              <a:t>Objetivos de aprendizagem</a:t>
+              <a:t>Questão presencial/remoto</a:t>
             </a:r>
             <a:endParaRPr sz="3200" b="0" i="0" u="none" strike="noStrike" cap="none">
               <a:solidFill>
@@ -27133,7 +28827,7 @@
               <a:buNone/>
               <a:defRPr/>
             </a:pPr>
-            <a:fld id="{A43C9736-5A48-5F32-EB12-CB63ACF1289E}" type="slidenum">
+            <a:fld id="{EE9972C3-BCB1-64F6-1A7B-61297C43841E}" type="slidenum">
               <a:rPr lang="pt-BR" sz="1000" b="0" i="0" u="none" strike="noStrike" cap="none">
                 <a:solidFill>
                   <a:srgbClr val="B2B2B2"/>
@@ -27165,8 +28859,8 @@
         </p:nvSpPr>
         <p:spPr bwMode="auto">
           <a:xfrm flipH="0" flipV="0">
-            <a:off x="309229" y="1661758"/>
-            <a:ext cx="8704383" cy="4976431"/>
+            <a:off x="309228" y="1661757"/>
+            <a:ext cx="8704382" cy="4976430"/>
           </a:xfrm>
           <a:prstGeom prst="rect">
             <a:avLst/>
@@ -27177,153 +28871,26 @@
           </a:ln>
         </p:spPr>
         <p:txBody>
-          <a:bodyPr spcFirstLastPara="1" wrap="square" lIns="91422" tIns="45698" rIns="91422" bIns="45698" anchor="t" anchorCtr="0">
+          <a:bodyPr spcFirstLastPara="1" wrap="square" lIns="91422" tIns="45697" rIns="91422" bIns="45697" anchor="t" anchorCtr="0">
             <a:noAutofit/>
           </a:bodyPr>
           <a:lstStyle/>
           <a:p>
-            <a:pPr marL="217792" indent="-217792">
-              <a:lnSpc>
-                <a:spcPct val="114999"/>
-              </a:lnSpc>
-              <a:buAutoNum type="arabicPeriod"/>
+            <a:pPr>
               <a:defRPr/>
             </a:pPr>
             <a:r>
-              <a:rPr sz="2400" b="0" i="0" u="none">
+              <a:rPr lang="en-US" sz="2400" b="1" i="0" u="sng" strike="noStrike" cap="none" spc="0">
                 <a:solidFill>
                   <a:srgbClr val="000000"/>
                 </a:solidFill>
-                <a:latin typeface="Liberation Sans"/>
-                <a:ea typeface="Liberation Sans"/>
-                <a:cs typeface="Liberation Sans"/>
+                <a:latin typeface="Arial"/>
+                <a:ea typeface="Arial"/>
+                <a:cs typeface="Arial"/>
               </a:rPr>
-              <a:t> Criar  implementações eficientes para problemas computacionalmente  difíceis;</a:t>
+              <a:t>T1 (remota):</a:t>
             </a:r>
-            <a:endParaRPr sz="2400" b="0" i="0" u="none">
-              <a:solidFill>
-                <a:srgbClr val="000000"/>
-              </a:solidFill>
-              <a:latin typeface="Liberation Sans"/>
-              <a:ea typeface="Liberation Sans"/>
-              <a:cs typeface="Liberation Sans"/>
-            </a:endParaRPr>
-          </a:p>
-          <a:p>
-            <a:pPr marL="217792" indent="-217792">
-              <a:lnSpc>
-                <a:spcPct val="114999"/>
-              </a:lnSpc>
-              <a:buAutoNum type="arabicPeriod"/>
-              <a:defRPr/>
-            </a:pPr>
-            <a:r>
-              <a:rPr sz="2400" b="0" i="0" u="none">
-                <a:solidFill>
-                  <a:srgbClr val="000000"/>
-                </a:solidFill>
-                <a:latin typeface="Liberation Sans"/>
-                <a:ea typeface="Liberation Sans"/>
-                <a:cs typeface="Liberation Sans"/>
-              </a:rPr>
-              <a:t> Planejar  e projetar sistemas de computação de alto desempenho, escolhendo  as tecnologias mais adequadas para cada tipo de aplicação;</a:t>
-            </a:r>
-            <a:endParaRPr sz="2400" b="0" i="0" u="none">
-              <a:solidFill>
-                <a:srgbClr val="000000"/>
-              </a:solidFill>
-              <a:latin typeface="Liberation Sans"/>
-              <a:ea typeface="Liberation Sans"/>
-              <a:cs typeface="Liberation Sans"/>
-            </a:endParaRPr>
-          </a:p>
-          <a:p>
-            <a:pPr marL="217792" indent="-217792">
-              <a:lnSpc>
-                <a:spcPct val="114999"/>
-              </a:lnSpc>
-              <a:buAutoNum type="arabicPeriod"/>
-              <a:defRPr/>
-            </a:pPr>
-            <a:r>
-              <a:rPr sz="2400" b="0" i="0" u="none">
-                <a:solidFill>
-                  <a:srgbClr val="000000"/>
-                </a:solidFill>
-                <a:latin typeface="Liberation Sans"/>
-                <a:ea typeface="Liberation Sans"/>
-                <a:cs typeface="Liberation Sans"/>
-              </a:rPr>
-              <a:t> Utilizar  recursos de computação multi-core para melhorar o desempenho de  programas sequenciais; </a:t>
-            </a:r>
-            <a:endParaRPr sz="2400" b="0" i="0" u="none">
-              <a:solidFill>
-                <a:srgbClr val="000000"/>
-              </a:solidFill>
-              <a:latin typeface="Liberation Sans"/>
-              <a:ea typeface="Liberation Sans"/>
-              <a:cs typeface="Liberation Sans"/>
-            </a:endParaRPr>
-          </a:p>
-          <a:p>
-            <a:pPr marL="217792" indent="-217792">
-              <a:lnSpc>
-                <a:spcPct val="114999"/>
-              </a:lnSpc>
-              <a:buAutoNum type="arabicPeriod"/>
-              <a:defRPr/>
-            </a:pPr>
-            <a:r>
-              <a:rPr sz="2400" b="0" i="0" u="none">
-                <a:solidFill>
-                  <a:srgbClr val="000000"/>
-                </a:solidFill>
-                <a:latin typeface="Liberation Sans"/>
-                <a:ea typeface="Liberation Sans"/>
-                <a:cs typeface="Liberation Sans"/>
-              </a:rPr>
-              <a:t> Implementar  algoritmos ingenuamente paralelizáveis em GPU;</a:t>
-            </a:r>
-            <a:endParaRPr sz="2400" b="0" i="0" u="none">
-              <a:solidFill>
-                <a:srgbClr val="000000"/>
-              </a:solidFill>
-              <a:latin typeface="Liberation Sans"/>
-              <a:ea typeface="Liberation Sans"/>
-              <a:cs typeface="Liberation Sans"/>
-            </a:endParaRPr>
-          </a:p>
-          <a:p>
-            <a:pPr marL="217792" indent="-217792">
-              <a:lnSpc>
-                <a:spcPct val="114999"/>
-              </a:lnSpc>
-              <a:buAutoNum type="arabicPeriod"/>
-              <a:defRPr/>
-            </a:pPr>
-            <a:r>
-              <a:rPr sz="2400" b="0" i="0" u="none">
-                <a:solidFill>
-                  <a:srgbClr val="000000"/>
-                </a:solidFill>
-                <a:latin typeface="Liberation Sans"/>
-                <a:ea typeface="Liberation Sans"/>
-                <a:cs typeface="Liberation Sans"/>
-              </a:rPr>
-              <a:t> Analisar  resultados de desempenho levando em conta complexidade computacional  e </a:t>
-            </a:r>
-            <a:r>
-              <a:rPr sz="2400" b="0" i="0" u="none">
-                <a:solidFill>
-                  <a:srgbClr val="000000"/>
-                </a:solidFill>
-                <a:latin typeface="Liberation Sans"/>
-                <a:ea typeface="Liberation Sans"/>
-                <a:cs typeface="Liberation Sans"/>
-              </a:rPr>
-              <a:t>tecnologias  usadas na implementação.</a:t>
-            </a:r>
-            <a:endParaRPr sz="1200" b="0" i="0" u="none">
+            <a:endParaRPr lang="en-US" sz="2400" b="0" i="0" u="none" strike="noStrike" cap="none" spc="0">
               <a:solidFill>
                 <a:srgbClr val="000000"/>
               </a:solidFill>
@@ -27332,8 +28899,171 @@
               <a:cs typeface="Arial"/>
             </a:endParaRPr>
           </a:p>
+          <a:p>
+            <a:pPr marL="349965" indent="-349965">
+              <a:buFont typeface="Arial"/>
+              <a:buChar char="•"/>
+              <a:defRPr/>
+            </a:pPr>
+            <a:r>
+              <a:rPr lang="en-US" sz="2400" b="0" i="0" u="none" strike="noStrike" cap="none" spc="0">
+                <a:solidFill>
+                  <a:srgbClr val="000000"/>
+                </a:solidFill>
+                <a:latin typeface="Arial"/>
+                <a:ea typeface="Arial"/>
+                <a:cs typeface="Arial"/>
+              </a:rPr>
+              <a:t>SuperComputação TER 09:45 SEX 07:30</a:t>
+            </a:r>
+            <a:endParaRPr lang="en-US" sz="2400" b="0" i="0" u="none" strike="noStrike" cap="none" spc="0">
+              <a:solidFill>
+                <a:srgbClr val="000000"/>
+              </a:solidFill>
+              <a:latin typeface="Arial"/>
+              <a:ea typeface="Arial"/>
+              <a:cs typeface="Arial"/>
+            </a:endParaRPr>
+          </a:p>
+          <a:p>
+            <a:pPr marL="349965" indent="-349965">
+              <a:buFont typeface="Arial"/>
+              <a:buChar char="•"/>
+              <a:defRPr/>
+            </a:pPr>
+            <a:r>
+              <a:rPr lang="en-US" sz="2400" b="0" i="0" u="none" strike="noStrike" cap="none" spc="0">
+                <a:solidFill>
+                  <a:srgbClr val="000000"/>
+                </a:solidFill>
+                <a:latin typeface="Arial"/>
+                <a:ea typeface="Arial"/>
+                <a:cs typeface="Arial"/>
+              </a:rPr>
+              <a:t>Jogos Digitais QUA 13:30 SEX 13:30</a:t>
+            </a:r>
+            <a:endParaRPr lang="en-US" sz="2400" b="0" i="0" u="none" strike="noStrike" cap="none" spc="0">
+              <a:solidFill>
+                <a:srgbClr val="000000"/>
+              </a:solidFill>
+              <a:latin typeface="Arial"/>
+              <a:ea typeface="Arial"/>
+              <a:cs typeface="Arial"/>
+            </a:endParaRPr>
+          </a:p>
+          <a:p>
+            <a:pPr>
+              <a:defRPr/>
+            </a:pPr>
+            <a:endParaRPr lang="en-US" sz="2400" b="0" i="0" u="none" strike="noStrike" cap="none" spc="0">
+              <a:solidFill>
+                <a:srgbClr val="000000"/>
+              </a:solidFill>
+              <a:latin typeface="Arial"/>
+              <a:ea typeface="Arial"/>
+              <a:cs typeface="Arial"/>
+            </a:endParaRPr>
+          </a:p>
+          <a:p>
+            <a:pPr>
+              <a:defRPr/>
+            </a:pPr>
+            <a:r>
+              <a:rPr lang="en-US" sz="2400" b="1" i="0" u="sng" strike="noStrike" cap="none" spc="0">
+                <a:solidFill>
+                  <a:srgbClr val="000000"/>
+                </a:solidFill>
+                <a:latin typeface="Arial"/>
+                <a:ea typeface="Arial"/>
+                <a:cs typeface="Arial"/>
+              </a:rPr>
+              <a:t>T2 (presencial): </a:t>
+            </a:r>
+            <a:endParaRPr sz="2400" b="0" i="0" u="sng" strike="noStrike" cap="none" spc="0">
+              <a:solidFill>
+                <a:srgbClr val="000000"/>
+              </a:solidFill>
+              <a:latin typeface="Arial"/>
+              <a:ea typeface="Arial"/>
+              <a:cs typeface="Arial"/>
+            </a:endParaRPr>
+          </a:p>
+          <a:p>
+            <a:pPr marL="349965" indent="-349965">
+              <a:buFont typeface="Arial"/>
+              <a:buChar char="•"/>
+              <a:defRPr/>
+            </a:pPr>
+            <a:r>
+              <a:rPr lang="en-US" sz="2400" b="0" i="0" u="none" strike="noStrike" cap="none" spc="0">
+                <a:solidFill>
+                  <a:srgbClr val="000000"/>
+                </a:solidFill>
+                <a:latin typeface="Arial"/>
+                <a:ea typeface="Arial"/>
+                <a:cs typeface="Arial"/>
+              </a:rPr>
+              <a:t>SuperComputação QUA 13:30 SEX 13:30</a:t>
+            </a:r>
+            <a:endParaRPr lang="en-US" sz="2400" b="0" i="0" u="none" strike="noStrike" cap="none" spc="0">
+              <a:solidFill>
+                <a:srgbClr val="000000"/>
+              </a:solidFill>
+              <a:latin typeface="Arial"/>
+              <a:ea typeface="Arial"/>
+              <a:cs typeface="Arial"/>
+            </a:endParaRPr>
+          </a:p>
+          <a:p>
+            <a:pPr marL="750014" lvl="1" indent="-349965">
+              <a:buFont typeface="Arial"/>
+              <a:buChar char="•"/>
+              <a:defRPr/>
+            </a:pPr>
+            <a:r>
+              <a:rPr lang="en-US" sz="2400" b="0" i="0" u="none" strike="noStrike" cap="none" spc="0">
+                <a:solidFill>
+                  <a:srgbClr val="000000"/>
+                </a:solidFill>
+                <a:latin typeface="Arial"/>
+                <a:ea typeface="Arial"/>
+                <a:cs typeface="Arial"/>
+              </a:rPr>
+              <a:t>Jogos Digitais TER 09:45 SEX 07:30</a:t>
+            </a:r>
+            <a:endParaRPr lang="en-US" sz="2400" b="0" i="0" u="none" strike="noStrike" cap="none" spc="0">
+              <a:solidFill>
+                <a:srgbClr val="000000"/>
+              </a:solidFill>
+              <a:latin typeface="Arial"/>
+              <a:ea typeface="Arial"/>
+              <a:cs typeface="Arial"/>
+            </a:endParaRPr>
+          </a:p>
         </p:txBody>
       </p:sp>
+      <p:pic>
+        <p:nvPicPr>
+          <p:cNvPr id="8" name="" hidden="0"/>
+          <p:cNvPicPr>
+            <a:picLocks noChangeAspect="1"/>
+          </p:cNvPicPr>
+          <p:nvPr isPhoto="0" userDrawn="0"/>
+        </p:nvPicPr>
+        <p:blipFill>
+          <a:blip r:embed="rId2"/>
+          <a:stretch/>
+        </p:blipFill>
+        <p:spPr bwMode="auto">
+          <a:xfrm flipH="0" flipV="0">
+            <a:off x="3235613" y="4483086"/>
+            <a:ext cx="2283113" cy="2283113"/>
+          </a:xfrm>
+          <a:prstGeom prst="rect">
+            <a:avLst/>
+          </a:prstGeom>
+        </p:spPr>
+      </p:pic>
     </p:spTree>
   </p:cSld>
   <p:clrMapOvr>
@@ -27414,7 +29144,7 @@
                 <a:ea typeface="Verdana"/>
                 <a:cs typeface="Verdana"/>
               </a:rPr>
-              <a:t>Objetivos de aprendizagem</a:t>
+              <a:t>Atendimentos</a:t>
             </a:r>
             <a:endParaRPr sz="3200" b="0" i="0" u="none" strike="noStrike" cap="none">
               <a:solidFill>
@@ -27504,7 +29234,7 @@
               <a:buNone/>
               <a:defRPr/>
             </a:pPr>
-            <a:fld id="{0C9B3C4B-16A4-5F05-0FBC-FD7BA363512A}" type="slidenum">
+            <a:fld id="{896BB7EC-66EC-2704-9A25-9A8885F7B723}" type="slidenum">
               <a:rPr lang="pt-BR" sz="1000" b="0" i="0" u="none" strike="noStrike" cap="none">
                 <a:solidFill>
                   <a:srgbClr val="B2B2B2"/>
@@ -27536,8 +29266,8 @@
         </p:nvSpPr>
         <p:spPr bwMode="auto">
           <a:xfrm flipH="0" flipV="0">
-            <a:off x="309229" y="1661758"/>
-            <a:ext cx="8704383" cy="4976431"/>
+            <a:off x="309228" y="1661757"/>
+            <a:ext cx="8704382" cy="4976430"/>
           </a:xfrm>
           <a:prstGeom prst="rect">
             <a:avLst/>
@@ -27548,296 +29278,123 @@
           </a:ln>
         </p:spPr>
         <p:txBody>
-          <a:bodyPr spcFirstLastPara="1" wrap="square" lIns="91422" tIns="45698" rIns="91422" bIns="45698" anchor="t" anchorCtr="0">
+          <a:bodyPr spcFirstLastPara="1" wrap="square" lIns="91422" tIns="45697" rIns="91422" bIns="45697" anchor="t" anchorCtr="0">
             <a:noAutofit/>
           </a:bodyPr>
           <a:lstStyle/>
           <a:p>
-            <a:pPr marL="217792" indent="-217792">
-              <a:lnSpc>
-                <a:spcPct val="114999"/>
-              </a:lnSpc>
-              <a:buAutoNum type="arabicPeriod"/>
+            <a:pPr marL="349965" indent="-349965">
+              <a:buFont typeface="Arial"/>
+              <a:buChar char="•"/>
               <a:defRPr/>
             </a:pPr>
             <a:r>
-              <a:rPr sz="2400" b="0" i="0" u="none">
+              <a:rPr lang="en-US" sz="2400" b="0" i="0" u="none" strike="noStrike" cap="none" spc="0">
                 <a:solidFill>
                   <a:srgbClr val="000000"/>
                 </a:solidFill>
-                <a:latin typeface="Liberation Sans"/>
-                <a:ea typeface="Liberation Sans"/>
-                <a:cs typeface="Liberation Sans"/>
+                <a:latin typeface="Arial"/>
+                <a:ea typeface="Arial"/>
+                <a:cs typeface="Arial"/>
               </a:rPr>
-              <a:t> Criar </a:t>
+              <a:t>Atendimentos:</a:t>
             </a:r>
+            <a:endParaRPr sz="2400"/>
+          </a:p>
+          <a:p>
+            <a:pPr marL="750014" lvl="1" indent="-349965">
+              <a:buFont typeface="Arial"/>
+              <a:buChar char="•"/>
+              <a:defRPr/>
+            </a:pPr>
             <a:r>
-              <a:rPr sz="2400" b="1" i="0" u="none">
+              <a:rPr lang="en-US" sz="2400" b="0" i="0" u="none" strike="noStrike" cap="none" spc="0">
                 <a:solidFill>
                   <a:srgbClr val="000000"/>
                 </a:solidFill>
-                <a:latin typeface="Liberation Sans"/>
-                <a:ea typeface="Liberation Sans"/>
-                <a:cs typeface="Liberation Sans"/>
+                <a:latin typeface="Arial"/>
+                <a:ea typeface="Arial"/>
+                <a:cs typeface="Arial"/>
               </a:rPr>
-              <a:t>implementações eficientes</a:t>
+              <a:t>SEX 9:30 - 11:00</a:t>
             </a:r>
+            <a:endParaRPr sz="2400"/>
+          </a:p>
+          <a:p>
+            <a:pPr marL="750014" lvl="1" indent="-349965">
+              <a:buFont typeface="Arial"/>
+              <a:buChar char="•"/>
+              <a:defRPr/>
+            </a:pPr>
             <a:r>
-              <a:rPr sz="2400" b="0" i="0" u="none">
+              <a:rPr lang="en-US" sz="2400" b="0" i="0" u="none" strike="noStrike" cap="none" spc="0">
                 <a:solidFill>
                   <a:srgbClr val="000000"/>
                 </a:solidFill>
-                <a:latin typeface="Liberation Sans"/>
-                <a:ea typeface="Liberation Sans"/>
-                <a:cs typeface="Liberation Sans"/>
+                <a:latin typeface="Arial"/>
+                <a:ea typeface="Arial"/>
+                <a:cs typeface="Arial"/>
               </a:rPr>
-              <a:t> para problemas computacionalmente  difíceis;</a:t>
+              <a:t>SEX 15:30 - 17:00</a:t>
             </a:r>
-            <a:endParaRPr sz="2400" b="0" i="0" u="none">
-              <a:solidFill>
-                <a:srgbClr val="000000"/>
-              </a:solidFill>
-              <a:latin typeface="Liberation Sans"/>
-              <a:ea typeface="Liberation Sans"/>
-              <a:cs typeface="Liberation Sans"/>
-            </a:endParaRPr>
-          </a:p>
-          <a:p>
-            <a:pPr marL="217792" indent="-217792">
-              <a:lnSpc>
-                <a:spcPct val="114999"/>
-              </a:lnSpc>
-              <a:buAutoNum type="arabicPeriod"/>
+            <a:endParaRPr sz="2400"/>
+          </a:p>
+          <a:p>
+            <a:pPr marL="750014" lvl="1" indent="-349965">
+              <a:buFont typeface="Arial"/>
+              <a:buChar char="•"/>
+              <a:defRPr/>
+            </a:pPr>
+            <a:endParaRPr sz="2400"/>
+          </a:p>
+          <a:p>
+            <a:pPr marL="349965" lvl="0" indent="-349965">
+              <a:buFont typeface="Arial"/>
+              <a:buChar char="•"/>
               <a:defRPr/>
             </a:pPr>
             <a:r>
-              <a:rPr sz="2400" b="0" i="0" u="none">
+              <a:rPr lang="en-US" sz="2400" b="0" i="0" u="none" strike="noStrike" cap="none" spc="0">
                 <a:solidFill>
                   <a:srgbClr val="000000"/>
                 </a:solidFill>
-                <a:latin typeface="Liberation Sans"/>
-                <a:ea typeface="Liberation Sans"/>
-                <a:cs typeface="Liberation Sans"/>
+                <a:latin typeface="Arial"/>
+                <a:ea typeface="Arial"/>
+                <a:cs typeface="Arial"/>
               </a:rPr>
-              <a:t> Planejar  e projetar sistemas de computação de alto desempenho, </a:t>
+              <a:t>Emails SEG/TER/QUA 16:00 -  17:00</a:t>
             </a:r>
+            <a:endParaRPr sz="2400"/>
+          </a:p>
+          <a:p>
+            <a:pPr marL="750014" lvl="1" indent="-349965">
+              <a:buFont typeface="Arial"/>
+              <a:buChar char="•"/>
+              <a:defRPr/>
+            </a:pPr>
             <a:r>
-              <a:rPr sz="2400" b="1" i="0" u="none">
+              <a:rPr lang="en-US" sz="2400" b="0" i="0" u="none" strike="noStrike" cap="none" spc="0">
                 <a:solidFill>
                   <a:srgbClr val="000000"/>
                 </a:solidFill>
-                <a:latin typeface="Liberation Sans"/>
-                <a:ea typeface="Liberation Sans"/>
-                <a:cs typeface="Liberation Sans"/>
+                <a:latin typeface="Arial"/>
+                <a:ea typeface="Arial"/>
+                <a:cs typeface="Arial"/>
               </a:rPr>
-              <a:t>escolhendo as tecnologias mais adequadas</a:t>
+              <a:t>Resposta em 2 horários. </a:t>
             </a:r>
             <a:r>
-              <a:rPr sz="2400" b="0" i="0" u="none">
+              <a:rPr lang="en-US" sz="2400" b="0" i="0" u="none" strike="noStrike" cap="none" spc="0">
                 <a:solidFill>
                   <a:srgbClr val="000000"/>
                 </a:solidFill>
-                <a:latin typeface="Liberation Sans"/>
-                <a:ea typeface="Liberation Sans"/>
-                <a:cs typeface="Liberation Sans"/>
+                <a:latin typeface="Arial"/>
+                <a:ea typeface="Arial"/>
+                <a:cs typeface="Arial"/>
               </a:rPr>
-              <a:t> para cada tipo de aplicação;</a:t>
+              <a:t>Não respondi? Me lembre.</a:t>
             </a:r>
-            <a:endParaRPr sz="2400" b="0" i="0" u="none">
-              <a:solidFill>
-                <a:srgbClr val="000000"/>
-              </a:solidFill>
-              <a:latin typeface="Liberation Sans"/>
-              <a:ea typeface="Liberation Sans"/>
-              <a:cs typeface="Liberation Sans"/>
-            </a:endParaRPr>
-          </a:p>
-          <a:p>
-            <a:pPr marL="217792" indent="-217792">
-              <a:lnSpc>
-                <a:spcPct val="114999"/>
-              </a:lnSpc>
-              <a:buAutoNum type="arabicPeriod"/>
-              <a:defRPr/>
-            </a:pPr>
-            <a:r>
-              <a:rPr sz="2400" b="0" i="0" u="none">
-                <a:solidFill>
-                  <a:srgbClr val="000000"/>
-                </a:solidFill>
-                <a:latin typeface="Liberation Sans"/>
-                <a:ea typeface="Liberation Sans"/>
-                <a:cs typeface="Liberation Sans"/>
-              </a:rPr>
-              <a:t> Utilizar  recursos de </a:t>
-            </a:r>
-            <a:r>
-              <a:rPr sz="2400" b="1" i="0" u="none">
-                <a:solidFill>
-                  <a:srgbClr val="000000"/>
-                </a:solidFill>
-                <a:latin typeface="Liberation Sans"/>
-                <a:ea typeface="Liberation Sans"/>
-                <a:cs typeface="Liberation Sans"/>
-              </a:rPr>
-              <a:t>computação multi-core</a:t>
-            </a:r>
-            <a:r>
-              <a:rPr sz="2400" b="0" i="0" u="none">
-                <a:solidFill>
-                  <a:srgbClr val="000000"/>
-                </a:solidFill>
-                <a:latin typeface="Liberation Sans"/>
-                <a:ea typeface="Liberation Sans"/>
-                <a:cs typeface="Liberation Sans"/>
-              </a:rPr>
-              <a:t> para melhorar o desempenho de  programas sequenciais; </a:t>
-            </a:r>
-            <a:endParaRPr sz="2400" b="0" i="0" u="none">
-              <a:solidFill>
-                <a:srgbClr val="000000"/>
-              </a:solidFill>
-              <a:latin typeface="Liberation Sans"/>
-              <a:ea typeface="Liberation Sans"/>
-              <a:cs typeface="Liberation Sans"/>
-            </a:endParaRPr>
-          </a:p>
-          <a:p>
-            <a:pPr marL="217792" indent="-217792">
-              <a:lnSpc>
-                <a:spcPct val="114999"/>
-              </a:lnSpc>
-              <a:buAutoNum type="arabicPeriod"/>
-              <a:defRPr/>
-            </a:pPr>
-            <a:r>
-              <a:rPr sz="2400" b="0" i="0" u="none">
-                <a:solidFill>
-                  <a:srgbClr val="000000"/>
-                </a:solidFill>
-                <a:latin typeface="Liberation Sans"/>
-                <a:ea typeface="Liberation Sans"/>
-                <a:cs typeface="Liberation Sans"/>
-              </a:rPr>
-              <a:t> Implementar algoritmos ingenuamente paralelizáveis em </a:t>
-            </a:r>
-            <a:r>
-              <a:rPr sz="2400" b="1" i="0" u="none">
-                <a:solidFill>
-                  <a:srgbClr val="000000"/>
-                </a:solidFill>
-                <a:latin typeface="Liberation Sans"/>
-                <a:ea typeface="Liberation Sans"/>
-                <a:cs typeface="Liberation Sans"/>
-              </a:rPr>
-              <a:t>GPU</a:t>
-            </a:r>
-            <a:r>
-              <a:rPr sz="2400" b="0" i="0" u="none">
-                <a:solidFill>
-                  <a:srgbClr val="000000"/>
-                </a:solidFill>
-                <a:latin typeface="Liberation Sans"/>
-                <a:ea typeface="Liberation Sans"/>
-                <a:cs typeface="Liberation Sans"/>
-              </a:rPr>
-              <a:t>;</a:t>
-            </a:r>
-            <a:endParaRPr sz="2400" b="0" i="0" u="none">
-              <a:solidFill>
-                <a:srgbClr val="000000"/>
-              </a:solidFill>
-              <a:latin typeface="Liberation Sans"/>
-              <a:ea typeface="Liberation Sans"/>
-              <a:cs typeface="Liberation Sans"/>
-            </a:endParaRPr>
-          </a:p>
-          <a:p>
-            <a:pPr marL="217792" indent="-217792">
-              <a:lnSpc>
-                <a:spcPct val="114999"/>
-              </a:lnSpc>
-              <a:buAutoNum type="arabicPeriod"/>
-              <a:defRPr/>
-            </a:pPr>
-            <a:r>
-              <a:rPr sz="2400" b="0" i="0" u="none">
-                <a:solidFill>
-                  <a:srgbClr val="000000"/>
-                </a:solidFill>
-                <a:latin typeface="Liberation Sans"/>
-                <a:ea typeface="Liberation Sans"/>
-                <a:cs typeface="Liberation Sans"/>
-              </a:rPr>
-              <a:t> Analisar </a:t>
-            </a:r>
-            <a:r>
-              <a:rPr sz="2400" b="1" i="0" u="none">
-                <a:solidFill>
-                  <a:srgbClr val="000000"/>
-                </a:solidFill>
-                <a:latin typeface="Liberation Sans"/>
-                <a:ea typeface="Liberation Sans"/>
-                <a:cs typeface="Liberation Sans"/>
-              </a:rPr>
-              <a:t>resultados de desempenho</a:t>
-            </a:r>
-            <a:r>
-              <a:rPr sz="2400" b="0" i="0" u="none">
-                <a:solidFill>
-                  <a:srgbClr val="000000"/>
-                </a:solidFill>
-                <a:latin typeface="Liberation Sans"/>
-                <a:ea typeface="Liberation Sans"/>
-                <a:cs typeface="Liberation Sans"/>
-              </a:rPr>
-              <a:t> levando em conta </a:t>
-            </a:r>
-            <a:r>
-              <a:rPr sz="2400" b="1" i="0" u="none">
-                <a:solidFill>
-                  <a:srgbClr val="000000"/>
-                </a:solidFill>
-                <a:latin typeface="Liberation Sans"/>
-                <a:ea typeface="Liberation Sans"/>
-                <a:cs typeface="Liberation Sans"/>
-              </a:rPr>
-              <a:t>complexidade computacional</a:t>
-            </a:r>
-            <a:r>
-              <a:rPr sz="2400" b="0" i="0" u="none">
-                <a:solidFill>
-                  <a:srgbClr val="000000"/>
-                </a:solidFill>
-                <a:latin typeface="Liberation Sans"/>
-                <a:ea typeface="Liberation Sans"/>
-                <a:cs typeface="Liberation Sans"/>
-              </a:rPr>
-              <a:t> e </a:t>
-            </a:r>
-            <a:r>
-              <a:rPr sz="2400" b="1" i="0" u="none">
-                <a:solidFill>
-                  <a:srgbClr val="000000"/>
-                </a:solidFill>
-                <a:latin typeface="Liberation Sans"/>
-                <a:ea typeface="Liberation Sans"/>
-                <a:cs typeface="Liberation Sans"/>
-              </a:rPr>
-              <a:t>tecnologias usadas</a:t>
-            </a:r>
-            <a:r>
-              <a:rPr sz="2400" b="0" i="0" u="none">
-                <a:solidFill>
-                  <a:srgbClr val="000000"/>
-                </a:solidFill>
-                <a:latin typeface="Liberation Sans"/>
-                <a:ea typeface="Liberation Sans"/>
-                <a:cs typeface="Liberation Sans"/>
-              </a:rPr>
-              <a:t> na implementação.</a:t>
-            </a:r>
-            <a:endParaRPr sz="1200" b="0" i="0" u="none">
+            <a:endParaRPr lang="en-US" sz="2400" b="0" i="0" u="none" strike="noStrike" cap="none" spc="0">
               <a:solidFill>
                 <a:srgbClr val="000000"/>
               </a:solidFill>
@@ -27845,6 +29402,119 @@
               <a:ea typeface="Arial"/>
               <a:cs typeface="Arial"/>
             </a:endParaRPr>
+          </a:p>
+          <a:p>
+            <a:pPr marL="750015" lvl="1" indent="-349965">
+              <a:buFont typeface="Arial"/>
+              <a:buChar char="•"/>
+              <a:defRPr/>
+            </a:pPr>
+            <a:r>
+              <a:rPr lang="en-US" sz="2400" b="0" i="0" u="none" strike="noStrike" cap="none" spc="0">
+                <a:solidFill>
+                  <a:srgbClr val="000000"/>
+                </a:solidFill>
+                <a:latin typeface="Arial"/>
+                <a:ea typeface="Arial"/>
+                <a:cs typeface="Arial"/>
+              </a:rPr>
+              <a:t>Responsabilidade compartilhada.</a:t>
+            </a:r>
+            <a:endParaRPr lang="en-US" sz="2400" b="0" i="0" u="none" strike="noStrike" cap="none" spc="0">
+              <a:solidFill>
+                <a:srgbClr val="000000"/>
+              </a:solidFill>
+              <a:latin typeface="Arial"/>
+              <a:ea typeface="Arial"/>
+              <a:cs typeface="Arial"/>
+            </a:endParaRPr>
+          </a:p>
+          <a:p>
+            <a:pPr marL="750015" lvl="1" indent="-349965">
+              <a:buFont typeface="Arial"/>
+              <a:buChar char="•"/>
+              <a:defRPr/>
+            </a:pPr>
+            <a:r>
+              <a:rPr lang="en-US" sz="2400" b="0" i="0" u="none" strike="noStrike" cap="none" spc="0">
+                <a:solidFill>
+                  <a:srgbClr val="000000"/>
+                </a:solidFill>
+                <a:latin typeface="Arial"/>
+                <a:ea typeface="Arial"/>
+                <a:cs typeface="Arial"/>
+              </a:rPr>
+              <a:t>E-mail é para discussão de algoritmos, não código.</a:t>
+            </a:r>
+            <a:endParaRPr lang="en-US" sz="2400" b="0" i="0" u="none" strike="noStrike" cap="none" spc="0">
+              <a:solidFill>
+                <a:srgbClr val="000000"/>
+              </a:solidFill>
+              <a:latin typeface="Arial"/>
+              <a:ea typeface="Arial"/>
+              <a:cs typeface="Arial"/>
+            </a:endParaRPr>
+          </a:p>
+          <a:p>
+            <a:pPr marL="349965" lvl="0" indent="-349965">
+              <a:buFont typeface="Arial"/>
+              <a:buChar char="•"/>
+              <a:defRPr/>
+            </a:pPr>
+            <a:endParaRPr lang="en-US" sz="2400" b="0" i="0" u="none" strike="noStrike" cap="none" spc="0">
+              <a:solidFill>
+                <a:srgbClr val="000000"/>
+              </a:solidFill>
+              <a:latin typeface="Arial"/>
+              <a:ea typeface="Arial"/>
+              <a:cs typeface="Arial"/>
+            </a:endParaRPr>
+          </a:p>
+          <a:p>
+            <a:pPr marL="349965" lvl="0" indent="-349965">
+              <a:buFont typeface="Arial"/>
+              <a:buChar char="•"/>
+              <a:defRPr/>
+            </a:pPr>
+            <a:r>
+              <a:rPr lang="en-US" sz="2400" b="0" i="0" u="none" strike="noStrike" cap="none" spc="0">
+                <a:solidFill>
+                  <a:srgbClr val="000000"/>
+                </a:solidFill>
+                <a:latin typeface="Arial"/>
+                <a:ea typeface="Arial"/>
+                <a:cs typeface="Arial"/>
+              </a:rPr>
+              <a:t>Chat do Teams não conta como meio de comunicação.</a:t>
+            </a:r>
+            <a:endParaRPr lang="en-US" sz="2400" b="0" i="0" u="none" strike="noStrike" cap="none" spc="0">
+              <a:solidFill>
+                <a:srgbClr val="000000"/>
+              </a:solidFill>
+              <a:latin typeface="Arial"/>
+              <a:ea typeface="Arial"/>
+              <a:cs typeface="Arial"/>
+            </a:endParaRPr>
+          </a:p>
+          <a:p>
+            <a:pPr marL="349965" lvl="0" indent="-349965">
+              <a:buFont typeface="Arial"/>
+              <a:buChar char="•"/>
+              <a:defRPr/>
+            </a:pPr>
+            <a:endParaRPr sz="2400"/>
+          </a:p>
+          <a:p>
+            <a:pPr marL="349965" lvl="0" indent="-349965">
+              <a:buFont typeface="Arial"/>
+              <a:buChar char="•"/>
+              <a:defRPr/>
+            </a:pPr>
+            <a:r>
+              <a:rPr lang="en-US" sz="2400"/>
+              <a:t>Posso pedir no email para resolver no atendimento.</a:t>
+            </a:r>
+            <a:endParaRPr lang="en-US" sz="2400"/>
           </a:p>
         </p:txBody>
       </p:sp>
@@ -27890,7 +29560,7 @@
         <p:spPr bwMode="auto">
           <a:xfrm>
             <a:off x="457200" y="781200"/>
-            <a:ext cx="8228399" cy="617999"/>
+            <a:ext cx="8228398" cy="617998"/>
           </a:xfrm>
           <a:prstGeom prst="rect">
             <a:avLst/>
@@ -27928,7 +29598,7 @@
                 <a:ea typeface="Verdana"/>
                 <a:cs typeface="Verdana"/>
               </a:rPr>
-              <a:t>Avaliação</a:t>
+              <a:t>Gabaritos e respostas</a:t>
             </a:r>
             <a:endParaRPr sz="3200" b="0" i="0" u="none" strike="noStrike" cap="none">
               <a:solidFill>
@@ -27950,7 +29620,7 @@
         <p:spPr bwMode="auto">
           <a:xfrm>
             <a:off x="162000" y="85680"/>
-            <a:ext cx="7228499" cy="351299"/>
+            <a:ext cx="7228498" cy="351298"/>
           </a:xfrm>
           <a:prstGeom prst="rect">
             <a:avLst/>
@@ -27961,7 +29631,7 @@
           </a:ln>
         </p:spPr>
         <p:txBody>
-          <a:bodyPr spcFirstLastPara="1" wrap="square" lIns="91424" tIns="91424" rIns="91424" bIns="91424" anchor="ctr" anchorCtr="0">
+          <a:bodyPr spcFirstLastPara="1" wrap="square" lIns="91422" tIns="91422" rIns="91422" bIns="91422" anchor="ctr" anchorCtr="0">
             <a:noAutofit/>
           </a:bodyPr>
           <a:lstStyle/>
@@ -27989,7 +29659,7 @@
         <p:spPr bwMode="auto">
           <a:xfrm>
             <a:off x="84240" y="6402240"/>
-            <a:ext cx="640499" cy="363898"/>
+            <a:ext cx="640498" cy="363897"/>
           </a:xfrm>
           <a:prstGeom prst="rect">
             <a:avLst/>
@@ -28018,7 +29688,7 @@
               <a:buNone/>
               <a:defRPr/>
             </a:pPr>
-            <a:fld id="{09359D87-43C2-9BBA-F57A-62BDA9F50BC4}" type="slidenum">
+            <a:fld id="{53A84FDD-9C05-38B8-BA2B-4A65F846085F}" type="slidenum">
               <a:rPr lang="pt-BR" sz="1000" b="0" i="0" u="none" strike="noStrike" cap="none">
                 <a:solidFill>
                   <a:srgbClr val="B2B2B2"/>
@@ -28051,7 +29721,7 @@
         <p:spPr bwMode="auto">
           <a:xfrm>
             <a:off x="576000" y="1728000"/>
-            <a:ext cx="8228399" cy="4443300"/>
+            <a:ext cx="8228398" cy="4443300"/>
           </a:xfrm>
           <a:prstGeom prst="rect">
             <a:avLst/>
@@ -28080,7 +29750,7 @@
               <a:defRPr/>
             </a:pPr>
             <a:r>
-              <a:rPr lang="pt-BR" sz="2400" b="0" i="0" u="none" strike="noStrike" cap="none">
+              <a:rPr lang="pt-BR" sz="2400" b="0" i="0" u="none" strike="noStrike" cap="none" spc="0">
                 <a:solidFill>
                   <a:schemeClr val="dk1"/>
                 </a:solidFill>
@@ -28088,35 +29758,10 @@
                 <a:ea typeface="Arial"/>
                 <a:cs typeface="Arial"/>
               </a:rPr>
-              <a:t>Média Final:</a:t>
+              <a:t>O curso não tem gabaritos e respostas dos exercícios</a:t>
             </a:r>
-            <a:endParaRPr sz="2400">
-              <a:solidFill>
-                <a:schemeClr val="dk1"/>
-              </a:solidFill>
-            </a:endParaRPr>
-          </a:p>
-          <a:p>
-            <a:pPr marL="514348" marR="0" lvl="0" indent="-380999" algn="l">
-              <a:lnSpc>
-                <a:spcPct val="150000"/>
-              </a:lnSpc>
-              <a:spcBef>
-                <a:spcPts val="1133"/>
-              </a:spcBef>
-              <a:spcAft>
-                <a:spcPts val="0"/>
-              </a:spcAft>
-              <a:buClr>
-                <a:schemeClr val="dk1"/>
-              </a:buClr>
-              <a:buSzPts val="2400"/>
-              <a:buFont typeface="Arial"/>
-              <a:buChar char="•"/>
-              <a:defRPr/>
-            </a:pPr>
             <a:r>
-              <a:rPr lang="pt-BR" sz="2400" b="0" i="0" u="none" strike="noStrike" cap="none">
+              <a:rPr lang="pt-BR" sz="2400" b="0" i="0" u="none" strike="noStrike" cap="none" spc="0">
                 <a:solidFill>
                   <a:schemeClr val="dk1"/>
                 </a:solidFill>
@@ -28124,10 +29769,56 @@
                 <a:ea typeface="Arial"/>
                 <a:cs typeface="Arial"/>
               </a:rPr>
-              <a:t>Projeto = 55</a:t>
+              <a:t>. Isto tem duas razões pedagógicas:</a:t>
             </a:r>
+            <a:endParaRPr lang="pt-BR" sz="2400" b="0" i="0" u="none" strike="noStrike" cap="none" spc="0">
+              <a:solidFill>
+                <a:schemeClr val="dk1"/>
+              </a:solidFill>
+              <a:latin typeface="Arial"/>
+              <a:ea typeface="Arial"/>
+              <a:cs typeface="Arial"/>
+            </a:endParaRPr>
+          </a:p>
+          <a:p>
+            <a:pPr marL="349965" lvl="0" indent="-349965" algn="l">
+              <a:lnSpc>
+                <a:spcPct val="150000"/>
+              </a:lnSpc>
+              <a:spcBef>
+                <a:spcPts val="0"/>
+              </a:spcBef>
+              <a:spcAft>
+                <a:spcPts val="0"/>
+              </a:spcAft>
+              <a:buAutoNum type="arabicPeriod"/>
+              <a:defRPr/>
+            </a:pPr>
+            <a:endParaRPr lang="pt-BR" sz="2400" b="0" i="0" u="none" strike="noStrike" cap="none" spc="0">
+              <a:solidFill>
+                <a:schemeClr val="dk1"/>
+              </a:solidFill>
+              <a:latin typeface="Arial"/>
+              <a:ea typeface="Arial"/>
+              <a:cs typeface="Arial"/>
+            </a:endParaRPr>
+          </a:p>
+          <a:p>
+            <a:pPr marL="349965" lvl="0" indent="-349965" algn="l">
+              <a:lnSpc>
+                <a:spcPct val="150000"/>
+              </a:lnSpc>
+              <a:spcBef>
+                <a:spcPts val="0"/>
+              </a:spcBef>
+              <a:spcAft>
+                <a:spcPts val="0"/>
+              </a:spcAft>
+              <a:buAutoNum type="arabicPeriod"/>
+              <a:defRPr/>
+            </a:pPr>
             <a:r>
-              <a:rPr lang="pt-BR" sz="2400" b="0" i="0" u="none" strike="noStrike" cap="none">
+              <a:rPr lang="pt-BR" sz="2400" b="0" i="0" u="none" strike="noStrike" cap="none" spc="0">
                 <a:solidFill>
                   <a:schemeClr val="dk1"/>
                 </a:solidFill>
@@ -28135,31 +29826,33 @@
                 <a:ea typeface="Arial"/>
                 <a:cs typeface="Arial"/>
               </a:rPr>
-              <a:t>%	</a:t>
+              <a:t>Copiar e colar atrapalha memorização e cria ilusão de aprendizado. </a:t>
             </a:r>
-            <a:endParaRPr sz="2400"/>
-          </a:p>
-          <a:p>
-            <a:pPr marL="514348" marR="0" lvl="0" indent="-380999" algn="l">
+            <a:endParaRPr lang="pt-BR" sz="2400" b="0" i="0" u="none" strike="noStrike" cap="none" spc="0">
+              <a:solidFill>
+                <a:schemeClr val="dk1"/>
+              </a:solidFill>
+              <a:latin typeface="Arial"/>
+              <a:ea typeface="Arial"/>
+              <a:cs typeface="Arial"/>
+            </a:endParaRPr>
+          </a:p>
+          <a:p>
+            <a:pPr marL="349965" lvl="0" indent="-349965" algn="l">
               <a:lnSpc>
                 <a:spcPct val="150000"/>
               </a:lnSpc>
               <a:spcBef>
-                <a:spcPts val="1133"/>
-              </a:spcBef>
-              <a:spcAft>
-                <a:spcPts val="0"/>
-              </a:spcAft>
-              <a:buClr>
-                <a:schemeClr val="dk1"/>
-              </a:buClr>
-              <a:buSzPts val="2400"/>
-              <a:buFont typeface="Arial"/>
-              <a:buChar char="•"/>
+                <a:spcPts val="0"/>
+              </a:spcBef>
+              <a:spcAft>
+                <a:spcPts val="0"/>
+              </a:spcAft>
+              <a:buAutoNum type="arabicPeriod"/>
               <a:defRPr/>
             </a:pPr>
             <a:r>
-              <a:rPr lang="pt-BR" sz="2400" b="0" i="0" u="none" strike="noStrike" cap="none">
+              <a:rPr lang="pt-BR" sz="2400" b="0" i="0" u="none" strike="noStrike" cap="none" spc="0">
                 <a:solidFill>
                   <a:schemeClr val="dk1"/>
                 </a:solidFill>
@@ -28167,28 +29860,9 @@
                 <a:ea typeface="Arial"/>
                 <a:cs typeface="Arial"/>
               </a:rPr>
-              <a:t>Provas = </a:t>
+              <a:t>Curso foca em algoritmos e em sua implementação eficiente.</a:t>
             </a:r>
-            <a:r>
-              <a:rPr lang="pt-BR" sz="2400">
-                <a:solidFill>
-                  <a:schemeClr val="dk1"/>
-                </a:solidFill>
-              </a:rPr>
-              <a:t>45</a:t>
-            </a:r>
-            <a:r>
-              <a:rPr lang="pt-BR" sz="2400" b="0" i="0" u="none" strike="noStrike" cap="none">
-                <a:solidFill>
-                  <a:schemeClr val="dk1"/>
-                </a:solidFill>
-                <a:latin typeface="Arial"/>
-                <a:ea typeface="Arial"/>
-                <a:cs typeface="Arial"/>
-              </a:rPr>
-              <a:t>%	</a:t>
-            </a:r>
-            <a:endParaRPr sz="2400" b="0" i="0" u="none" strike="noStrike" cap="none">
+            <a:endParaRPr lang="pt-BR" sz="2400" b="0" i="0" u="none" strike="noStrike" cap="none" spc="0">
               <a:solidFill>
                 <a:schemeClr val="dk1"/>
               </a:solidFill>
@@ -28198,47 +29872,12 @@
             </a:endParaRPr>
           </a:p>
           <a:p>
-            <a:pPr lvl="0" algn="l">
-              <a:lnSpc>
-                <a:spcPct val="150000"/>
-              </a:lnSpc>
-              <a:spcBef>
-                <a:spcPts val="1700"/>
-              </a:spcBef>
-              <a:spcAft>
-                <a:spcPts val="0"/>
-              </a:spcAft>
-              <a:defRPr/>
-            </a:pPr>
-            <a:r>
-              <a:rPr sz="2400" u="sng">
-                <a:solidFill>
-                  <a:schemeClr val="dk1"/>
-                </a:solidFill>
-              </a:rPr>
-              <a:t>Condições</a:t>
-            </a:r>
-            <a:r>
-              <a:rPr sz="2400">
-                <a:solidFill>
-                  <a:schemeClr val="dk1"/>
-                </a:solidFill>
-              </a:rPr>
-              <a:t>:</a:t>
-            </a:r>
-            <a:endParaRPr sz="2400">
-              <a:solidFill>
-                <a:schemeClr val="dk1"/>
-              </a:solidFill>
-            </a:endParaRPr>
-          </a:p>
-          <a:p>
             <a:pPr marL="349965" lvl="0" indent="-349965" algn="l">
               <a:lnSpc>
                 <a:spcPct val="150000"/>
               </a:lnSpc>
               <a:spcBef>
-                <a:spcPts val="1700"/>
+                <a:spcPts val="0"/>
               </a:spcBef>
               <a:spcAft>
                 <a:spcPts val="0"/>
@@ -28246,18 +29885,13 @@
               <a:buAutoNum type="arabicPeriod"/>
               <a:defRPr/>
             </a:pPr>
-            <a:r>
-              <a:rPr sz="2400">
-                <a:solidFill>
-                  <a:schemeClr val="dk1"/>
-                </a:solidFill>
-              </a:rPr>
-              <a:t>Média provas &gt;= 4,5</a:t>
-            </a:r>
-            <a:endParaRPr sz="2400">
+            <a:endParaRPr lang="pt-BR" sz="2400" b="0" i="0" u="none" strike="noStrike" cap="none" spc="0">
               <a:solidFill>
                 <a:schemeClr val="dk1"/>
               </a:solidFill>
+              <a:latin typeface="Arial"/>
+              <a:ea typeface="Arial"/>
+              <a:cs typeface="Arial"/>
             </a:endParaRPr>
           </a:p>
           <a:p>
@@ -28266,26 +29900,22 @@
                 <a:spcPct val="150000"/>
               </a:lnSpc>
               <a:spcBef>
-                <a:spcPts val="1700"/>
-              </a:spcBef>
-              <a:spcAft>
-                <a:spcPts val="0"/>
-              </a:spcAft>
-              <a:buAutoNum type="arabicPeriod"/>
-              <a:defRPr/>
-            </a:pPr>
-            <a:r>
-              <a:rPr sz="2400">
-                <a:solidFill>
-                  <a:schemeClr val="dk1"/>
-                </a:solidFill>
-              </a:rPr>
-              <a:t>PI e PF &gt;= 4</a:t>
-            </a:r>
-            <a:endParaRPr sz="2400">
+                <a:spcPts val="0"/>
+              </a:spcBef>
+              <a:spcAft>
+                <a:spcPts val="0"/>
+              </a:spcAft>
+              <a:buFont typeface="Arial"/>
+              <a:buChar char="•"/>
+              <a:defRPr/>
+            </a:pPr>
+            <a:endParaRPr lang="pt-BR" sz="2400" b="0" i="0" u="none" strike="noStrike" cap="none" spc="0">
               <a:solidFill>
                 <a:schemeClr val="dk1"/>
               </a:solidFill>
+              <a:latin typeface="Arial"/>
+              <a:ea typeface="Arial"/>
+              <a:cs typeface="Arial"/>
             </a:endParaRPr>
           </a:p>
           <a:p>
@@ -28294,46 +29924,93 @@
                 <a:spcPct val="150000"/>
               </a:lnSpc>
               <a:spcBef>
-                <a:spcPts val="1700"/>
-              </a:spcBef>
-              <a:spcAft>
-                <a:spcPts val="0"/>
-              </a:spcAft>
-              <a:buAutoNum type="arabicPeriod"/>
-              <a:defRPr/>
-            </a:pPr>
-            <a:r>
-              <a:rPr sz="2400">
-                <a:solidFill>
-                  <a:schemeClr val="dk1"/>
-                </a:solidFill>
-              </a:rPr>
-              <a:t>Projeto &gt;= 5</a:t>
-            </a:r>
-            <a:endParaRPr sz="2400">
+                <a:spcPts val="0"/>
+              </a:spcBef>
+              <a:spcAft>
+                <a:spcPts val="0"/>
+              </a:spcAft>
+              <a:buFont typeface="Arial"/>
+              <a:buChar char="•"/>
+              <a:defRPr/>
+            </a:pPr>
+            <a:endParaRPr lang="pt-BR" sz="2400" b="0" i="0" u="none" strike="noStrike" cap="none" spc="0">
               <a:solidFill>
                 <a:schemeClr val="dk1"/>
               </a:solidFill>
+              <a:latin typeface="Arial"/>
+              <a:ea typeface="Arial"/>
+              <a:cs typeface="Arial"/>
             </a:endParaRPr>
           </a:p>
           <a:p>
-            <a:pPr marL="807165" lvl="0" indent="-349965" algn="l">
+            <a:pPr marL="349965" lvl="0" indent="-349965" algn="l">
               <a:lnSpc>
                 <a:spcPct val="150000"/>
               </a:lnSpc>
               <a:spcBef>
-                <a:spcPts val="1700"/>
-              </a:spcBef>
-              <a:spcAft>
-                <a:spcPts val="0"/>
-              </a:spcAft>
-              <a:buAutoNum type="arabicPeriod"/>
-              <a:defRPr/>
-            </a:pPr>
-            <a:endParaRPr sz="2400">
+                <a:spcPts val="0"/>
+              </a:spcBef>
+              <a:spcAft>
+                <a:spcPts val="0"/>
+              </a:spcAft>
+              <a:buFont typeface="Arial"/>
+              <a:buChar char="•"/>
+              <a:defRPr/>
+            </a:pPr>
+            <a:endParaRPr lang="pt-BR" sz="2400" b="0" i="0" u="none" strike="noStrike" cap="none" spc="0">
               <a:solidFill>
                 <a:schemeClr val="dk1"/>
               </a:solidFill>
+              <a:latin typeface="Arial"/>
+              <a:ea typeface="Arial"/>
+              <a:cs typeface="Arial"/>
+            </a:endParaRPr>
+          </a:p>
+          <a:p>
+            <a:pPr marL="349965" lvl="0" indent="-349965" algn="l">
+              <a:lnSpc>
+                <a:spcPct val="150000"/>
+              </a:lnSpc>
+              <a:spcBef>
+                <a:spcPts val="0"/>
+              </a:spcBef>
+              <a:spcAft>
+                <a:spcPts val="0"/>
+              </a:spcAft>
+              <a:buFont typeface="Arial"/>
+              <a:buChar char="•"/>
+              <a:defRPr/>
+            </a:pPr>
+            <a:endParaRPr lang="pt-BR" sz="2400" b="0" i="0" u="sng" strike="noStrike" cap="none">
+              <a:solidFill>
+                <a:schemeClr val="dk1"/>
+              </a:solidFill>
+              <a:latin typeface="Arial"/>
+              <a:ea typeface="Arial"/>
+              <a:cs typeface="Arial"/>
+            </a:endParaRPr>
+          </a:p>
+          <a:p>
+            <a:pPr marL="349965" lvl="0" indent="-349965" algn="l">
+              <a:lnSpc>
+                <a:spcPct val="150000"/>
+              </a:lnSpc>
+              <a:spcBef>
+                <a:spcPts val="0"/>
+              </a:spcBef>
+              <a:spcAft>
+                <a:spcPts val="0"/>
+              </a:spcAft>
+              <a:buAutoNum type="arabicPeriod"/>
+              <a:defRPr/>
+            </a:pPr>
+            <a:endParaRPr lang="pt-BR" sz="2400" b="0" i="0" u="none" strike="noStrike" cap="none">
+              <a:solidFill>
+                <a:schemeClr val="dk1"/>
+              </a:solidFill>
+              <a:latin typeface="Arial"/>
+              <a:ea typeface="Arial"/>
+              <a:cs typeface="Arial"/>
             </a:endParaRPr>
           </a:p>
         </p:txBody>
@@ -28380,7 +30057,7 @@
         <p:spPr bwMode="auto">
           <a:xfrm>
             <a:off x="457200" y="781200"/>
-            <a:ext cx="8228399" cy="617999"/>
+            <a:ext cx="8228398" cy="617998"/>
           </a:xfrm>
           <a:prstGeom prst="rect">
             <a:avLst/>
@@ -28418,7 +30095,7 @@
                 <a:ea typeface="Verdana"/>
                 <a:cs typeface="Verdana"/>
               </a:rPr>
-              <a:t>Avaliação (DELTA provas)</a:t>
+              <a:t>Gabaritos e respostas</a:t>
             </a:r>
             <a:endParaRPr sz="3200" b="0" i="0" u="none" strike="noStrike" cap="none">
               <a:solidFill>
@@ -28440,7 +30117,7 @@
         <p:spPr bwMode="auto">
           <a:xfrm>
             <a:off x="162000" y="85680"/>
-            <a:ext cx="7228499" cy="351299"/>
+            <a:ext cx="7228498" cy="351298"/>
           </a:xfrm>
           <a:prstGeom prst="rect">
             <a:avLst/>
@@ -28451,7 +30128,7 @@
           </a:ln>
         </p:spPr>
         <p:txBody>
-          <a:bodyPr spcFirstLastPara="1" wrap="square" lIns="91424" tIns="91424" rIns="91424" bIns="91424" anchor="ctr" anchorCtr="0">
+          <a:bodyPr spcFirstLastPara="1" wrap="square" lIns="91422" tIns="91422" rIns="91422" bIns="91422" anchor="ctr" anchorCtr="0">
             <a:noAutofit/>
           </a:bodyPr>
           <a:lstStyle/>
@@ -28479,7 +30156,7 @@
         <p:spPr bwMode="auto">
           <a:xfrm>
             <a:off x="84240" y="6402240"/>
-            <a:ext cx="640499" cy="363898"/>
+            <a:ext cx="640498" cy="363897"/>
           </a:xfrm>
           <a:prstGeom prst="rect">
             <a:avLst/>
@@ -28508,7 +30185,7 @@
               <a:buNone/>
               <a:defRPr/>
             </a:pPr>
-            <a:fld id="{34BDEE74-B914-C585-58B8-E73AA558109A}" type="slidenum">
+            <a:fld id="{D17033E2-5F31-93CB-041B-8332F96D82BD}" type="slidenum">
               <a:rPr lang="pt-BR" sz="1000" b="0" i="0" u="none" strike="noStrike" cap="none">
                 <a:solidFill>
                   <a:srgbClr val="B2B2B2"/>
@@ -28541,7 +30218,7 @@
         <p:spPr bwMode="auto">
           <a:xfrm>
             <a:off x="576000" y="1728000"/>
-            <a:ext cx="8228399" cy="4443300"/>
+            <a:ext cx="8228398" cy="4443300"/>
           </a:xfrm>
           <a:prstGeom prst="rect">
             <a:avLst/>
@@ -28562,7 +30239,7 @@
                 <a:spcPct val="150000"/>
               </a:lnSpc>
               <a:spcBef>
-                <a:spcPts val="1700"/>
+                <a:spcPts val="0"/>
               </a:spcBef>
               <a:spcAft>
                 <a:spcPts val="0"/>
@@ -28570,17 +30247,23 @@
               <a:defRPr/>
             </a:pPr>
             <a:r>
-              <a:rPr sz="2400">
+              <a:rPr lang="pt-BR" sz="2300" b="0" i="0" u="none" strike="noStrike" cap="none" spc="0">
                 <a:solidFill>
                   <a:schemeClr val="dk1"/>
                 </a:solidFill>
+                <a:latin typeface="Arial"/>
+                <a:ea typeface="Arial"/>
+                <a:cs typeface="Arial"/>
               </a:rPr>
-              <a:t>Se (PI &lt; 4 E PF &gt;= 5) OU (PI &gt;= 5 E PF &lt; 4):</a:t>
+              <a:t>Para cada aluno acompanhar seu progresso será oferecido:</a:t>
             </a:r>
-            <a:endParaRPr sz="2400">
+            <a:endParaRPr sz="2300" b="0" i="0" u="none" strike="noStrike" cap="none" spc="0">
               <a:solidFill>
                 <a:schemeClr val="dk1"/>
               </a:solidFill>
+              <a:latin typeface="Arial"/>
+              <a:ea typeface="Arial"/>
+              <a:cs typeface="Arial"/>
             </a:endParaRPr>
           </a:p>
           <a:p>
@@ -28589,7 +30272,7 @@
                 <a:spcPct val="150000"/>
               </a:lnSpc>
               <a:spcBef>
-                <a:spcPts val="1700"/>
+                <a:spcPts val="0"/>
               </a:spcBef>
               <a:spcAft>
                 <a:spcPts val="0"/>
@@ -28597,18 +30280,13 @@
               <a:buAutoNum type="arabicPeriod"/>
               <a:defRPr/>
             </a:pPr>
-            <a:r>
-              <a:rPr sz="2400">
-                <a:solidFill>
-                  <a:schemeClr val="dk1"/>
-                </a:solidFill>
-              </a:rPr>
-              <a:t>Aluno faz uma nova prova PD no dia da SUB relativa a avaliação em que tirou nota menor que 4.</a:t>
-            </a:r>
-            <a:endParaRPr sz="2400">
+            <a:endParaRPr sz="2300" b="0" i="0" u="none" strike="noStrike" cap="none" spc="0">
               <a:solidFill>
                 <a:schemeClr val="dk1"/>
               </a:solidFill>
+              <a:latin typeface="Arial"/>
+              <a:ea typeface="Arial"/>
+              <a:cs typeface="Arial"/>
             </a:endParaRPr>
           </a:p>
           <a:p>
@@ -28617,7 +30295,7 @@
                 <a:spcPct val="150000"/>
               </a:lnSpc>
               <a:spcBef>
-                <a:spcPts val="1700"/>
+                <a:spcPts val="0"/>
               </a:spcBef>
               <a:spcAft>
                 <a:spcPts val="0"/>
@@ -28626,17 +30304,232 @@
               <a:defRPr/>
             </a:pPr>
             <a:r>
-              <a:rPr sz="2400">
+              <a:rPr lang="pt-BR" sz="2300" b="0" i="0" u="none" strike="noStrike" cap="none" spc="0">
                 <a:solidFill>
                   <a:schemeClr val="dk1"/>
                 </a:solidFill>
+                <a:latin typeface="Arial"/>
+                <a:ea typeface="Arial"/>
+                <a:cs typeface="Arial"/>
               </a:rPr>
-              <a:t>Critério de barreira de provas é cumprido se PD &gt;= 5.</a:t>
+              <a:t>Arquivos com entrada e saída esperada para todo exercício. Alguns virão com testes automatizados;</a:t>
             </a:r>
-            <a:endParaRPr sz="2400">
+            <a:endParaRPr lang="pt-BR" sz="2300" b="0" i="0" u="none" strike="noStrike" cap="none" spc="0">
               <a:solidFill>
                 <a:schemeClr val="dk1"/>
               </a:solidFill>
+              <a:latin typeface="Arial"/>
+              <a:ea typeface="Arial"/>
+              <a:cs typeface="Arial"/>
+            </a:endParaRPr>
+          </a:p>
+          <a:p>
+            <a:pPr marL="349965" lvl="0" indent="-349965" algn="l">
+              <a:lnSpc>
+                <a:spcPct val="150000"/>
+              </a:lnSpc>
+              <a:spcBef>
+                <a:spcPts val="0"/>
+              </a:spcBef>
+              <a:spcAft>
+                <a:spcPts val="0"/>
+              </a:spcAft>
+              <a:buAutoNum type="arabicPeriod"/>
+              <a:defRPr/>
+            </a:pPr>
+            <a:r>
+              <a:rPr lang="pt-BR" sz="2300" b="0" i="0" u="none" strike="noStrike" cap="none" spc="0">
+                <a:solidFill>
+                  <a:schemeClr val="dk1"/>
+                </a:solidFill>
+                <a:latin typeface="Arial"/>
+                <a:ea typeface="Arial"/>
+                <a:cs typeface="Arial"/>
+              </a:rPr>
+              <a:t>Algoritmos em pseudo-código.</a:t>
+            </a:r>
+            <a:endParaRPr lang="pt-BR" sz="2300" b="0" i="0" u="none" strike="noStrike" cap="none" spc="0">
+              <a:solidFill>
+                <a:schemeClr val="dk1"/>
+              </a:solidFill>
+              <a:latin typeface="Arial"/>
+              <a:ea typeface="Arial"/>
+              <a:cs typeface="Arial"/>
+            </a:endParaRPr>
+          </a:p>
+          <a:p>
+            <a:pPr marL="349965" lvl="0" indent="-349965" algn="l">
+              <a:lnSpc>
+                <a:spcPct val="150000"/>
+              </a:lnSpc>
+              <a:spcBef>
+                <a:spcPts val="0"/>
+              </a:spcBef>
+              <a:spcAft>
+                <a:spcPts val="0"/>
+              </a:spcAft>
+              <a:buAutoNum type="arabicPeriod"/>
+              <a:defRPr/>
+            </a:pPr>
+            <a:endParaRPr sz="2300" b="0" i="0" u="none" strike="noStrike" cap="none" spc="0">
+              <a:solidFill>
+                <a:schemeClr val="dk1"/>
+              </a:solidFill>
+              <a:latin typeface="Arial"/>
+              <a:ea typeface="Arial"/>
+              <a:cs typeface="Arial"/>
+            </a:endParaRPr>
+          </a:p>
+          <a:p>
+            <a:pPr lvl="0" algn="ctr">
+              <a:lnSpc>
+                <a:spcPct val="150000"/>
+              </a:lnSpc>
+              <a:spcBef>
+                <a:spcPts val="0"/>
+              </a:spcBef>
+              <a:spcAft>
+                <a:spcPts val="0"/>
+              </a:spcAft>
+              <a:defRPr/>
+            </a:pPr>
+            <a:r>
+              <a:rPr lang="pt-BR" sz="2300" b="1" i="0" u="none" strike="noStrike" cap="none" spc="0">
+                <a:solidFill>
+                  <a:schemeClr val="accent2"/>
+                </a:solidFill>
+                <a:latin typeface="Arial"/>
+                <a:ea typeface="Arial"/>
+                <a:cs typeface="Arial"/>
+              </a:rPr>
+              <a:t>Isso é tudo que um engenheiro da computação precisa para checar se sua solução está correta. </a:t>
+            </a:r>
+            <a:endParaRPr sz="2300" b="0" i="0" u="none" strike="noStrike" cap="none" spc="0">
+              <a:solidFill>
+                <a:schemeClr val="dk1"/>
+              </a:solidFill>
+              <a:latin typeface="Arial"/>
+              <a:ea typeface="Arial"/>
+              <a:cs typeface="Arial"/>
+            </a:endParaRPr>
+          </a:p>
+          <a:p>
+            <a:pPr marL="349965" lvl="0" indent="-349965" algn="l">
+              <a:lnSpc>
+                <a:spcPct val="150000"/>
+              </a:lnSpc>
+              <a:spcBef>
+                <a:spcPts val="0"/>
+              </a:spcBef>
+              <a:spcAft>
+                <a:spcPts val="0"/>
+              </a:spcAft>
+              <a:buFont typeface="Arial"/>
+              <a:buChar char="•"/>
+              <a:defRPr/>
+            </a:pPr>
+            <a:endParaRPr sz="2300" b="0" i="0" u="none" strike="noStrike" cap="none" spc="0">
+              <a:solidFill>
+                <a:schemeClr val="dk1"/>
+              </a:solidFill>
+              <a:latin typeface="Arial"/>
+              <a:ea typeface="Arial"/>
+              <a:cs typeface="Arial"/>
+            </a:endParaRPr>
+          </a:p>
+          <a:p>
+            <a:pPr marL="349965" lvl="0" indent="-349965" algn="l">
+              <a:lnSpc>
+                <a:spcPct val="150000"/>
+              </a:lnSpc>
+              <a:spcBef>
+                <a:spcPts val="0"/>
+              </a:spcBef>
+              <a:spcAft>
+                <a:spcPts val="0"/>
+              </a:spcAft>
+              <a:buFont typeface="Arial"/>
+              <a:buChar char="•"/>
+              <a:defRPr/>
+            </a:pPr>
+            <a:endParaRPr sz="2300" b="0" i="0" u="none" strike="noStrike" cap="none" spc="0">
+              <a:solidFill>
+                <a:schemeClr val="dk1"/>
+              </a:solidFill>
+              <a:latin typeface="Arial"/>
+              <a:ea typeface="Arial"/>
+              <a:cs typeface="Arial"/>
+            </a:endParaRPr>
+          </a:p>
+          <a:p>
+            <a:pPr marL="349965" lvl="0" indent="-349965" algn="l">
+              <a:lnSpc>
+                <a:spcPct val="150000"/>
+              </a:lnSpc>
+              <a:spcBef>
+                <a:spcPts val="0"/>
+              </a:spcBef>
+              <a:spcAft>
+                <a:spcPts val="0"/>
+              </a:spcAft>
+              <a:buFont typeface="Arial"/>
+              <a:buChar char="•"/>
+              <a:defRPr/>
+            </a:pPr>
+            <a:endParaRPr sz="2300" b="0" i="0" u="none" strike="noStrike" cap="none" spc="0">
+              <a:solidFill>
+                <a:schemeClr val="dk1"/>
+              </a:solidFill>
+              <a:latin typeface="Arial"/>
+              <a:ea typeface="Arial"/>
+              <a:cs typeface="Arial"/>
+            </a:endParaRPr>
+          </a:p>
+          <a:p>
+            <a:pPr marL="349965" lvl="0" indent="-349965" algn="l">
+              <a:lnSpc>
+                <a:spcPct val="150000"/>
+              </a:lnSpc>
+              <a:spcBef>
+                <a:spcPts val="0"/>
+              </a:spcBef>
+              <a:spcAft>
+                <a:spcPts val="0"/>
+              </a:spcAft>
+              <a:buFont typeface="Arial"/>
+              <a:buChar char="•"/>
+              <a:defRPr/>
+            </a:pPr>
+            <a:endParaRPr sz="2300" b="0" i="0" u="sng" strike="noStrike" cap="none">
+              <a:solidFill>
+                <a:schemeClr val="dk1"/>
+              </a:solidFill>
+              <a:latin typeface="Arial"/>
+              <a:ea typeface="Arial"/>
+              <a:cs typeface="Arial"/>
+            </a:endParaRPr>
+          </a:p>
+          <a:p>
+            <a:pPr marL="349965" lvl="0" indent="-349965" algn="l">
+              <a:lnSpc>
+                <a:spcPct val="150000"/>
+              </a:lnSpc>
+              <a:spcBef>
+                <a:spcPts val="0"/>
+              </a:spcBef>
+              <a:spcAft>
+                <a:spcPts val="0"/>
+              </a:spcAft>
+              <a:buAutoNum type="arabicPeriod"/>
+              <a:defRPr/>
+            </a:pPr>
+            <a:endParaRPr sz="2300" b="0" i="0" u="none" strike="noStrike" cap="none">
+              <a:solidFill>
+                <a:schemeClr val="dk1"/>
+              </a:solidFill>
+              <a:latin typeface="Arial"/>
+              <a:ea typeface="Arial"/>
+              <a:cs typeface="Arial"/>
             </a:endParaRPr>
           </a:p>
         </p:txBody>
@@ -28676,14 +30569,14 @@
       </p:grpSpPr>
       <p:sp>
         <p:nvSpPr>
-          <p:cNvPr id="4" name="Google Shape;323;p61" hidden="0"/>
+          <p:cNvPr id="4" name="Google Shape;267;p55" hidden="0"/>
           <p:cNvSpPr/>
           <p:nvPr isPhoto="0" userDrawn="0"/>
         </p:nvSpPr>
         <p:spPr bwMode="auto">
           <a:xfrm>
             <a:off x="457200" y="781200"/>
-            <a:ext cx="8228399" cy="617999"/>
+            <a:ext cx="8228520" cy="618120"/>
           </a:xfrm>
           <a:prstGeom prst="rect">
             <a:avLst/>
@@ -28721,7 +30614,7 @@
                 <a:ea typeface="Verdana"/>
                 <a:cs typeface="Verdana"/>
               </a:rPr>
-              <a:t>Avaliação (Projeto)</a:t>
+              <a:t>Objetivos de aprendizagem</a:t>
             </a:r>
             <a:endParaRPr sz="3200" b="0" i="0" u="none" strike="noStrike" cap="none">
               <a:solidFill>
@@ -28736,14 +30629,14 @@
       </p:sp>
       <p:sp>
         <p:nvSpPr>
-          <p:cNvPr id="5" name="Google Shape;324;p61" hidden="0"/>
+          <p:cNvPr id="5" name="Google Shape;268;p55" hidden="0"/>
           <p:cNvSpPr/>
           <p:nvPr isPhoto="0" userDrawn="0"/>
         </p:nvSpPr>
         <p:spPr bwMode="auto">
           <a:xfrm>
             <a:off x="162000" y="85680"/>
-            <a:ext cx="7228499" cy="351299"/>
+            <a:ext cx="7228440" cy="351360"/>
           </a:xfrm>
           <a:prstGeom prst="rect">
             <a:avLst/>
@@ -28754,7 +30647,7 @@
           </a:ln>
         </p:spPr>
         <p:txBody>
-          <a:bodyPr spcFirstLastPara="1" wrap="square" lIns="91424" tIns="91424" rIns="91424" bIns="91424" anchor="ctr" anchorCtr="0">
+          <a:bodyPr spcFirstLastPara="1" wrap="square" lIns="91422" tIns="91422" rIns="91422" bIns="91422" anchor="ctr" anchorCtr="0">
             <a:noAutofit/>
           </a:bodyPr>
           <a:lstStyle/>
@@ -28775,14 +30668,14 @@
       </p:sp>
       <p:sp>
         <p:nvSpPr>
-          <p:cNvPr id="6" name="Google Shape;325;p61" hidden="0"/>
+          <p:cNvPr id="6" name="Google Shape;269;p55" hidden="0"/>
           <p:cNvSpPr/>
           <p:nvPr isPhoto="0" userDrawn="0"/>
         </p:nvSpPr>
         <p:spPr bwMode="auto">
           <a:xfrm>
             <a:off x="84240" y="6402240"/>
-            <a:ext cx="640499" cy="363898"/>
+            <a:ext cx="640440" cy="363960"/>
           </a:xfrm>
           <a:prstGeom prst="rect">
             <a:avLst/>
@@ -28811,7 +30704,7 @@
               <a:buNone/>
               <a:defRPr/>
             </a:pPr>
-            <a:fld id="{EA78D01A-8731-F4F9-F99E-71D2715453B6}" type="slidenum">
+            <a:fld id="{A43C9736-5A48-5F32-EB12-CB63ACF1289E}" type="slidenum">
               <a:rPr lang="pt-BR" sz="1000" b="0" i="0" u="none" strike="noStrike" cap="none">
                 <a:solidFill>
                   <a:srgbClr val="B2B2B2"/>
@@ -28835,16 +30728,16 @@
       </p:sp>
       <p:sp>
         <p:nvSpPr>
-          <p:cNvPr id="7" name="Google Shape;326;p61" hidden="0"/>
+          <p:cNvPr id="7" name="Google Shape;270;p55" hidden="0"/>
           <p:cNvSpPr>
             <a:spLocks noAdjustHandles="0" noChangeArrowheads="0"/>
           </p:cNvSpPr>
           <p:nvPr isPhoto="0" userDrawn="0"/>
         </p:nvSpPr>
         <p:spPr bwMode="auto">
-          <a:xfrm>
-            <a:off x="576000" y="1728000"/>
-            <a:ext cx="8228399" cy="4443300"/>
+          <a:xfrm flipH="0" flipV="0">
+            <a:off x="309228" y="1661758"/>
+            <a:ext cx="8704383" cy="4976431"/>
           </a:xfrm>
           <a:prstGeom prst="rect">
             <a:avLst/>
@@ -28855,218 +30748,155 @@
           </a:ln>
         </p:spPr>
         <p:txBody>
-          <a:bodyPr spcFirstLastPara="1" wrap="square" lIns="90000" tIns="45000" rIns="90000" bIns="45000" anchor="t" anchorCtr="0">
+          <a:bodyPr spcFirstLastPara="1" wrap="square" lIns="91422" tIns="45698" rIns="91422" bIns="45698" anchor="t" anchorCtr="0">
             <a:noAutofit/>
           </a:bodyPr>
           <a:lstStyle/>
           <a:p>
-            <a:pPr marL="349965" lvl="0" indent="-349965" algn="l">
+            <a:pPr marL="217792" indent="-217792">
               <a:lnSpc>
-                <a:spcPct val="150000"/>
+                <a:spcPct val="114999"/>
               </a:lnSpc>
-              <a:spcBef>
-                <a:spcPts val="0"/>
-              </a:spcBef>
-              <a:spcAft>
-                <a:spcPts val="0"/>
-              </a:spcAft>
               <a:buAutoNum type="arabicPeriod"/>
               <a:defRPr/>
             </a:pPr>
             <a:r>
-              <a:rPr lang="pt-BR" sz="2400" b="0" i="0" u="sng" strike="noStrike" cap="none" spc="0">
+              <a:rPr sz="2400" b="0" i="0" u="none">
                 <a:solidFill>
-                  <a:schemeClr val="dk1"/>
+                  <a:srgbClr val="000000"/>
                 </a:solidFill>
-                <a:latin typeface="Arial"/>
-                <a:ea typeface="Arial"/>
-                <a:cs typeface="Arial"/>
+                <a:latin typeface="Liberation Sans"/>
+                <a:ea typeface="Liberation Sans"/>
+                <a:cs typeface="Liberation Sans"/>
               </a:rPr>
-              <a:t>Rubrica D</a:t>
+              <a:t> Criar  implementações eficientes para problemas computacionalmente  difíceis;</a:t>
+            </a:r>
+            <a:endParaRPr sz="2400" b="0" i="0" u="none">
+              <a:solidFill>
+                <a:srgbClr val="000000"/>
+              </a:solidFill>
+              <a:latin typeface="Liberation Sans"/>
+              <a:ea typeface="Liberation Sans"/>
+              <a:cs typeface="Liberation Sans"/>
+            </a:endParaRPr>
+          </a:p>
+          <a:p>
+            <a:pPr marL="217792" indent="-217792">
+              <a:lnSpc>
+                <a:spcPct val="114999"/>
+              </a:lnSpc>
+              <a:buAutoNum type="arabicPeriod"/>
+              <a:defRPr/>
+            </a:pPr>
+            <a:r>
+              <a:rPr sz="2400" b="0" i="0" u="none">
+                <a:solidFill>
+                  <a:srgbClr val="000000"/>
+                </a:solidFill>
+                <a:latin typeface="Liberation Sans"/>
+                <a:ea typeface="Liberation Sans"/>
+                <a:cs typeface="Liberation Sans"/>
+              </a:rPr>
+              <a:t> Planejar  e projetar sistemas de computação de alto desempenho, escolhendo  as tecnologias mais adequadas para cada tipo de aplicação;</a:t>
+            </a:r>
+            <a:endParaRPr sz="2400" b="0" i="0" u="none">
+              <a:solidFill>
+                <a:srgbClr val="000000"/>
+              </a:solidFill>
+              <a:latin typeface="Liberation Sans"/>
+              <a:ea typeface="Liberation Sans"/>
+              <a:cs typeface="Liberation Sans"/>
+            </a:endParaRPr>
+          </a:p>
+          <a:p>
+            <a:pPr marL="217792" indent="-217792">
+              <a:lnSpc>
+                <a:spcPct val="114999"/>
+              </a:lnSpc>
+              <a:buAutoNum type="arabicPeriod"/>
+              <a:defRPr/>
+            </a:pPr>
+            <a:r>
+              <a:rPr sz="2400" b="0" i="0" u="none">
+                <a:solidFill>
+                  <a:srgbClr val="000000"/>
+                </a:solidFill>
+                <a:latin typeface="Liberation Sans"/>
+                <a:ea typeface="Liberation Sans"/>
+                <a:cs typeface="Liberation Sans"/>
+              </a:rPr>
+              <a:t> Utilizar  recursos de computação multi-core para melhorar o desempenho de  programas sequenciais; </a:t>
+            </a:r>
+            <a:endParaRPr sz="2400" b="0" i="0" u="none">
+              <a:solidFill>
+                <a:srgbClr val="000000"/>
+              </a:solidFill>
+              <a:latin typeface="Liberation Sans"/>
+              <a:ea typeface="Liberation Sans"/>
+              <a:cs typeface="Liberation Sans"/>
+            </a:endParaRPr>
+          </a:p>
+          <a:p>
+            <a:pPr marL="217792" indent="-217792">
+              <a:lnSpc>
+                <a:spcPct val="114999"/>
+              </a:lnSpc>
+              <a:buAutoNum type="arabicPeriod"/>
+              <a:defRPr/>
+            </a:pPr>
+            <a:r>
+              <a:rPr sz="2400" b="0" i="0" u="none">
+                <a:solidFill>
+                  <a:srgbClr val="000000"/>
+                </a:solidFill>
+                <a:latin typeface="Liberation Sans"/>
+                <a:ea typeface="Liberation Sans"/>
+                <a:cs typeface="Liberation Sans"/>
+              </a:rPr>
+              <a:t> Implementar  algoritmos ingenuamente paralelizáveis em GPU;</a:t>
+            </a:r>
+            <a:endParaRPr sz="2400" b="0" i="0" u="none">
+              <a:solidFill>
+                <a:srgbClr val="000000"/>
+              </a:solidFill>
+              <a:latin typeface="Liberation Sans"/>
+              <a:ea typeface="Liberation Sans"/>
+              <a:cs typeface="Liberation Sans"/>
+            </a:endParaRPr>
+          </a:p>
+          <a:p>
+            <a:pPr marL="217792" indent="-217792">
+              <a:lnSpc>
+                <a:spcPct val="114999"/>
+              </a:lnSpc>
+              <a:buAutoNum type="arabicPeriod"/>
+              <a:defRPr/>
+            </a:pPr>
+            <a:r>
+              <a:rPr sz="2400" b="0" i="0" u="none">
+                <a:solidFill>
+                  <a:srgbClr val="000000"/>
+                </a:solidFill>
+                <a:latin typeface="Liberation Sans"/>
+                <a:ea typeface="Liberation Sans"/>
+                <a:cs typeface="Liberation Sans"/>
+              </a:rPr>
+              <a:t> Analisar  resultados de desempenho levando em conta complexidade computacional  e </a:t>
             </a:r>
             <a:r>
-              <a:rPr lang="pt-BR" sz="2400" b="0" i="0" u="none" strike="noStrike" cap="none" spc="0">
+              <a:rPr sz="2400" b="0" i="0" u="none">
                 <a:solidFill>
-                  <a:schemeClr val="dk1"/>
+                  <a:srgbClr val="000000"/>
                 </a:solidFill>
-                <a:latin typeface="Arial"/>
-                <a:ea typeface="Arial"/>
-                <a:cs typeface="Arial"/>
+                <a:latin typeface="Liberation Sans"/>
+                <a:ea typeface="Liberation Sans"/>
+                <a:cs typeface="Liberation Sans"/>
               </a:rPr>
-              <a:t>:</a:t>
+              <a:t>tecnologias  usadas na implementação.</a:t>
             </a:r>
-            <a:r>
-              <a:rPr lang="pt-BR" sz="2400" b="0" i="0" u="none" strike="noStrike" cap="none" spc="0">
-                <a:solidFill>
-                  <a:schemeClr val="dk1"/>
-                </a:solidFill>
-                <a:latin typeface="Arial"/>
-                <a:ea typeface="Arial"/>
-                <a:cs typeface="Arial"/>
-              </a:rPr>
-              <a:t> Implementação correta de todas as partes</a:t>
-            </a:r>
-            <a:endParaRPr sz="2400" b="0" i="0" u="none" strike="noStrike" cap="none">
+            <a:endParaRPr sz="1200" b="0" i="0" u="none">
               <a:solidFill>
-                <a:schemeClr val="dk1"/>
-              </a:solidFill>
-              <a:latin typeface="Arial"/>
-              <a:ea typeface="Arial"/>
-              <a:cs typeface="Arial"/>
-            </a:endParaRPr>
-          </a:p>
-          <a:p>
-            <a:pPr marL="349965" lvl="0" indent="-349965" algn="l">
-              <a:lnSpc>
-                <a:spcPct val="150000"/>
-              </a:lnSpc>
-              <a:spcBef>
-                <a:spcPts val="0"/>
-              </a:spcBef>
-              <a:spcAft>
-                <a:spcPts val="0"/>
-              </a:spcAft>
-              <a:buAutoNum type="arabicPeriod"/>
-              <a:defRPr/>
-            </a:pPr>
-            <a:r>
-              <a:rPr lang="pt-BR" sz="2400" b="0" i="0" u="sng" strike="noStrike" cap="none" spc="0">
-                <a:solidFill>
-                  <a:schemeClr val="dk1"/>
-                </a:solidFill>
-                <a:latin typeface="Arial"/>
-                <a:ea typeface="Arial"/>
-                <a:cs typeface="Arial"/>
-              </a:rPr>
-              <a:t>Rubrica C</a:t>
-            </a:r>
-            <a:r>
-              <a:rPr lang="pt-BR" sz="2400" b="0" i="0" u="none" strike="noStrike" cap="none" spc="0">
-                <a:solidFill>
-                  <a:schemeClr val="dk1"/>
-                </a:solidFill>
-                <a:latin typeface="Arial"/>
-                <a:ea typeface="Arial"/>
-                <a:cs typeface="Arial"/>
-              </a:rPr>
-              <a:t>: Relatório feito de acordo com os critérios de aula</a:t>
-            </a:r>
-            <a:endParaRPr sz="2400" b="0" i="0" u="none" strike="noStrike" cap="none">
-              <a:solidFill>
-                <a:schemeClr val="dk1"/>
-              </a:solidFill>
-              <a:latin typeface="Arial"/>
-              <a:ea typeface="Arial"/>
-              <a:cs typeface="Arial"/>
-            </a:endParaRPr>
-          </a:p>
-          <a:p>
-            <a:pPr marL="349965" lvl="0" indent="-349965" algn="l">
-              <a:lnSpc>
-                <a:spcPct val="150000"/>
-              </a:lnSpc>
-              <a:spcBef>
-                <a:spcPts val="0"/>
-              </a:spcBef>
-              <a:spcAft>
-                <a:spcPts val="0"/>
-              </a:spcAft>
-              <a:buAutoNum type="arabicPeriod"/>
-              <a:defRPr/>
-            </a:pPr>
-            <a:r>
-              <a:rPr lang="pt-BR" sz="2400" b="0" i="0" u="sng" strike="noStrike" cap="none">
-                <a:solidFill>
-                  <a:schemeClr val="dk1"/>
-                </a:solidFill>
-                <a:latin typeface="Arial"/>
-                <a:ea typeface="Arial"/>
-                <a:cs typeface="Arial"/>
-              </a:rPr>
-              <a:t>Rubrica B</a:t>
-            </a:r>
-            <a:r>
-              <a:rPr lang="pt-BR" sz="2400" b="0" i="0" u="none" strike="noStrike" cap="none">
-                <a:solidFill>
-                  <a:schemeClr val="dk1"/>
-                </a:solidFill>
-                <a:latin typeface="Arial"/>
-                <a:ea typeface="Arial"/>
-                <a:cs typeface="Arial"/>
-              </a:rPr>
-              <a:t>: Todas as implementações são minimamente eficientes.</a:t>
-            </a:r>
-            <a:endParaRPr lang="pt-BR" sz="2400" b="0" i="0" u="none" strike="noStrike" cap="none">
-              <a:solidFill>
-                <a:schemeClr val="dk1"/>
-              </a:solidFill>
-              <a:latin typeface="Arial"/>
-              <a:ea typeface="Arial"/>
-              <a:cs typeface="Arial"/>
-            </a:endParaRPr>
-          </a:p>
-          <a:p>
-            <a:pPr marL="349965" lvl="0" indent="-349965" algn="l">
-              <a:lnSpc>
-                <a:spcPct val="150000"/>
-              </a:lnSpc>
-              <a:spcBef>
-                <a:spcPts val="0"/>
-              </a:spcBef>
-              <a:spcAft>
-                <a:spcPts val="0"/>
-              </a:spcAft>
-              <a:buAutoNum type="arabicPeriod"/>
-              <a:defRPr/>
-            </a:pPr>
-            <a:r>
-              <a:rPr lang="pt-BR" sz="2400" b="0" i="0" u="sng" strike="noStrike" cap="none">
-                <a:solidFill>
-                  <a:schemeClr val="dk1"/>
-                </a:solidFill>
-                <a:latin typeface="Arial"/>
-                <a:ea typeface="Arial"/>
-                <a:cs typeface="Arial"/>
-              </a:rPr>
-              <a:t>+(3,0)</a:t>
-            </a:r>
-            <a:r>
-              <a:rPr lang="pt-BR" sz="2400" b="0" i="0" u="none" strike="noStrike" cap="none">
-                <a:solidFill>
-                  <a:schemeClr val="dk1"/>
-                </a:solidFill>
-                <a:latin typeface="Arial"/>
-                <a:ea typeface="Arial"/>
-                <a:cs typeface="Arial"/>
-              </a:rPr>
-              <a:t>: Competição de desempenho para cada uma das três partes. </a:t>
-            </a:r>
-            <a:endParaRPr lang="pt-BR" sz="2400" b="0" i="0" u="none" strike="noStrike" cap="none">
-              <a:solidFill>
-                <a:schemeClr val="dk1"/>
-              </a:solidFill>
-              <a:latin typeface="Arial"/>
-              <a:ea typeface="Arial"/>
-              <a:cs typeface="Arial"/>
-            </a:endParaRPr>
-          </a:p>
-          <a:p>
-            <a:pPr marL="349965" lvl="0" indent="-349965" algn="l">
-              <a:lnSpc>
-                <a:spcPct val="150000"/>
-              </a:lnSpc>
-              <a:spcBef>
-                <a:spcPts val="0"/>
-              </a:spcBef>
-              <a:spcAft>
-                <a:spcPts val="0"/>
-              </a:spcAft>
-              <a:buAutoNum type="arabicPeriod"/>
-              <a:defRPr/>
-            </a:pPr>
-            <a:endParaRPr lang="pt-BR" sz="2400" b="0" i="0" u="none" strike="noStrike" cap="none">
-              <a:solidFill>
-                <a:schemeClr val="dk1"/>
+                <a:srgbClr val="000000"/>
               </a:solidFill>
               <a:latin typeface="Arial"/>
               <a:ea typeface="Arial"/>

--- a/aulas/01-introducao/slides.pptx
+++ b/aulas/01-introducao/slides.pptx
@@ -28860,7 +28860,7 @@
         <p:spPr bwMode="auto">
           <a:xfrm flipH="0" flipV="0">
             <a:off x="309228" y="1661757"/>
-            <a:ext cx="8704382" cy="4976430"/>
+            <a:ext cx="8704382" cy="4976429"/>
           </a:xfrm>
           <a:prstGeom prst="rect">
             <a:avLst/>
@@ -28879,8 +28879,23 @@
             <a:pPr>
               <a:defRPr/>
             </a:pPr>
+            <a:endParaRPr lang="en-US" sz="2400" b="0" i="0" u="none" strike="noStrike" cap="none" spc="0">
+              <a:solidFill>
+                <a:srgbClr val="000000"/>
+              </a:solidFill>
+              <a:latin typeface="Arial"/>
+              <a:ea typeface="Arial"/>
+              <a:cs typeface="Arial"/>
+            </a:endParaRPr>
+          </a:p>
+          <a:p>
+            <a:pPr marL="349965" indent="-349965">
+              <a:buFont typeface="Arial"/>
+              <a:buChar char="•"/>
+              <a:defRPr/>
+            </a:pPr>
             <a:r>
-              <a:rPr lang="en-US" sz="2400" b="1" i="0" u="sng" strike="noStrike" cap="none" spc="0">
+              <a:rPr lang="en-US" sz="2400" b="0" i="0" u="none" strike="noStrike" cap="none" spc="0">
                 <a:solidFill>
                   <a:srgbClr val="000000"/>
                 </a:solidFill>
@@ -28888,7 +28903,7 @@
                 <a:ea typeface="Arial"/>
                 <a:cs typeface="Arial"/>
               </a:rPr>
-              <a:t>T1 (remota):</a:t>
+              <a:t>Divisão de turmas será manual</a:t>
             </a:r>
             <a:endParaRPr lang="en-US" sz="2400" b="0" i="0" u="none" strike="noStrike" cap="none" spc="0">
               <a:solidFill>
@@ -28905,6 +28920,21 @@
               <a:buChar char="•"/>
               <a:defRPr/>
             </a:pPr>
+            <a:endParaRPr lang="en-US" sz="2400" b="0" i="0" u="none" strike="noStrike" cap="none" spc="0">
+              <a:solidFill>
+                <a:srgbClr val="000000"/>
+              </a:solidFill>
+              <a:latin typeface="Arial"/>
+              <a:ea typeface="Arial"/>
+              <a:cs typeface="Arial"/>
+            </a:endParaRPr>
+          </a:p>
+          <a:p>
+            <a:pPr marL="349965" indent="-349965">
+              <a:buFont typeface="Arial"/>
+              <a:buChar char="•"/>
+              <a:defRPr/>
+            </a:pPr>
             <a:r>
               <a:rPr lang="en-US" sz="2400" b="0" i="0" u="none" strike="noStrike" cap="none" spc="0">
                 <a:solidFill>
@@ -28914,7 +28944,7 @@
                 <a:ea typeface="Arial"/>
                 <a:cs typeface="Arial"/>
               </a:rPr>
-              <a:t>SuperComputação TER 09:45 SEX 07:30</a:t>
+              <a:t>Faremos conforme as preferências desta pesquisa</a:t>
             </a:r>
             <a:endParaRPr lang="en-US" sz="2400" b="0" i="0" u="none" strike="noStrike" cap="none" spc="0">
               <a:solidFill>
@@ -28931,6 +28961,21 @@
               <a:buChar char="•"/>
               <a:defRPr/>
             </a:pPr>
+            <a:endParaRPr lang="en-US" sz="2400" b="0" i="0" u="none" strike="noStrike" cap="none" spc="0">
+              <a:solidFill>
+                <a:srgbClr val="000000"/>
+              </a:solidFill>
+              <a:latin typeface="Arial"/>
+              <a:ea typeface="Arial"/>
+              <a:cs typeface="Arial"/>
+            </a:endParaRPr>
+          </a:p>
+          <a:p>
+            <a:pPr marL="349965" indent="-349965">
+              <a:buFont typeface="Arial"/>
+              <a:buChar char="•"/>
+              <a:defRPr/>
+            </a:pPr>
             <a:r>
               <a:rPr lang="en-US" sz="2400" b="0" i="0" u="none" strike="noStrike" cap="none" spc="0">
                 <a:solidFill>
@@ -28940,96 +28985,7 @@
                 <a:ea typeface="Arial"/>
                 <a:cs typeface="Arial"/>
               </a:rPr>
-              <a:t>Jogos Digitais QUA 13:30 SEX 13:30</a:t>
-            </a:r>
-            <a:endParaRPr lang="en-US" sz="2400" b="0" i="0" u="none" strike="noStrike" cap="none" spc="0">
-              <a:solidFill>
-                <a:srgbClr val="000000"/>
-              </a:solidFill>
-              <a:latin typeface="Arial"/>
-              <a:ea typeface="Arial"/>
-              <a:cs typeface="Arial"/>
-            </a:endParaRPr>
-          </a:p>
-          <a:p>
-            <a:pPr>
-              <a:defRPr/>
-            </a:pPr>
-            <a:endParaRPr lang="en-US" sz="2400" b="0" i="0" u="none" strike="noStrike" cap="none" spc="0">
-              <a:solidFill>
-                <a:srgbClr val="000000"/>
-              </a:solidFill>
-              <a:latin typeface="Arial"/>
-              <a:ea typeface="Arial"/>
-              <a:cs typeface="Arial"/>
-            </a:endParaRPr>
-          </a:p>
-          <a:p>
-            <a:pPr>
-              <a:defRPr/>
-            </a:pPr>
-            <a:r>
-              <a:rPr lang="en-US" sz="2400" b="1" i="0" u="sng" strike="noStrike" cap="none" spc="0">
-                <a:solidFill>
-                  <a:srgbClr val="000000"/>
-                </a:solidFill>
-                <a:latin typeface="Arial"/>
-                <a:ea typeface="Arial"/>
-                <a:cs typeface="Arial"/>
-              </a:rPr>
-              <a:t>T2 (presencial): </a:t>
-            </a:r>
-            <a:endParaRPr sz="2400" b="0" i="0" u="sng" strike="noStrike" cap="none" spc="0">
-              <a:solidFill>
-                <a:srgbClr val="000000"/>
-              </a:solidFill>
-              <a:latin typeface="Arial"/>
-              <a:ea typeface="Arial"/>
-              <a:cs typeface="Arial"/>
-            </a:endParaRPr>
-          </a:p>
-          <a:p>
-            <a:pPr marL="349965" indent="-349965">
-              <a:buFont typeface="Arial"/>
-              <a:buChar char="•"/>
-              <a:defRPr/>
-            </a:pPr>
-            <a:r>
-              <a:rPr lang="en-US" sz="2400" b="0" i="0" u="none" strike="noStrike" cap="none" spc="0">
-                <a:solidFill>
-                  <a:srgbClr val="000000"/>
-                </a:solidFill>
-                <a:latin typeface="Arial"/>
-                <a:ea typeface="Arial"/>
-                <a:cs typeface="Arial"/>
-              </a:rPr>
-              <a:t>SuperComputação QUA 13:30 SEX 13:30</a:t>
-            </a:r>
-            <a:endParaRPr lang="en-US" sz="2400" b="0" i="0" u="none" strike="noStrike" cap="none" spc="0">
-              <a:solidFill>
-                <a:srgbClr val="000000"/>
-              </a:solidFill>
-              <a:latin typeface="Arial"/>
-              <a:ea typeface="Arial"/>
-              <a:cs typeface="Arial"/>
-            </a:endParaRPr>
-          </a:p>
-          <a:p>
-            <a:pPr marL="750014" lvl="1" indent="-349965">
-              <a:buFont typeface="Arial"/>
-              <a:buChar char="•"/>
-              <a:defRPr/>
-            </a:pPr>
-            <a:r>
-              <a:rPr lang="en-US" sz="2400" b="0" i="0" u="none" strike="noStrike" cap="none" spc="0">
-                <a:solidFill>
-                  <a:srgbClr val="000000"/>
-                </a:solidFill>
-                <a:latin typeface="Arial"/>
-                <a:ea typeface="Arial"/>
-                <a:cs typeface="Arial"/>
-              </a:rPr>
-              <a:t>Jogos Digitais TER 09:45 SEX 07:30</a:t>
+              <a:t>Acertaremos casos particulares com o tempo</a:t>
             </a:r>
             <a:endParaRPr lang="en-US" sz="2400" b="0" i="0" u="none" strike="noStrike" cap="none" spc="0">
               <a:solidFill>
@@ -29267,7 +29223,7 @@
         <p:spPr bwMode="auto">
           <a:xfrm flipH="0" flipV="0">
             <a:off x="309228" y="1661757"/>
-            <a:ext cx="8704382" cy="4976430"/>
+            <a:ext cx="8704382" cy="4976429"/>
           </a:xfrm>
           <a:prstGeom prst="rect">
             <a:avLst/>
